--- a/gao_ai_proposal.pptx
+++ b/gao_ai_proposal.pptx
@@ -5,21 +5,20 @@
     <p:sldMasterId id="2147483664" r:id="rId4"/>
   </p:sldMasterIdLst>
   <p:notesMasterIdLst>
-    <p:notesMasterId r:id="rId14"/>
+    <p:notesMasterId r:id="rId13"/>
   </p:notesMasterIdLst>
   <p:handoutMasterIdLst>
-    <p:handoutMasterId r:id="rId15"/>
+    <p:handoutMasterId r:id="rId14"/>
   </p:handoutMasterIdLst>
   <p:sldIdLst>
     <p:sldId id="294" r:id="rId5"/>
-    <p:sldId id="299" r:id="rId6"/>
-    <p:sldId id="293" r:id="rId7"/>
-    <p:sldId id="295" r:id="rId8"/>
+    <p:sldId id="293" r:id="rId6"/>
+    <p:sldId id="295" r:id="rId7"/>
+    <p:sldId id="297" r:id="rId8"/>
     <p:sldId id="296" r:id="rId9"/>
-    <p:sldId id="297" r:id="rId10"/>
-    <p:sldId id="298" r:id="rId11"/>
-    <p:sldId id="300" r:id="rId12"/>
-    <p:sldId id="301" r:id="rId13"/>
+    <p:sldId id="298" r:id="rId10"/>
+    <p:sldId id="300" r:id="rId11"/>
+    <p:sldId id="301" r:id="rId12"/>
   </p:sldIdLst>
   <p:sldSz cx="9144000" cy="5143500" type="screen16x9"/>
   <p:notesSz cx="7010400" cy="9296400"/>
@@ -187,6 +186,2566 @@
 </p:cmAuthorLst>
 </file>
 
+<file path=ppt/diagrams/colors1.xml><?xml version="1.0" encoding="utf-8"?>
+<dgm:colorsDef xmlns:dgm="http://schemas.openxmlformats.org/drawingml/2006/diagram" xmlns:a="http://schemas.openxmlformats.org/drawingml/2006/main" uniqueId="urn:microsoft.com/office/officeart/2005/8/colors/accent0_3">
+  <dgm:title val=""/>
+  <dgm:desc val=""/>
+  <dgm:catLst>
+    <dgm:cat type="mainScheme" pri="10300"/>
+  </dgm:catLst>
+  <dgm:styleLbl name="node0">
+    <dgm:fillClrLst meth="repeat">
+      <a:schemeClr val="dk2"/>
+    </dgm:fillClrLst>
+    <dgm:linClrLst meth="repeat">
+      <a:schemeClr val="lt2"/>
+    </dgm:linClrLst>
+    <dgm:effectClrLst/>
+    <dgm:txLinClrLst/>
+    <dgm:txFillClrLst/>
+    <dgm:txEffectClrLst/>
+  </dgm:styleLbl>
+  <dgm:styleLbl name="alignNode1">
+    <dgm:fillClrLst meth="repeat">
+      <a:schemeClr val="dk2"/>
+    </dgm:fillClrLst>
+    <dgm:linClrLst meth="repeat">
+      <a:schemeClr val="dk2"/>
+    </dgm:linClrLst>
+    <dgm:effectClrLst/>
+    <dgm:txLinClrLst/>
+    <dgm:txFillClrLst/>
+    <dgm:txEffectClrLst/>
+  </dgm:styleLbl>
+  <dgm:styleLbl name="node1">
+    <dgm:fillClrLst meth="repeat">
+      <a:schemeClr val="dk2"/>
+    </dgm:fillClrLst>
+    <dgm:linClrLst meth="repeat">
+      <a:schemeClr val="lt2"/>
+    </dgm:linClrLst>
+    <dgm:effectClrLst/>
+    <dgm:txLinClrLst/>
+    <dgm:txFillClrLst/>
+    <dgm:txEffectClrLst/>
+  </dgm:styleLbl>
+  <dgm:styleLbl name="lnNode1">
+    <dgm:fillClrLst meth="repeat">
+      <a:schemeClr val="dk2"/>
+    </dgm:fillClrLst>
+    <dgm:linClrLst meth="repeat">
+      <a:schemeClr val="lt2"/>
+    </dgm:linClrLst>
+    <dgm:effectClrLst/>
+    <dgm:txLinClrLst/>
+    <dgm:txFillClrLst/>
+    <dgm:txEffectClrLst/>
+  </dgm:styleLbl>
+  <dgm:styleLbl name="vennNode1">
+    <dgm:fillClrLst meth="repeat">
+      <a:schemeClr val="dk2">
+        <a:alpha val="50000"/>
+      </a:schemeClr>
+    </dgm:fillClrLst>
+    <dgm:linClrLst meth="repeat">
+      <a:schemeClr val="lt2"/>
+    </dgm:linClrLst>
+    <dgm:effectClrLst/>
+    <dgm:txLinClrLst/>
+    <dgm:txFillClrLst/>
+    <dgm:txEffectClrLst/>
+  </dgm:styleLbl>
+  <dgm:styleLbl name="node2">
+    <dgm:fillClrLst meth="repeat">
+      <a:schemeClr val="dk2"/>
+    </dgm:fillClrLst>
+    <dgm:linClrLst meth="repeat">
+      <a:schemeClr val="lt2"/>
+    </dgm:linClrLst>
+    <dgm:effectClrLst/>
+    <dgm:txLinClrLst/>
+    <dgm:txFillClrLst/>
+    <dgm:txEffectClrLst/>
+  </dgm:styleLbl>
+  <dgm:styleLbl name="node3">
+    <dgm:fillClrLst meth="repeat">
+      <a:schemeClr val="dk2"/>
+    </dgm:fillClrLst>
+    <dgm:linClrLst meth="repeat">
+      <a:schemeClr val="lt2"/>
+    </dgm:linClrLst>
+    <dgm:effectClrLst/>
+    <dgm:txLinClrLst/>
+    <dgm:txFillClrLst/>
+    <dgm:txEffectClrLst/>
+  </dgm:styleLbl>
+  <dgm:styleLbl name="node4">
+    <dgm:fillClrLst meth="repeat">
+      <a:schemeClr val="dk2"/>
+    </dgm:fillClrLst>
+    <dgm:linClrLst meth="repeat">
+      <a:schemeClr val="lt2"/>
+    </dgm:linClrLst>
+    <dgm:effectClrLst/>
+    <dgm:txLinClrLst/>
+    <dgm:txFillClrLst/>
+    <dgm:txEffectClrLst/>
+  </dgm:styleLbl>
+  <dgm:styleLbl name="fgImgPlace1">
+    <dgm:fillClrLst meth="repeat">
+      <a:schemeClr val="dk2">
+        <a:tint val="50000"/>
+      </a:schemeClr>
+    </dgm:fillClrLst>
+    <dgm:linClrLst meth="repeat">
+      <a:schemeClr val="lt2"/>
+    </dgm:linClrLst>
+    <dgm:effectClrLst/>
+    <dgm:txLinClrLst/>
+    <dgm:txFillClrLst meth="repeat">
+      <a:schemeClr val="lt2"/>
+    </dgm:txFillClrLst>
+    <dgm:txEffectClrLst/>
+  </dgm:styleLbl>
+  <dgm:styleLbl name="alignImgPlace1">
+    <dgm:fillClrLst meth="repeat">
+      <a:schemeClr val="dk2">
+        <a:tint val="50000"/>
+      </a:schemeClr>
+    </dgm:fillClrLst>
+    <dgm:linClrLst meth="repeat">
+      <a:schemeClr val="dk2">
+        <a:shade val="80000"/>
+      </a:schemeClr>
+    </dgm:linClrLst>
+    <dgm:effectClrLst/>
+    <dgm:txLinClrLst/>
+    <dgm:txFillClrLst meth="repeat">
+      <a:schemeClr val="lt2"/>
+    </dgm:txFillClrLst>
+    <dgm:txEffectClrLst/>
+  </dgm:styleLbl>
+  <dgm:styleLbl name="bgImgPlace1">
+    <dgm:fillClrLst meth="repeat">
+      <a:schemeClr val="dk2">
+        <a:tint val="50000"/>
+      </a:schemeClr>
+    </dgm:fillClrLst>
+    <dgm:linClrLst meth="repeat">
+      <a:schemeClr val="dk2">
+        <a:shade val="80000"/>
+      </a:schemeClr>
+    </dgm:linClrLst>
+    <dgm:effectClrLst/>
+    <dgm:txLinClrLst/>
+    <dgm:txFillClrLst meth="repeat">
+      <a:schemeClr val="lt2"/>
+    </dgm:txFillClrLst>
+    <dgm:txEffectClrLst/>
+  </dgm:styleLbl>
+  <dgm:styleLbl name="sibTrans2D1">
+    <dgm:fillClrLst meth="repeat">
+      <a:schemeClr val="dk2">
+        <a:tint val="60000"/>
+      </a:schemeClr>
+    </dgm:fillClrLst>
+    <dgm:linClrLst meth="repeat">
+      <a:schemeClr val="dk2">
+        <a:tint val="60000"/>
+      </a:schemeClr>
+    </dgm:linClrLst>
+    <dgm:effectClrLst/>
+    <dgm:txLinClrLst/>
+    <dgm:txFillClrLst/>
+    <dgm:txEffectClrLst/>
+  </dgm:styleLbl>
+  <dgm:styleLbl name="fgSibTrans2D1">
+    <dgm:fillClrLst meth="repeat">
+      <a:schemeClr val="dk2">
+        <a:tint val="60000"/>
+      </a:schemeClr>
+    </dgm:fillClrLst>
+    <dgm:linClrLst meth="repeat">
+      <a:schemeClr val="dk2">
+        <a:tint val="60000"/>
+      </a:schemeClr>
+    </dgm:linClrLst>
+    <dgm:effectClrLst/>
+    <dgm:txLinClrLst/>
+    <dgm:txFillClrLst/>
+    <dgm:txEffectClrLst/>
+  </dgm:styleLbl>
+  <dgm:styleLbl name="bgSibTrans2D1">
+    <dgm:fillClrLst meth="repeat">
+      <a:schemeClr val="dk2">
+        <a:tint val="60000"/>
+      </a:schemeClr>
+    </dgm:fillClrLst>
+    <dgm:linClrLst meth="repeat">
+      <a:schemeClr val="dk2">
+        <a:tint val="60000"/>
+      </a:schemeClr>
+    </dgm:linClrLst>
+    <dgm:effectClrLst/>
+    <dgm:txLinClrLst/>
+    <dgm:txFillClrLst/>
+    <dgm:txEffectClrLst/>
+  </dgm:styleLbl>
+  <dgm:styleLbl name="sibTrans1D1">
+    <dgm:fillClrLst meth="repeat">
+      <a:schemeClr val="dk2"/>
+    </dgm:fillClrLst>
+    <dgm:linClrLst meth="repeat">
+      <a:schemeClr val="dk2"/>
+    </dgm:linClrLst>
+    <dgm:effectClrLst/>
+    <dgm:txLinClrLst/>
+    <dgm:txFillClrLst meth="repeat">
+      <a:schemeClr val="lt2"/>
+    </dgm:txFillClrLst>
+    <dgm:txEffectClrLst/>
+  </dgm:styleLbl>
+  <dgm:styleLbl name="callout">
+    <dgm:fillClrLst meth="repeat">
+      <a:schemeClr val="dk2"/>
+    </dgm:fillClrLst>
+    <dgm:linClrLst meth="repeat">
+      <a:schemeClr val="dk2">
+        <a:tint val="50000"/>
+      </a:schemeClr>
+    </dgm:linClrLst>
+    <dgm:effectClrLst/>
+    <dgm:txLinClrLst/>
+    <dgm:txFillClrLst meth="repeat">
+      <a:schemeClr val="lt2"/>
+    </dgm:txFillClrLst>
+    <dgm:txEffectClrLst/>
+  </dgm:styleLbl>
+  <dgm:styleLbl name="asst0">
+    <dgm:fillClrLst meth="repeat">
+      <a:schemeClr val="dk2"/>
+    </dgm:fillClrLst>
+    <dgm:linClrLst meth="repeat">
+      <a:schemeClr val="lt2"/>
+    </dgm:linClrLst>
+    <dgm:effectClrLst/>
+    <dgm:txLinClrLst/>
+    <dgm:txFillClrLst/>
+    <dgm:txEffectClrLst/>
+  </dgm:styleLbl>
+  <dgm:styleLbl name="asst1">
+    <dgm:fillClrLst meth="repeat">
+      <a:schemeClr val="dk2"/>
+    </dgm:fillClrLst>
+    <dgm:linClrLst meth="repeat">
+      <a:schemeClr val="lt2"/>
+    </dgm:linClrLst>
+    <dgm:effectClrLst/>
+    <dgm:txLinClrLst/>
+    <dgm:txFillClrLst/>
+    <dgm:txEffectClrLst/>
+  </dgm:styleLbl>
+  <dgm:styleLbl name="asst2">
+    <dgm:fillClrLst meth="repeat">
+      <a:schemeClr val="dk2"/>
+    </dgm:fillClrLst>
+    <dgm:linClrLst meth="repeat">
+      <a:schemeClr val="lt2"/>
+    </dgm:linClrLst>
+    <dgm:effectClrLst/>
+    <dgm:txLinClrLst/>
+    <dgm:txFillClrLst/>
+    <dgm:txEffectClrLst/>
+  </dgm:styleLbl>
+  <dgm:styleLbl name="asst3">
+    <dgm:fillClrLst meth="repeat">
+      <a:schemeClr val="dk2"/>
+    </dgm:fillClrLst>
+    <dgm:linClrLst meth="repeat">
+      <a:schemeClr val="lt2"/>
+    </dgm:linClrLst>
+    <dgm:effectClrLst/>
+    <dgm:txLinClrLst/>
+    <dgm:txFillClrLst/>
+    <dgm:txEffectClrLst/>
+  </dgm:styleLbl>
+  <dgm:styleLbl name="asst4">
+    <dgm:fillClrLst meth="repeat">
+      <a:schemeClr val="dk2"/>
+    </dgm:fillClrLst>
+    <dgm:linClrLst meth="repeat">
+      <a:schemeClr val="lt2"/>
+    </dgm:linClrLst>
+    <dgm:effectClrLst/>
+    <dgm:txLinClrLst/>
+    <dgm:txFillClrLst/>
+    <dgm:txEffectClrLst/>
+  </dgm:styleLbl>
+  <dgm:styleLbl name="parChTrans2D1">
+    <dgm:fillClrLst meth="repeat">
+      <a:schemeClr val="dk2">
+        <a:tint val="60000"/>
+      </a:schemeClr>
+    </dgm:fillClrLst>
+    <dgm:linClrLst meth="repeat">
+      <a:schemeClr val="dk2">
+        <a:tint val="60000"/>
+      </a:schemeClr>
+    </dgm:linClrLst>
+    <dgm:effectClrLst/>
+    <dgm:txLinClrLst/>
+    <dgm:txFillClrLst meth="repeat">
+      <a:schemeClr val="lt2"/>
+    </dgm:txFillClrLst>
+    <dgm:txEffectClrLst/>
+  </dgm:styleLbl>
+  <dgm:styleLbl name="parChTrans2D2">
+    <dgm:fillClrLst meth="repeat">
+      <a:schemeClr val="dk2"/>
+    </dgm:fillClrLst>
+    <dgm:linClrLst meth="repeat">
+      <a:schemeClr val="dk2"/>
+    </dgm:linClrLst>
+    <dgm:effectClrLst/>
+    <dgm:txLinClrLst/>
+    <dgm:txFillClrLst meth="repeat">
+      <a:schemeClr val="lt2"/>
+    </dgm:txFillClrLst>
+    <dgm:txEffectClrLst/>
+  </dgm:styleLbl>
+  <dgm:styleLbl name="parChTrans2D3">
+    <dgm:fillClrLst meth="repeat">
+      <a:schemeClr val="dk2"/>
+    </dgm:fillClrLst>
+    <dgm:linClrLst meth="repeat">
+      <a:schemeClr val="dk2"/>
+    </dgm:linClrLst>
+    <dgm:effectClrLst/>
+    <dgm:txLinClrLst/>
+    <dgm:txFillClrLst meth="repeat">
+      <a:schemeClr val="lt2"/>
+    </dgm:txFillClrLst>
+    <dgm:txEffectClrLst/>
+  </dgm:styleLbl>
+  <dgm:styleLbl name="parChTrans2D4">
+    <dgm:fillClrLst meth="repeat">
+      <a:schemeClr val="dk2"/>
+    </dgm:fillClrLst>
+    <dgm:linClrLst meth="repeat">
+      <a:schemeClr val="dk2"/>
+    </dgm:linClrLst>
+    <dgm:effectClrLst/>
+    <dgm:txLinClrLst/>
+    <dgm:txFillClrLst meth="repeat">
+      <a:schemeClr val="lt2"/>
+    </dgm:txFillClrLst>
+    <dgm:txEffectClrLst/>
+  </dgm:styleLbl>
+  <dgm:styleLbl name="parChTrans1D1">
+    <dgm:fillClrLst meth="repeat">
+      <a:schemeClr val="dk2"/>
+    </dgm:fillClrLst>
+    <dgm:linClrLst meth="repeat">
+      <a:schemeClr val="dk2">
+        <a:shade val="60000"/>
+      </a:schemeClr>
+    </dgm:linClrLst>
+    <dgm:effectClrLst/>
+    <dgm:txLinClrLst/>
+    <dgm:txFillClrLst meth="repeat">
+      <a:schemeClr val="tx1"/>
+    </dgm:txFillClrLst>
+    <dgm:txEffectClrLst/>
+  </dgm:styleLbl>
+  <dgm:styleLbl name="parChTrans1D2">
+    <dgm:fillClrLst meth="repeat">
+      <a:schemeClr val="dk2"/>
+    </dgm:fillClrLst>
+    <dgm:linClrLst meth="repeat">
+      <a:schemeClr val="dk2">
+        <a:shade val="60000"/>
+      </a:schemeClr>
+    </dgm:linClrLst>
+    <dgm:effectClrLst/>
+    <dgm:txLinClrLst/>
+    <dgm:txFillClrLst meth="repeat">
+      <a:schemeClr val="tx1"/>
+    </dgm:txFillClrLst>
+    <dgm:txEffectClrLst/>
+  </dgm:styleLbl>
+  <dgm:styleLbl name="parChTrans1D3">
+    <dgm:fillClrLst meth="repeat">
+      <a:schemeClr val="dk2"/>
+    </dgm:fillClrLst>
+    <dgm:linClrLst meth="repeat">
+      <a:schemeClr val="dk2">
+        <a:shade val="80000"/>
+      </a:schemeClr>
+    </dgm:linClrLst>
+    <dgm:effectClrLst/>
+    <dgm:txLinClrLst/>
+    <dgm:txFillClrLst meth="repeat">
+      <a:schemeClr val="tx1"/>
+    </dgm:txFillClrLst>
+    <dgm:txEffectClrLst/>
+  </dgm:styleLbl>
+  <dgm:styleLbl name="parChTrans1D4">
+    <dgm:fillClrLst meth="repeat">
+      <a:schemeClr val="dk2"/>
+    </dgm:fillClrLst>
+    <dgm:linClrLst meth="repeat">
+      <a:schemeClr val="dk2">
+        <a:shade val="80000"/>
+      </a:schemeClr>
+    </dgm:linClrLst>
+    <dgm:effectClrLst/>
+    <dgm:txLinClrLst/>
+    <dgm:txFillClrLst meth="repeat">
+      <a:schemeClr val="tx1"/>
+    </dgm:txFillClrLst>
+    <dgm:txEffectClrLst/>
+  </dgm:styleLbl>
+  <dgm:styleLbl name="fgAcc1">
+    <dgm:fillClrLst meth="repeat">
+      <a:schemeClr val="lt2">
+        <a:alpha val="90000"/>
+      </a:schemeClr>
+    </dgm:fillClrLst>
+    <dgm:linClrLst meth="repeat">
+      <a:schemeClr val="dk2"/>
+    </dgm:linClrLst>
+    <dgm:effectClrLst/>
+    <dgm:txLinClrLst/>
+    <dgm:txFillClrLst meth="repeat">
+      <a:schemeClr val="dk1"/>
+    </dgm:txFillClrLst>
+    <dgm:txEffectClrLst/>
+  </dgm:styleLbl>
+  <dgm:styleLbl name="conFgAcc1">
+    <dgm:fillClrLst meth="repeat">
+      <a:schemeClr val="lt2">
+        <a:alpha val="90000"/>
+      </a:schemeClr>
+    </dgm:fillClrLst>
+    <dgm:linClrLst meth="repeat">
+      <a:schemeClr val="dk2"/>
+    </dgm:linClrLst>
+    <dgm:effectClrLst/>
+    <dgm:txLinClrLst/>
+    <dgm:txFillClrLst meth="repeat">
+      <a:schemeClr val="dk1"/>
+    </dgm:txFillClrLst>
+    <dgm:txEffectClrLst/>
+  </dgm:styleLbl>
+  <dgm:styleLbl name="alignAcc1">
+    <dgm:fillClrLst meth="repeat">
+      <a:schemeClr val="lt2">
+        <a:alpha val="90000"/>
+      </a:schemeClr>
+    </dgm:fillClrLst>
+    <dgm:linClrLst meth="repeat">
+      <a:schemeClr val="dk2"/>
+    </dgm:linClrLst>
+    <dgm:effectClrLst/>
+    <dgm:txLinClrLst/>
+    <dgm:txFillClrLst meth="repeat">
+      <a:schemeClr val="dk1"/>
+    </dgm:txFillClrLst>
+    <dgm:txEffectClrLst/>
+  </dgm:styleLbl>
+  <dgm:styleLbl name="trAlignAcc1">
+    <dgm:fillClrLst meth="repeat">
+      <a:schemeClr val="lt2">
+        <a:alpha val="40000"/>
+      </a:schemeClr>
+    </dgm:fillClrLst>
+    <dgm:linClrLst meth="repeat">
+      <a:schemeClr val="dk2"/>
+    </dgm:linClrLst>
+    <dgm:effectClrLst/>
+    <dgm:txLinClrLst/>
+    <dgm:txFillClrLst meth="repeat">
+      <a:schemeClr val="dk1"/>
+    </dgm:txFillClrLst>
+    <dgm:txEffectClrLst/>
+  </dgm:styleLbl>
+  <dgm:styleLbl name="bgAcc1">
+    <dgm:fillClrLst meth="repeat">
+      <a:schemeClr val="lt2">
+        <a:alpha val="90000"/>
+      </a:schemeClr>
+    </dgm:fillClrLst>
+    <dgm:linClrLst meth="repeat">
+      <a:schemeClr val="dk2"/>
+    </dgm:linClrLst>
+    <dgm:effectClrLst/>
+    <dgm:txLinClrLst/>
+    <dgm:txFillClrLst meth="repeat">
+      <a:schemeClr val="dk1"/>
+    </dgm:txFillClrLst>
+    <dgm:txEffectClrLst/>
+  </dgm:styleLbl>
+  <dgm:styleLbl name="solidFgAcc1">
+    <dgm:fillClrLst meth="repeat">
+      <a:schemeClr val="lt2"/>
+    </dgm:fillClrLst>
+    <dgm:linClrLst meth="repeat">
+      <a:schemeClr val="dk2"/>
+    </dgm:linClrLst>
+    <dgm:effectClrLst/>
+    <dgm:txLinClrLst/>
+    <dgm:txFillClrLst meth="repeat">
+      <a:schemeClr val="dk1"/>
+    </dgm:txFillClrLst>
+    <dgm:txEffectClrLst/>
+  </dgm:styleLbl>
+  <dgm:styleLbl name="solidAlignAcc1">
+    <dgm:fillClrLst meth="repeat">
+      <a:schemeClr val="lt2"/>
+    </dgm:fillClrLst>
+    <dgm:linClrLst meth="repeat">
+      <a:schemeClr val="dk2"/>
+    </dgm:linClrLst>
+    <dgm:effectClrLst/>
+    <dgm:txLinClrLst/>
+    <dgm:txFillClrLst meth="repeat">
+      <a:schemeClr val="dk1"/>
+    </dgm:txFillClrLst>
+    <dgm:txEffectClrLst/>
+  </dgm:styleLbl>
+  <dgm:styleLbl name="solidBgAcc1">
+    <dgm:fillClrLst meth="repeat">
+      <a:schemeClr val="lt2"/>
+    </dgm:fillClrLst>
+    <dgm:linClrLst meth="repeat">
+      <a:schemeClr val="dk2"/>
+    </dgm:linClrLst>
+    <dgm:effectClrLst/>
+    <dgm:txLinClrLst/>
+    <dgm:txFillClrLst meth="repeat">
+      <a:schemeClr val="dk1"/>
+    </dgm:txFillClrLst>
+    <dgm:txEffectClrLst/>
+  </dgm:styleLbl>
+  <dgm:styleLbl name="fgAccFollowNode1">
+    <dgm:fillClrLst meth="repeat">
+      <a:schemeClr val="dk2">
+        <a:alpha val="90000"/>
+        <a:tint val="40000"/>
+      </a:schemeClr>
+    </dgm:fillClrLst>
+    <dgm:linClrLst meth="repeat">
+      <a:schemeClr val="dk2">
+        <a:alpha val="90000"/>
+        <a:tint val="40000"/>
+      </a:schemeClr>
+    </dgm:linClrLst>
+    <dgm:effectClrLst/>
+    <dgm:txLinClrLst/>
+    <dgm:txFillClrLst meth="repeat">
+      <a:schemeClr val="dk1"/>
+    </dgm:txFillClrLst>
+    <dgm:txEffectClrLst/>
+  </dgm:styleLbl>
+  <dgm:styleLbl name="alignAccFollowNode1">
+    <dgm:fillClrLst meth="repeat">
+      <a:schemeClr val="dk2">
+        <a:alpha val="90000"/>
+        <a:tint val="40000"/>
+      </a:schemeClr>
+    </dgm:fillClrLst>
+    <dgm:linClrLst meth="repeat">
+      <a:schemeClr val="dk2">
+        <a:alpha val="90000"/>
+        <a:tint val="40000"/>
+      </a:schemeClr>
+    </dgm:linClrLst>
+    <dgm:effectClrLst/>
+    <dgm:txLinClrLst/>
+    <dgm:txFillClrLst meth="repeat">
+      <a:schemeClr val="dk1"/>
+    </dgm:txFillClrLst>
+    <dgm:txEffectClrLst/>
+  </dgm:styleLbl>
+  <dgm:styleLbl name="bgAccFollowNode1">
+    <dgm:fillClrLst meth="repeat">
+      <a:schemeClr val="dk2">
+        <a:alpha val="90000"/>
+        <a:tint val="40000"/>
+      </a:schemeClr>
+    </dgm:fillClrLst>
+    <dgm:linClrLst meth="repeat">
+      <a:schemeClr val="dk2">
+        <a:alpha val="90000"/>
+        <a:tint val="40000"/>
+      </a:schemeClr>
+    </dgm:linClrLst>
+    <dgm:effectClrLst/>
+    <dgm:txLinClrLst/>
+    <dgm:txFillClrLst meth="repeat">
+      <a:schemeClr val="dk1"/>
+    </dgm:txFillClrLst>
+    <dgm:txEffectClrLst/>
+  </dgm:styleLbl>
+  <dgm:styleLbl name="fgAcc0">
+    <dgm:fillClrLst meth="repeat">
+      <a:schemeClr val="lt2">
+        <a:alpha val="90000"/>
+      </a:schemeClr>
+    </dgm:fillClrLst>
+    <dgm:linClrLst meth="repeat">
+      <a:schemeClr val="dk2"/>
+    </dgm:linClrLst>
+    <dgm:effectClrLst/>
+    <dgm:txLinClrLst/>
+    <dgm:txFillClrLst meth="repeat">
+      <a:schemeClr val="dk1"/>
+    </dgm:txFillClrLst>
+    <dgm:txEffectClrLst/>
+  </dgm:styleLbl>
+  <dgm:styleLbl name="fgAcc2">
+    <dgm:fillClrLst meth="repeat">
+      <a:schemeClr val="lt2">
+        <a:alpha val="90000"/>
+      </a:schemeClr>
+    </dgm:fillClrLst>
+    <dgm:linClrLst meth="repeat">
+      <a:schemeClr val="dk2"/>
+    </dgm:linClrLst>
+    <dgm:effectClrLst/>
+    <dgm:txLinClrLst/>
+    <dgm:txFillClrLst meth="repeat">
+      <a:schemeClr val="dk1"/>
+    </dgm:txFillClrLst>
+    <dgm:txEffectClrLst/>
+  </dgm:styleLbl>
+  <dgm:styleLbl name="fgAcc3">
+    <dgm:fillClrLst meth="repeat">
+      <a:schemeClr val="lt2">
+        <a:alpha val="90000"/>
+      </a:schemeClr>
+    </dgm:fillClrLst>
+    <dgm:linClrLst meth="repeat">
+      <a:schemeClr val="dk2"/>
+    </dgm:linClrLst>
+    <dgm:effectClrLst/>
+    <dgm:txLinClrLst/>
+    <dgm:txFillClrLst meth="repeat">
+      <a:schemeClr val="dk1"/>
+    </dgm:txFillClrLst>
+    <dgm:txEffectClrLst/>
+  </dgm:styleLbl>
+  <dgm:styleLbl name="fgAcc4">
+    <dgm:fillClrLst meth="repeat">
+      <a:schemeClr val="lt2">
+        <a:alpha val="90000"/>
+      </a:schemeClr>
+    </dgm:fillClrLst>
+    <dgm:linClrLst meth="repeat">
+      <a:schemeClr val="dk2"/>
+    </dgm:linClrLst>
+    <dgm:effectClrLst/>
+    <dgm:txLinClrLst/>
+    <dgm:txFillClrLst meth="repeat">
+      <a:schemeClr val="dk1"/>
+    </dgm:txFillClrLst>
+    <dgm:txEffectClrLst/>
+  </dgm:styleLbl>
+  <dgm:styleLbl name="bgShp">
+    <dgm:fillClrLst meth="repeat">
+      <a:schemeClr val="dk2">
+        <a:tint val="40000"/>
+      </a:schemeClr>
+    </dgm:fillClrLst>
+    <dgm:linClrLst meth="repeat">
+      <a:schemeClr val="dk2"/>
+    </dgm:linClrLst>
+    <dgm:effectClrLst/>
+    <dgm:txLinClrLst/>
+    <dgm:txFillClrLst meth="repeat">
+      <a:schemeClr val="dk1"/>
+    </dgm:txFillClrLst>
+    <dgm:txEffectClrLst/>
+  </dgm:styleLbl>
+  <dgm:styleLbl name="dkBgShp">
+    <dgm:fillClrLst meth="repeat">
+      <a:schemeClr val="dk2">
+        <a:shade val="80000"/>
+      </a:schemeClr>
+    </dgm:fillClrLst>
+    <dgm:linClrLst meth="repeat">
+      <a:schemeClr val="dk2"/>
+    </dgm:linClrLst>
+    <dgm:effectClrLst/>
+    <dgm:txLinClrLst/>
+    <dgm:txFillClrLst meth="repeat">
+      <a:schemeClr val="lt1"/>
+    </dgm:txFillClrLst>
+    <dgm:txEffectClrLst/>
+  </dgm:styleLbl>
+  <dgm:styleLbl name="trBgShp">
+    <dgm:fillClrLst meth="repeat">
+      <a:schemeClr val="dk2">
+        <a:tint val="50000"/>
+        <a:alpha val="40000"/>
+      </a:schemeClr>
+    </dgm:fillClrLst>
+    <dgm:linClrLst meth="repeat">
+      <a:schemeClr val="dk2"/>
+    </dgm:linClrLst>
+    <dgm:effectClrLst/>
+    <dgm:txLinClrLst/>
+    <dgm:txFillClrLst meth="repeat">
+      <a:schemeClr val="lt1"/>
+    </dgm:txFillClrLst>
+    <dgm:txEffectClrLst/>
+  </dgm:styleLbl>
+  <dgm:styleLbl name="fgShp">
+    <dgm:fillClrLst meth="repeat">
+      <a:schemeClr val="dk2">
+        <a:tint val="60000"/>
+      </a:schemeClr>
+    </dgm:fillClrLst>
+    <dgm:linClrLst meth="repeat">
+      <a:schemeClr val="lt2"/>
+    </dgm:linClrLst>
+    <dgm:effectClrLst/>
+    <dgm:txLinClrLst/>
+    <dgm:txFillClrLst meth="repeat">
+      <a:schemeClr val="dk1"/>
+    </dgm:txFillClrLst>
+    <dgm:txEffectClrLst/>
+  </dgm:styleLbl>
+  <dgm:styleLbl name="revTx">
+    <dgm:fillClrLst meth="repeat">
+      <a:schemeClr val="lt2">
+        <a:alpha val="0"/>
+      </a:schemeClr>
+    </dgm:fillClrLst>
+    <dgm:linClrLst meth="repeat">
+      <a:schemeClr val="dk1">
+        <a:alpha val="0"/>
+      </a:schemeClr>
+    </dgm:linClrLst>
+    <dgm:effectClrLst/>
+    <dgm:txLinClrLst/>
+    <dgm:txFillClrLst meth="repeat">
+      <a:schemeClr val="tx1"/>
+    </dgm:txFillClrLst>
+    <dgm:txEffectClrLst/>
+  </dgm:styleLbl>
+</dgm:colorsDef>
+</file>
+
+<file path=ppt/diagrams/data1.xml><?xml version="1.0" encoding="utf-8"?>
+<dgm:dataModel xmlns:dgm="http://schemas.openxmlformats.org/drawingml/2006/diagram" xmlns:a="http://schemas.openxmlformats.org/drawingml/2006/main">
+  <dgm:ptLst>
+    <dgm:pt modelId="{2C2585E7-B65A-BF43-B109-6359D075827B}" type="doc">
+      <dgm:prSet loTypeId="urn:microsoft.com/office/officeart/2005/8/layout/default" loCatId="" qsTypeId="urn:microsoft.com/office/officeart/2005/8/quickstyle/simple4" qsCatId="simple" csTypeId="urn:microsoft.com/office/officeart/2005/8/colors/accent0_3" csCatId="mainScheme" phldr="1"/>
+      <dgm:spPr/>
+      <dgm:t>
+        <a:bodyPr/>
+        <a:lstStyle/>
+        <a:p>
+          <a:endParaRPr lang="en-US"/>
+        </a:p>
+      </dgm:t>
+    </dgm:pt>
+    <dgm:pt modelId="{9C882B44-32DA-0A43-AE6B-3408A423937F}">
+      <dgm:prSet phldrT="[Text]"/>
+      <dgm:spPr/>
+      <dgm:t>
+        <a:bodyPr/>
+        <a:lstStyle/>
+        <a:p>
+          <a:r>
+            <a:rPr lang="en-US" dirty="0"/>
+            <a:t>Governance</a:t>
+          </a:r>
+        </a:p>
+      </dgm:t>
+    </dgm:pt>
+    <dgm:pt modelId="{D1E40E96-30A3-0642-84F5-7B670B9FF053}" type="parTrans" cxnId="{71EC880F-AF81-984D-B64A-9E587C0B8E31}">
+      <dgm:prSet/>
+      <dgm:spPr/>
+      <dgm:t>
+        <a:bodyPr/>
+        <a:lstStyle/>
+        <a:p>
+          <a:endParaRPr lang="en-US"/>
+        </a:p>
+      </dgm:t>
+    </dgm:pt>
+    <dgm:pt modelId="{F71A9153-4DAD-3D4F-9750-D8D782E1A1B8}" type="sibTrans" cxnId="{71EC880F-AF81-984D-B64A-9E587C0B8E31}">
+      <dgm:prSet/>
+      <dgm:spPr/>
+      <dgm:t>
+        <a:bodyPr/>
+        <a:lstStyle/>
+        <a:p>
+          <a:endParaRPr lang="en-US"/>
+        </a:p>
+      </dgm:t>
+    </dgm:pt>
+    <dgm:pt modelId="{5ED47140-ED7F-2A4B-B5F5-2B2C5682B318}">
+      <dgm:prSet phldrT="[Text]"/>
+      <dgm:spPr/>
+      <dgm:t>
+        <a:bodyPr/>
+        <a:lstStyle/>
+        <a:p>
+          <a:r>
+            <a:rPr lang="en-US" dirty="0"/>
+            <a:t>Data</a:t>
+          </a:r>
+        </a:p>
+      </dgm:t>
+    </dgm:pt>
+    <dgm:pt modelId="{4F483107-839E-2748-820E-F8DB895166C4}" type="parTrans" cxnId="{09677C6E-D29F-884E-A2BF-33E04725783B}">
+      <dgm:prSet/>
+      <dgm:spPr/>
+      <dgm:t>
+        <a:bodyPr/>
+        <a:lstStyle/>
+        <a:p>
+          <a:endParaRPr lang="en-US"/>
+        </a:p>
+      </dgm:t>
+    </dgm:pt>
+    <dgm:pt modelId="{FE7F54AC-C6AD-7F4F-88C7-3718AF31F3B0}" type="sibTrans" cxnId="{09677C6E-D29F-884E-A2BF-33E04725783B}">
+      <dgm:prSet/>
+      <dgm:spPr/>
+      <dgm:t>
+        <a:bodyPr/>
+        <a:lstStyle/>
+        <a:p>
+          <a:endParaRPr lang="en-US"/>
+        </a:p>
+      </dgm:t>
+    </dgm:pt>
+    <dgm:pt modelId="{8C0B8F95-57D0-654C-82B5-5FEEB0FA63A0}">
+      <dgm:prSet phldrT="[Text]"/>
+      <dgm:spPr/>
+      <dgm:t>
+        <a:bodyPr/>
+        <a:lstStyle/>
+        <a:p>
+          <a:r>
+            <a:rPr lang="en-US" dirty="0"/>
+            <a:t>Monitoring</a:t>
+          </a:r>
+        </a:p>
+      </dgm:t>
+    </dgm:pt>
+    <dgm:pt modelId="{78E15251-6767-A24B-B990-94FD1FBCBF62}" type="parTrans" cxnId="{743F2A76-FE7B-8D49-9989-404C813252A0}">
+      <dgm:prSet/>
+      <dgm:spPr/>
+      <dgm:t>
+        <a:bodyPr/>
+        <a:lstStyle/>
+        <a:p>
+          <a:endParaRPr lang="en-US"/>
+        </a:p>
+      </dgm:t>
+    </dgm:pt>
+    <dgm:pt modelId="{38DA152F-D2BD-CC40-9D8E-8EFBE41093FD}" type="sibTrans" cxnId="{743F2A76-FE7B-8D49-9989-404C813252A0}">
+      <dgm:prSet/>
+      <dgm:spPr/>
+      <dgm:t>
+        <a:bodyPr/>
+        <a:lstStyle/>
+        <a:p>
+          <a:endParaRPr lang="en-US"/>
+        </a:p>
+      </dgm:t>
+    </dgm:pt>
+    <dgm:pt modelId="{CE1EAEBD-6A93-EF4A-9DE4-32955E3FE85F}">
+      <dgm:prSet phldrT="[Text]"/>
+      <dgm:spPr/>
+      <dgm:t>
+        <a:bodyPr/>
+        <a:lstStyle/>
+        <a:p>
+          <a:r>
+            <a:rPr lang="en-US" dirty="0"/>
+            <a:t>Performance</a:t>
+          </a:r>
+        </a:p>
+      </dgm:t>
+    </dgm:pt>
+    <dgm:pt modelId="{A10BF916-76A0-D44B-B69F-1B44F7504360}" type="parTrans" cxnId="{EB21388E-D199-FA46-866E-052EF7792B2B}">
+      <dgm:prSet/>
+      <dgm:spPr/>
+      <dgm:t>
+        <a:bodyPr/>
+        <a:lstStyle/>
+        <a:p>
+          <a:endParaRPr lang="en-US"/>
+        </a:p>
+      </dgm:t>
+    </dgm:pt>
+    <dgm:pt modelId="{809DC186-9336-5942-9662-A54195033CAE}" type="sibTrans" cxnId="{EB21388E-D199-FA46-866E-052EF7792B2B}">
+      <dgm:prSet/>
+      <dgm:spPr/>
+      <dgm:t>
+        <a:bodyPr/>
+        <a:lstStyle/>
+        <a:p>
+          <a:endParaRPr lang="en-US"/>
+        </a:p>
+      </dgm:t>
+    </dgm:pt>
+    <dgm:pt modelId="{4F8833A6-DE9D-6143-A3B6-CA11F40B8A9D}" type="pres">
+      <dgm:prSet presAssocID="{2C2585E7-B65A-BF43-B109-6359D075827B}" presName="diagram" presStyleCnt="0">
+        <dgm:presLayoutVars>
+          <dgm:dir/>
+          <dgm:resizeHandles val="exact"/>
+        </dgm:presLayoutVars>
+      </dgm:prSet>
+      <dgm:spPr/>
+    </dgm:pt>
+    <dgm:pt modelId="{9E7B0E47-5BCB-1545-9DCB-C527AE6A3407}" type="pres">
+      <dgm:prSet presAssocID="{9C882B44-32DA-0A43-AE6B-3408A423937F}" presName="node" presStyleLbl="node1" presStyleIdx="0" presStyleCnt="4">
+        <dgm:presLayoutVars>
+          <dgm:bulletEnabled val="1"/>
+        </dgm:presLayoutVars>
+      </dgm:prSet>
+      <dgm:spPr/>
+    </dgm:pt>
+    <dgm:pt modelId="{A62C9088-58E6-284B-98B5-70E70D66F38B}" type="pres">
+      <dgm:prSet presAssocID="{F71A9153-4DAD-3D4F-9750-D8D782E1A1B8}" presName="sibTrans" presStyleCnt="0"/>
+      <dgm:spPr/>
+    </dgm:pt>
+    <dgm:pt modelId="{4030170D-EA41-0549-BA6F-27F3657E6905}" type="pres">
+      <dgm:prSet presAssocID="{5ED47140-ED7F-2A4B-B5F5-2B2C5682B318}" presName="node" presStyleLbl="node1" presStyleIdx="1" presStyleCnt="4">
+        <dgm:presLayoutVars>
+          <dgm:bulletEnabled val="1"/>
+        </dgm:presLayoutVars>
+      </dgm:prSet>
+      <dgm:spPr/>
+    </dgm:pt>
+    <dgm:pt modelId="{1EB84B5B-AA0D-CB41-87DB-1F054FA6201F}" type="pres">
+      <dgm:prSet presAssocID="{FE7F54AC-C6AD-7F4F-88C7-3718AF31F3B0}" presName="sibTrans" presStyleCnt="0"/>
+      <dgm:spPr/>
+    </dgm:pt>
+    <dgm:pt modelId="{651989AE-D5B2-BA4B-89A8-A7B5D331048E}" type="pres">
+      <dgm:prSet presAssocID="{8C0B8F95-57D0-654C-82B5-5FEEB0FA63A0}" presName="node" presStyleLbl="node1" presStyleIdx="2" presStyleCnt="4">
+        <dgm:presLayoutVars>
+          <dgm:bulletEnabled val="1"/>
+        </dgm:presLayoutVars>
+      </dgm:prSet>
+      <dgm:spPr/>
+    </dgm:pt>
+    <dgm:pt modelId="{9F45F5D7-0AAC-1540-8345-F0DAEDED644B}" type="pres">
+      <dgm:prSet presAssocID="{38DA152F-D2BD-CC40-9D8E-8EFBE41093FD}" presName="sibTrans" presStyleCnt="0"/>
+      <dgm:spPr/>
+    </dgm:pt>
+    <dgm:pt modelId="{BE08AB15-21A7-7545-ABD7-9CDB56B553A6}" type="pres">
+      <dgm:prSet presAssocID="{CE1EAEBD-6A93-EF4A-9DE4-32955E3FE85F}" presName="node" presStyleLbl="node1" presStyleIdx="3" presStyleCnt="4">
+        <dgm:presLayoutVars>
+          <dgm:bulletEnabled val="1"/>
+        </dgm:presLayoutVars>
+      </dgm:prSet>
+      <dgm:spPr/>
+    </dgm:pt>
+  </dgm:ptLst>
+  <dgm:cxnLst>
+    <dgm:cxn modelId="{D4EB8C07-A95C-484C-B336-5882BD86D9AD}" type="presOf" srcId="{CE1EAEBD-6A93-EF4A-9DE4-32955E3FE85F}" destId="{BE08AB15-21A7-7545-ABD7-9CDB56B553A6}" srcOrd="0" destOrd="0" presId="urn:microsoft.com/office/officeart/2005/8/layout/default"/>
+    <dgm:cxn modelId="{71EC880F-AF81-984D-B64A-9E587C0B8E31}" srcId="{2C2585E7-B65A-BF43-B109-6359D075827B}" destId="{9C882B44-32DA-0A43-AE6B-3408A423937F}" srcOrd="0" destOrd="0" parTransId="{D1E40E96-30A3-0642-84F5-7B670B9FF053}" sibTransId="{F71A9153-4DAD-3D4F-9750-D8D782E1A1B8}"/>
+    <dgm:cxn modelId="{A2F09A65-7869-C044-B596-3E40D22713A3}" type="presOf" srcId="{8C0B8F95-57D0-654C-82B5-5FEEB0FA63A0}" destId="{651989AE-D5B2-BA4B-89A8-A7B5D331048E}" srcOrd="0" destOrd="0" presId="urn:microsoft.com/office/officeart/2005/8/layout/default"/>
+    <dgm:cxn modelId="{09677C6E-D29F-884E-A2BF-33E04725783B}" srcId="{2C2585E7-B65A-BF43-B109-6359D075827B}" destId="{5ED47140-ED7F-2A4B-B5F5-2B2C5682B318}" srcOrd="1" destOrd="0" parTransId="{4F483107-839E-2748-820E-F8DB895166C4}" sibTransId="{FE7F54AC-C6AD-7F4F-88C7-3718AF31F3B0}"/>
+    <dgm:cxn modelId="{743F2A76-FE7B-8D49-9989-404C813252A0}" srcId="{2C2585E7-B65A-BF43-B109-6359D075827B}" destId="{8C0B8F95-57D0-654C-82B5-5FEEB0FA63A0}" srcOrd="2" destOrd="0" parTransId="{78E15251-6767-A24B-B990-94FD1FBCBF62}" sibTransId="{38DA152F-D2BD-CC40-9D8E-8EFBE41093FD}"/>
+    <dgm:cxn modelId="{F213D887-580B-444A-BE69-09341CCCA22A}" type="presOf" srcId="{2C2585E7-B65A-BF43-B109-6359D075827B}" destId="{4F8833A6-DE9D-6143-A3B6-CA11F40B8A9D}" srcOrd="0" destOrd="0" presId="urn:microsoft.com/office/officeart/2005/8/layout/default"/>
+    <dgm:cxn modelId="{EB21388E-D199-FA46-866E-052EF7792B2B}" srcId="{2C2585E7-B65A-BF43-B109-6359D075827B}" destId="{CE1EAEBD-6A93-EF4A-9DE4-32955E3FE85F}" srcOrd="3" destOrd="0" parTransId="{A10BF916-76A0-D44B-B69F-1B44F7504360}" sibTransId="{809DC186-9336-5942-9662-A54195033CAE}"/>
+    <dgm:cxn modelId="{553E7BBB-8AE8-DB4A-9769-2DEC705ED7C0}" type="presOf" srcId="{9C882B44-32DA-0A43-AE6B-3408A423937F}" destId="{9E7B0E47-5BCB-1545-9DCB-C527AE6A3407}" srcOrd="0" destOrd="0" presId="urn:microsoft.com/office/officeart/2005/8/layout/default"/>
+    <dgm:cxn modelId="{D54993F6-9CC8-7B41-B306-2FC0D763B06D}" type="presOf" srcId="{5ED47140-ED7F-2A4B-B5F5-2B2C5682B318}" destId="{4030170D-EA41-0549-BA6F-27F3657E6905}" srcOrd="0" destOrd="0" presId="urn:microsoft.com/office/officeart/2005/8/layout/default"/>
+    <dgm:cxn modelId="{F680EEC8-9208-2146-9E12-7711951663CC}" type="presParOf" srcId="{4F8833A6-DE9D-6143-A3B6-CA11F40B8A9D}" destId="{9E7B0E47-5BCB-1545-9DCB-C527AE6A3407}" srcOrd="0" destOrd="0" presId="urn:microsoft.com/office/officeart/2005/8/layout/default"/>
+    <dgm:cxn modelId="{B6E2B41D-2C86-624A-AC5D-06FD9A406A49}" type="presParOf" srcId="{4F8833A6-DE9D-6143-A3B6-CA11F40B8A9D}" destId="{A62C9088-58E6-284B-98B5-70E70D66F38B}" srcOrd="1" destOrd="0" presId="urn:microsoft.com/office/officeart/2005/8/layout/default"/>
+    <dgm:cxn modelId="{3A5F90F9-7859-DB4F-96D7-9282236655BD}" type="presParOf" srcId="{4F8833A6-DE9D-6143-A3B6-CA11F40B8A9D}" destId="{4030170D-EA41-0549-BA6F-27F3657E6905}" srcOrd="2" destOrd="0" presId="urn:microsoft.com/office/officeart/2005/8/layout/default"/>
+    <dgm:cxn modelId="{57ED8580-AFFA-714C-9119-862978CA2B56}" type="presParOf" srcId="{4F8833A6-DE9D-6143-A3B6-CA11F40B8A9D}" destId="{1EB84B5B-AA0D-CB41-87DB-1F054FA6201F}" srcOrd="3" destOrd="0" presId="urn:microsoft.com/office/officeart/2005/8/layout/default"/>
+    <dgm:cxn modelId="{52C5B97C-A6EB-DC48-A553-CEEE25F9822C}" type="presParOf" srcId="{4F8833A6-DE9D-6143-A3B6-CA11F40B8A9D}" destId="{651989AE-D5B2-BA4B-89A8-A7B5D331048E}" srcOrd="4" destOrd="0" presId="urn:microsoft.com/office/officeart/2005/8/layout/default"/>
+    <dgm:cxn modelId="{3F1281A8-5234-C540-8153-F6BF39AAE504}" type="presParOf" srcId="{4F8833A6-DE9D-6143-A3B6-CA11F40B8A9D}" destId="{9F45F5D7-0AAC-1540-8345-F0DAEDED644B}" srcOrd="5" destOrd="0" presId="urn:microsoft.com/office/officeart/2005/8/layout/default"/>
+    <dgm:cxn modelId="{1B98E71C-ABCF-6146-A08A-51E52D1E1B93}" type="presParOf" srcId="{4F8833A6-DE9D-6143-A3B6-CA11F40B8A9D}" destId="{BE08AB15-21A7-7545-ABD7-9CDB56B553A6}" srcOrd="6" destOrd="0" presId="urn:microsoft.com/office/officeart/2005/8/layout/default"/>
+  </dgm:cxnLst>
+  <dgm:bg/>
+  <dgm:whole/>
+  <dgm:extLst>
+    <a:ext uri="http://schemas.microsoft.com/office/drawing/2008/diagram">
+      <dsp:dataModelExt xmlns:dsp="http://schemas.microsoft.com/office/drawing/2008/diagram" relId="rId7" minVer="http://schemas.openxmlformats.org/drawingml/2006/diagram"/>
+    </a:ext>
+  </dgm:extLst>
+</dgm:dataModel>
+</file>
+
+<file path=ppt/diagrams/drawing1.xml><?xml version="1.0" encoding="utf-8"?>
+<dsp:drawing xmlns:dgm="http://schemas.openxmlformats.org/drawingml/2006/diagram" xmlns:dsp="http://schemas.microsoft.com/office/drawing/2008/diagram" xmlns:a="http://schemas.openxmlformats.org/drawingml/2006/main">
+  <dsp:spTree>
+    <dsp:nvGrpSpPr>
+      <dsp:cNvPr id="0" name=""/>
+      <dsp:cNvGrpSpPr/>
+    </dsp:nvGrpSpPr>
+    <dsp:grpSpPr/>
+    <dsp:sp modelId="{9E7B0E47-5BCB-1545-9DCB-C527AE6A3407}">
+      <dsp:nvSpPr>
+        <dsp:cNvPr id="0" name=""/>
+        <dsp:cNvSpPr/>
+      </dsp:nvSpPr>
+      <dsp:spPr>
+        <a:xfrm>
+          <a:off x="10287" y="573"/>
+          <a:ext cx="2941099" cy="1764659"/>
+        </a:xfrm>
+        <a:prstGeom prst="rect">
+          <a:avLst/>
+        </a:prstGeom>
+        <a:gradFill rotWithShape="0">
+          <a:gsLst>
+            <a:gs pos="0">
+              <a:schemeClr val="dk2">
+                <a:hueOff val="0"/>
+                <a:satOff val="0"/>
+                <a:lumOff val="0"/>
+                <a:alphaOff val="0"/>
+                <a:tint val="100000"/>
+                <a:shade val="100000"/>
+                <a:satMod val="130000"/>
+              </a:schemeClr>
+            </a:gs>
+            <a:gs pos="100000">
+              <a:schemeClr val="dk2">
+                <a:hueOff val="0"/>
+                <a:satOff val="0"/>
+                <a:lumOff val="0"/>
+                <a:alphaOff val="0"/>
+                <a:tint val="50000"/>
+                <a:shade val="100000"/>
+                <a:satMod val="350000"/>
+              </a:schemeClr>
+            </a:gs>
+          </a:gsLst>
+          <a:lin ang="16200000" scaled="0"/>
+        </a:gradFill>
+        <a:ln>
+          <a:noFill/>
+        </a:ln>
+        <a:effectLst>
+          <a:outerShdw blurRad="40000" dist="23000" dir="5400000" rotWithShape="0">
+            <a:srgbClr val="000000">
+              <a:alpha val="35000"/>
+            </a:srgbClr>
+          </a:outerShdw>
+        </a:effectLst>
+      </dsp:spPr>
+      <dsp:style>
+        <a:lnRef idx="0">
+          <a:scrgbClr r="0" g="0" b="0"/>
+        </a:lnRef>
+        <a:fillRef idx="3">
+          <a:scrgbClr r="0" g="0" b="0"/>
+        </a:fillRef>
+        <a:effectRef idx="2">
+          <a:scrgbClr r="0" g="0" b="0"/>
+        </a:effectRef>
+        <a:fontRef idx="minor">
+          <a:schemeClr val="lt1"/>
+        </a:fontRef>
+      </dsp:style>
+      <dsp:txBody>
+        <a:bodyPr spcFirstLastPara="0" vert="horz" wrap="square" lIns="144780" tIns="144780" rIns="144780" bIns="144780" numCol="1" spcCol="1270" anchor="ctr" anchorCtr="0">
+          <a:noAutofit/>
+        </a:bodyPr>
+        <a:lstStyle/>
+        <a:p>
+          <a:pPr marL="0" lvl="0" indent="0" algn="ctr" defTabSz="1689100">
+            <a:lnSpc>
+              <a:spcPct val="90000"/>
+            </a:lnSpc>
+            <a:spcBef>
+              <a:spcPct val="0"/>
+            </a:spcBef>
+            <a:spcAft>
+              <a:spcPct val="35000"/>
+            </a:spcAft>
+            <a:buNone/>
+          </a:pPr>
+          <a:r>
+            <a:rPr lang="en-US" sz="3800" kern="1200" dirty="0"/>
+            <a:t>Governance</a:t>
+          </a:r>
+        </a:p>
+      </dsp:txBody>
+      <dsp:txXfrm>
+        <a:off x="10287" y="573"/>
+        <a:ext cx="2941099" cy="1764659"/>
+      </dsp:txXfrm>
+    </dsp:sp>
+    <dsp:sp modelId="{4030170D-EA41-0549-BA6F-27F3657E6905}">
+      <dsp:nvSpPr>
+        <dsp:cNvPr id="0" name=""/>
+        <dsp:cNvSpPr/>
+      </dsp:nvSpPr>
+      <dsp:spPr>
+        <a:xfrm>
+          <a:off x="3245496" y="573"/>
+          <a:ext cx="2941099" cy="1764659"/>
+        </a:xfrm>
+        <a:prstGeom prst="rect">
+          <a:avLst/>
+        </a:prstGeom>
+        <a:gradFill rotWithShape="0">
+          <a:gsLst>
+            <a:gs pos="0">
+              <a:schemeClr val="dk2">
+                <a:hueOff val="0"/>
+                <a:satOff val="0"/>
+                <a:lumOff val="0"/>
+                <a:alphaOff val="0"/>
+                <a:tint val="100000"/>
+                <a:shade val="100000"/>
+                <a:satMod val="130000"/>
+              </a:schemeClr>
+            </a:gs>
+            <a:gs pos="100000">
+              <a:schemeClr val="dk2">
+                <a:hueOff val="0"/>
+                <a:satOff val="0"/>
+                <a:lumOff val="0"/>
+                <a:alphaOff val="0"/>
+                <a:tint val="50000"/>
+                <a:shade val="100000"/>
+                <a:satMod val="350000"/>
+              </a:schemeClr>
+            </a:gs>
+          </a:gsLst>
+          <a:lin ang="16200000" scaled="0"/>
+        </a:gradFill>
+        <a:ln>
+          <a:noFill/>
+        </a:ln>
+        <a:effectLst>
+          <a:outerShdw blurRad="40000" dist="23000" dir="5400000" rotWithShape="0">
+            <a:srgbClr val="000000">
+              <a:alpha val="35000"/>
+            </a:srgbClr>
+          </a:outerShdw>
+        </a:effectLst>
+      </dsp:spPr>
+      <dsp:style>
+        <a:lnRef idx="0">
+          <a:scrgbClr r="0" g="0" b="0"/>
+        </a:lnRef>
+        <a:fillRef idx="3">
+          <a:scrgbClr r="0" g="0" b="0"/>
+        </a:fillRef>
+        <a:effectRef idx="2">
+          <a:scrgbClr r="0" g="0" b="0"/>
+        </a:effectRef>
+        <a:fontRef idx="minor">
+          <a:schemeClr val="lt1"/>
+        </a:fontRef>
+      </dsp:style>
+      <dsp:txBody>
+        <a:bodyPr spcFirstLastPara="0" vert="horz" wrap="square" lIns="144780" tIns="144780" rIns="144780" bIns="144780" numCol="1" spcCol="1270" anchor="ctr" anchorCtr="0">
+          <a:noAutofit/>
+        </a:bodyPr>
+        <a:lstStyle/>
+        <a:p>
+          <a:pPr marL="0" lvl="0" indent="0" algn="ctr" defTabSz="1689100">
+            <a:lnSpc>
+              <a:spcPct val="90000"/>
+            </a:lnSpc>
+            <a:spcBef>
+              <a:spcPct val="0"/>
+            </a:spcBef>
+            <a:spcAft>
+              <a:spcPct val="35000"/>
+            </a:spcAft>
+            <a:buNone/>
+          </a:pPr>
+          <a:r>
+            <a:rPr lang="en-US" sz="3800" kern="1200" dirty="0"/>
+            <a:t>Data</a:t>
+          </a:r>
+        </a:p>
+      </dsp:txBody>
+      <dsp:txXfrm>
+        <a:off x="3245496" y="573"/>
+        <a:ext cx="2941099" cy="1764659"/>
+      </dsp:txXfrm>
+    </dsp:sp>
+    <dsp:sp modelId="{651989AE-D5B2-BA4B-89A8-A7B5D331048E}">
+      <dsp:nvSpPr>
+        <dsp:cNvPr id="0" name=""/>
+        <dsp:cNvSpPr/>
+      </dsp:nvSpPr>
+      <dsp:spPr>
+        <a:xfrm>
+          <a:off x="10287" y="2059343"/>
+          <a:ext cx="2941099" cy="1764659"/>
+        </a:xfrm>
+        <a:prstGeom prst="rect">
+          <a:avLst/>
+        </a:prstGeom>
+        <a:gradFill rotWithShape="0">
+          <a:gsLst>
+            <a:gs pos="0">
+              <a:schemeClr val="dk2">
+                <a:hueOff val="0"/>
+                <a:satOff val="0"/>
+                <a:lumOff val="0"/>
+                <a:alphaOff val="0"/>
+                <a:tint val="100000"/>
+                <a:shade val="100000"/>
+                <a:satMod val="130000"/>
+              </a:schemeClr>
+            </a:gs>
+            <a:gs pos="100000">
+              <a:schemeClr val="dk2">
+                <a:hueOff val="0"/>
+                <a:satOff val="0"/>
+                <a:lumOff val="0"/>
+                <a:alphaOff val="0"/>
+                <a:tint val="50000"/>
+                <a:shade val="100000"/>
+                <a:satMod val="350000"/>
+              </a:schemeClr>
+            </a:gs>
+          </a:gsLst>
+          <a:lin ang="16200000" scaled="0"/>
+        </a:gradFill>
+        <a:ln>
+          <a:noFill/>
+        </a:ln>
+        <a:effectLst>
+          <a:outerShdw blurRad="40000" dist="23000" dir="5400000" rotWithShape="0">
+            <a:srgbClr val="000000">
+              <a:alpha val="35000"/>
+            </a:srgbClr>
+          </a:outerShdw>
+        </a:effectLst>
+      </dsp:spPr>
+      <dsp:style>
+        <a:lnRef idx="0">
+          <a:scrgbClr r="0" g="0" b="0"/>
+        </a:lnRef>
+        <a:fillRef idx="3">
+          <a:scrgbClr r="0" g="0" b="0"/>
+        </a:fillRef>
+        <a:effectRef idx="2">
+          <a:scrgbClr r="0" g="0" b="0"/>
+        </a:effectRef>
+        <a:fontRef idx="minor">
+          <a:schemeClr val="lt1"/>
+        </a:fontRef>
+      </dsp:style>
+      <dsp:txBody>
+        <a:bodyPr spcFirstLastPara="0" vert="horz" wrap="square" lIns="144780" tIns="144780" rIns="144780" bIns="144780" numCol="1" spcCol="1270" anchor="ctr" anchorCtr="0">
+          <a:noAutofit/>
+        </a:bodyPr>
+        <a:lstStyle/>
+        <a:p>
+          <a:pPr marL="0" lvl="0" indent="0" algn="ctr" defTabSz="1689100">
+            <a:lnSpc>
+              <a:spcPct val="90000"/>
+            </a:lnSpc>
+            <a:spcBef>
+              <a:spcPct val="0"/>
+            </a:spcBef>
+            <a:spcAft>
+              <a:spcPct val="35000"/>
+            </a:spcAft>
+            <a:buNone/>
+          </a:pPr>
+          <a:r>
+            <a:rPr lang="en-US" sz="3800" kern="1200" dirty="0"/>
+            <a:t>Monitoring</a:t>
+          </a:r>
+        </a:p>
+      </dsp:txBody>
+      <dsp:txXfrm>
+        <a:off x="10287" y="2059343"/>
+        <a:ext cx="2941099" cy="1764659"/>
+      </dsp:txXfrm>
+    </dsp:sp>
+    <dsp:sp modelId="{BE08AB15-21A7-7545-ABD7-9CDB56B553A6}">
+      <dsp:nvSpPr>
+        <dsp:cNvPr id="0" name=""/>
+        <dsp:cNvSpPr/>
+      </dsp:nvSpPr>
+      <dsp:spPr>
+        <a:xfrm>
+          <a:off x="3245496" y="2059343"/>
+          <a:ext cx="2941099" cy="1764659"/>
+        </a:xfrm>
+        <a:prstGeom prst="rect">
+          <a:avLst/>
+        </a:prstGeom>
+        <a:gradFill rotWithShape="0">
+          <a:gsLst>
+            <a:gs pos="0">
+              <a:schemeClr val="dk2">
+                <a:hueOff val="0"/>
+                <a:satOff val="0"/>
+                <a:lumOff val="0"/>
+                <a:alphaOff val="0"/>
+                <a:tint val="100000"/>
+                <a:shade val="100000"/>
+                <a:satMod val="130000"/>
+              </a:schemeClr>
+            </a:gs>
+            <a:gs pos="100000">
+              <a:schemeClr val="dk2">
+                <a:hueOff val="0"/>
+                <a:satOff val="0"/>
+                <a:lumOff val="0"/>
+                <a:alphaOff val="0"/>
+                <a:tint val="50000"/>
+                <a:shade val="100000"/>
+                <a:satMod val="350000"/>
+              </a:schemeClr>
+            </a:gs>
+          </a:gsLst>
+          <a:lin ang="16200000" scaled="0"/>
+        </a:gradFill>
+        <a:ln>
+          <a:noFill/>
+        </a:ln>
+        <a:effectLst>
+          <a:outerShdw blurRad="40000" dist="23000" dir="5400000" rotWithShape="0">
+            <a:srgbClr val="000000">
+              <a:alpha val="35000"/>
+            </a:srgbClr>
+          </a:outerShdw>
+        </a:effectLst>
+      </dsp:spPr>
+      <dsp:style>
+        <a:lnRef idx="0">
+          <a:scrgbClr r="0" g="0" b="0"/>
+        </a:lnRef>
+        <a:fillRef idx="3">
+          <a:scrgbClr r="0" g="0" b="0"/>
+        </a:fillRef>
+        <a:effectRef idx="2">
+          <a:scrgbClr r="0" g="0" b="0"/>
+        </a:effectRef>
+        <a:fontRef idx="minor">
+          <a:schemeClr val="lt1"/>
+        </a:fontRef>
+      </dsp:style>
+      <dsp:txBody>
+        <a:bodyPr spcFirstLastPara="0" vert="horz" wrap="square" lIns="144780" tIns="144780" rIns="144780" bIns="144780" numCol="1" spcCol="1270" anchor="ctr" anchorCtr="0">
+          <a:noAutofit/>
+        </a:bodyPr>
+        <a:lstStyle/>
+        <a:p>
+          <a:pPr marL="0" lvl="0" indent="0" algn="ctr" defTabSz="1689100">
+            <a:lnSpc>
+              <a:spcPct val="90000"/>
+            </a:lnSpc>
+            <a:spcBef>
+              <a:spcPct val="0"/>
+            </a:spcBef>
+            <a:spcAft>
+              <a:spcPct val="35000"/>
+            </a:spcAft>
+            <a:buNone/>
+          </a:pPr>
+          <a:r>
+            <a:rPr lang="en-US" sz="3800" kern="1200" dirty="0"/>
+            <a:t>Performance</a:t>
+          </a:r>
+        </a:p>
+      </dsp:txBody>
+      <dsp:txXfrm>
+        <a:off x="3245496" y="2059343"/>
+        <a:ext cx="2941099" cy="1764659"/>
+      </dsp:txXfrm>
+    </dsp:sp>
+  </dsp:spTree>
+</dsp:drawing>
+</file>
+
+<file path=ppt/diagrams/layout1.xml><?xml version="1.0" encoding="utf-8"?>
+<dgm:layoutDef xmlns:dgm="http://schemas.openxmlformats.org/drawingml/2006/diagram" xmlns:a="http://schemas.openxmlformats.org/drawingml/2006/main" uniqueId="urn:microsoft.com/office/officeart/2005/8/layout/default">
+  <dgm:title val=""/>
+  <dgm:desc val=""/>
+  <dgm:catLst>
+    <dgm:cat type="list" pri="400"/>
+  </dgm:catLst>
+  <dgm:sampData>
+    <dgm:dataModel>
+      <dgm:ptLst>
+        <dgm:pt modelId="0" type="doc"/>
+        <dgm:pt modelId="1">
+          <dgm:prSet phldr="1"/>
+        </dgm:pt>
+        <dgm:pt modelId="2">
+          <dgm:prSet phldr="1"/>
+        </dgm:pt>
+        <dgm:pt modelId="3">
+          <dgm:prSet phldr="1"/>
+        </dgm:pt>
+        <dgm:pt modelId="4">
+          <dgm:prSet phldr="1"/>
+        </dgm:pt>
+        <dgm:pt modelId="5">
+          <dgm:prSet phldr="1"/>
+        </dgm:pt>
+      </dgm:ptLst>
+      <dgm:cxnLst>
+        <dgm:cxn modelId="6" srcId="0" destId="1" srcOrd="0" destOrd="0"/>
+        <dgm:cxn modelId="7" srcId="0" destId="2" srcOrd="1" destOrd="0"/>
+        <dgm:cxn modelId="8" srcId="0" destId="3" srcOrd="2" destOrd="0"/>
+        <dgm:cxn modelId="9" srcId="0" destId="4" srcOrd="3" destOrd="0"/>
+        <dgm:cxn modelId="10" srcId="0" destId="5" srcOrd="4" destOrd="0"/>
+      </dgm:cxnLst>
+      <dgm:bg/>
+      <dgm:whole/>
+    </dgm:dataModel>
+  </dgm:sampData>
+  <dgm:styleData>
+    <dgm:dataModel>
+      <dgm:ptLst>
+        <dgm:pt modelId="0" type="doc"/>
+        <dgm:pt modelId="1"/>
+        <dgm:pt modelId="2"/>
+      </dgm:ptLst>
+      <dgm:cxnLst>
+        <dgm:cxn modelId="3" srcId="0" destId="1" srcOrd="0" destOrd="0"/>
+        <dgm:cxn modelId="4" srcId="0" destId="2" srcOrd="1" destOrd="0"/>
+      </dgm:cxnLst>
+      <dgm:bg/>
+      <dgm:whole/>
+    </dgm:dataModel>
+  </dgm:styleData>
+  <dgm:clrData>
+    <dgm:dataModel>
+      <dgm:ptLst>
+        <dgm:pt modelId="0" type="doc"/>
+        <dgm:pt modelId="1"/>
+        <dgm:pt modelId="2"/>
+        <dgm:pt modelId="3"/>
+        <dgm:pt modelId="4"/>
+        <dgm:pt modelId="5"/>
+        <dgm:pt modelId="6"/>
+      </dgm:ptLst>
+      <dgm:cxnLst>
+        <dgm:cxn modelId="7" srcId="0" destId="1" srcOrd="0" destOrd="0"/>
+        <dgm:cxn modelId="8" srcId="0" destId="2" srcOrd="1" destOrd="0"/>
+        <dgm:cxn modelId="9" srcId="0" destId="3" srcOrd="2" destOrd="0"/>
+        <dgm:cxn modelId="10" srcId="0" destId="4" srcOrd="3" destOrd="0"/>
+        <dgm:cxn modelId="11" srcId="0" destId="5" srcOrd="4" destOrd="0"/>
+        <dgm:cxn modelId="12" srcId="0" destId="6" srcOrd="5" destOrd="0"/>
+      </dgm:cxnLst>
+      <dgm:bg/>
+      <dgm:whole/>
+    </dgm:dataModel>
+  </dgm:clrData>
+  <dgm:layoutNode name="diagram">
+    <dgm:varLst>
+      <dgm:dir/>
+      <dgm:resizeHandles val="exact"/>
+    </dgm:varLst>
+    <dgm:choose name="Name0">
+      <dgm:if name="Name1" func="var" arg="dir" op="equ" val="norm">
+        <dgm:alg type="snake">
+          <dgm:param type="grDir" val="tL"/>
+          <dgm:param type="flowDir" val="row"/>
+          <dgm:param type="contDir" val="sameDir"/>
+          <dgm:param type="off" val="ctr"/>
+        </dgm:alg>
+      </dgm:if>
+      <dgm:else name="Name2">
+        <dgm:alg type="snake">
+          <dgm:param type="grDir" val="tR"/>
+          <dgm:param type="flowDir" val="row"/>
+          <dgm:param type="contDir" val="sameDir"/>
+          <dgm:param type="off" val="ctr"/>
+        </dgm:alg>
+      </dgm:else>
+    </dgm:choose>
+    <dgm:shape xmlns:r="http://schemas.openxmlformats.org/officeDocument/2006/relationships" r:blip="">
+      <dgm:adjLst/>
+    </dgm:shape>
+    <dgm:presOf/>
+    <dgm:constrLst>
+      <dgm:constr type="w" for="ch" forName="node" refType="w"/>
+      <dgm:constr type="h" for="ch" forName="node" refType="w" refFor="ch" refForName="node" fact="0.6"/>
+      <dgm:constr type="w" for="ch" forName="sibTrans" refType="w" refFor="ch" refForName="node" fact="0.1"/>
+      <dgm:constr type="sp" refType="w" refFor="ch" refForName="sibTrans"/>
+      <dgm:constr type="primFontSz" for="ch" forName="node" op="equ" val="65"/>
+    </dgm:constrLst>
+    <dgm:ruleLst/>
+    <dgm:forEach name="Name3" axis="ch" ptType="node">
+      <dgm:layoutNode name="node">
+        <dgm:varLst>
+          <dgm:bulletEnabled val="1"/>
+        </dgm:varLst>
+        <dgm:alg type="tx"/>
+        <dgm:shape xmlns:r="http://schemas.openxmlformats.org/officeDocument/2006/relationships" type="rect" r:blip="">
+          <dgm:adjLst/>
+        </dgm:shape>
+        <dgm:presOf axis="desOrSelf" ptType="node"/>
+        <dgm:constrLst>
+          <dgm:constr type="lMarg" refType="primFontSz" fact="0.3"/>
+          <dgm:constr type="rMarg" refType="primFontSz" fact="0.3"/>
+          <dgm:constr type="tMarg" refType="primFontSz" fact="0.3"/>
+          <dgm:constr type="bMarg" refType="primFontSz" fact="0.3"/>
+        </dgm:constrLst>
+        <dgm:ruleLst>
+          <dgm:rule type="primFontSz" val="5" fact="NaN" max="NaN"/>
+        </dgm:ruleLst>
+      </dgm:layoutNode>
+      <dgm:forEach name="Name4" axis="followSib" ptType="sibTrans" cnt="1">
+        <dgm:layoutNode name="sibTrans">
+          <dgm:alg type="sp"/>
+          <dgm:shape xmlns:r="http://schemas.openxmlformats.org/officeDocument/2006/relationships" r:blip="">
+            <dgm:adjLst/>
+          </dgm:shape>
+          <dgm:presOf/>
+          <dgm:constrLst/>
+          <dgm:ruleLst/>
+        </dgm:layoutNode>
+      </dgm:forEach>
+    </dgm:forEach>
+  </dgm:layoutNode>
+</dgm:layoutDef>
+</file>
+
+<file path=ppt/diagrams/quickStyle1.xml><?xml version="1.0" encoding="utf-8"?>
+<dgm:styleDef xmlns:dgm="http://schemas.openxmlformats.org/drawingml/2006/diagram" xmlns:a="http://schemas.openxmlformats.org/drawingml/2006/main" uniqueId="urn:microsoft.com/office/officeart/2005/8/quickstyle/simple4">
+  <dgm:title val=""/>
+  <dgm:desc val=""/>
+  <dgm:catLst>
+    <dgm:cat type="simple" pri="10400"/>
+  </dgm:catLst>
+  <dgm:scene3d>
+    <a:camera prst="orthographicFront"/>
+    <a:lightRig rig="threePt" dir="t"/>
+  </dgm:scene3d>
+  <dgm:styleLbl name="node0">
+    <dgm:scene3d>
+      <a:camera prst="orthographicFront"/>
+      <a:lightRig rig="threePt" dir="t"/>
+    </dgm:scene3d>
+    <dgm:sp3d/>
+    <dgm:txPr/>
+    <dgm:style>
+      <a:lnRef idx="0">
+        <a:scrgbClr r="0" g="0" b="0"/>
+      </a:lnRef>
+      <a:fillRef idx="3">
+        <a:scrgbClr r="0" g="0" b="0"/>
+      </a:fillRef>
+      <a:effectRef idx="2">
+        <a:scrgbClr r="0" g="0" b="0"/>
+      </a:effectRef>
+      <a:fontRef idx="minor">
+        <a:schemeClr val="lt1"/>
+      </a:fontRef>
+    </dgm:style>
+  </dgm:styleLbl>
+  <dgm:styleLbl name="lnNode1">
+    <dgm:scene3d>
+      <a:camera prst="orthographicFront"/>
+      <a:lightRig rig="threePt" dir="t"/>
+    </dgm:scene3d>
+    <dgm:sp3d/>
+    <dgm:txPr/>
+    <dgm:style>
+      <a:lnRef idx="1">
+        <a:scrgbClr r="0" g="0" b="0"/>
+      </a:lnRef>
+      <a:fillRef idx="3">
+        <a:scrgbClr r="0" g="0" b="0"/>
+      </a:fillRef>
+      <a:effectRef idx="2">
+        <a:scrgbClr r="0" g="0" b="0"/>
+      </a:effectRef>
+      <a:fontRef idx="minor">
+        <a:schemeClr val="lt1"/>
+      </a:fontRef>
+    </dgm:style>
+  </dgm:styleLbl>
+  <dgm:styleLbl name="vennNode1">
+    <dgm:scene3d>
+      <a:camera prst="orthographicFront"/>
+      <a:lightRig rig="threePt" dir="t"/>
+    </dgm:scene3d>
+    <dgm:sp3d/>
+    <dgm:txPr/>
+    <dgm:style>
+      <a:lnRef idx="0">
+        <a:scrgbClr r="0" g="0" b="0"/>
+      </a:lnRef>
+      <a:fillRef idx="3">
+        <a:scrgbClr r="0" g="0" b="0"/>
+      </a:fillRef>
+      <a:effectRef idx="0">
+        <a:scrgbClr r="0" g="0" b="0"/>
+      </a:effectRef>
+      <a:fontRef idx="minor">
+        <a:schemeClr val="tx1"/>
+      </a:fontRef>
+    </dgm:style>
+  </dgm:styleLbl>
+  <dgm:styleLbl name="alignNode1">
+    <dgm:scene3d>
+      <a:camera prst="orthographicFront"/>
+      <a:lightRig rig="threePt" dir="t"/>
+    </dgm:scene3d>
+    <dgm:sp3d/>
+    <dgm:txPr/>
+    <dgm:style>
+      <a:lnRef idx="1">
+        <a:scrgbClr r="0" g="0" b="0"/>
+      </a:lnRef>
+      <a:fillRef idx="3">
+        <a:scrgbClr r="0" g="0" b="0"/>
+      </a:fillRef>
+      <a:effectRef idx="2">
+        <a:scrgbClr r="0" g="0" b="0"/>
+      </a:effectRef>
+      <a:fontRef idx="minor">
+        <a:schemeClr val="lt1"/>
+      </a:fontRef>
+    </dgm:style>
+  </dgm:styleLbl>
+  <dgm:styleLbl name="node1">
+    <dgm:scene3d>
+      <a:camera prst="orthographicFront"/>
+      <a:lightRig rig="threePt" dir="t"/>
+    </dgm:scene3d>
+    <dgm:sp3d/>
+    <dgm:txPr/>
+    <dgm:style>
+      <a:lnRef idx="0">
+        <a:scrgbClr r="0" g="0" b="0"/>
+      </a:lnRef>
+      <a:fillRef idx="3">
+        <a:scrgbClr r="0" g="0" b="0"/>
+      </a:fillRef>
+      <a:effectRef idx="2">
+        <a:scrgbClr r="0" g="0" b="0"/>
+      </a:effectRef>
+      <a:fontRef idx="minor">
+        <a:schemeClr val="lt1"/>
+      </a:fontRef>
+    </dgm:style>
+  </dgm:styleLbl>
+  <dgm:styleLbl name="node2">
+    <dgm:scene3d>
+      <a:camera prst="orthographicFront"/>
+      <a:lightRig rig="threePt" dir="t"/>
+    </dgm:scene3d>
+    <dgm:sp3d/>
+    <dgm:txPr/>
+    <dgm:style>
+      <a:lnRef idx="0">
+        <a:scrgbClr r="0" g="0" b="0"/>
+      </a:lnRef>
+      <a:fillRef idx="3">
+        <a:scrgbClr r="0" g="0" b="0"/>
+      </a:fillRef>
+      <a:effectRef idx="2">
+        <a:scrgbClr r="0" g="0" b="0"/>
+      </a:effectRef>
+      <a:fontRef idx="minor">
+        <a:schemeClr val="lt1"/>
+      </a:fontRef>
+    </dgm:style>
+  </dgm:styleLbl>
+  <dgm:styleLbl name="node3">
+    <dgm:scene3d>
+      <a:camera prst="orthographicFront"/>
+      <a:lightRig rig="threePt" dir="t"/>
+    </dgm:scene3d>
+    <dgm:sp3d/>
+    <dgm:txPr/>
+    <dgm:style>
+      <a:lnRef idx="0">
+        <a:scrgbClr r="0" g="0" b="0"/>
+      </a:lnRef>
+      <a:fillRef idx="3">
+        <a:scrgbClr r="0" g="0" b="0"/>
+      </a:fillRef>
+      <a:effectRef idx="2">
+        <a:scrgbClr r="0" g="0" b="0"/>
+      </a:effectRef>
+      <a:fontRef idx="minor">
+        <a:schemeClr val="lt1"/>
+      </a:fontRef>
+    </dgm:style>
+  </dgm:styleLbl>
+  <dgm:styleLbl name="node4">
+    <dgm:scene3d>
+      <a:camera prst="orthographicFront"/>
+      <a:lightRig rig="threePt" dir="t"/>
+    </dgm:scene3d>
+    <dgm:sp3d/>
+    <dgm:txPr/>
+    <dgm:style>
+      <a:lnRef idx="0">
+        <a:scrgbClr r="0" g="0" b="0"/>
+      </a:lnRef>
+      <a:fillRef idx="3">
+        <a:scrgbClr r="0" g="0" b="0"/>
+      </a:fillRef>
+      <a:effectRef idx="2">
+        <a:scrgbClr r="0" g="0" b="0"/>
+      </a:effectRef>
+      <a:fontRef idx="minor">
+        <a:schemeClr val="lt1"/>
+      </a:fontRef>
+    </dgm:style>
+  </dgm:styleLbl>
+  <dgm:styleLbl name="fgImgPlace1">
+    <dgm:scene3d>
+      <a:camera prst="orthographicFront"/>
+      <a:lightRig rig="threePt" dir="t"/>
+    </dgm:scene3d>
+    <dgm:sp3d/>
+    <dgm:txPr/>
+    <dgm:style>
+      <a:lnRef idx="0">
+        <a:scrgbClr r="0" g="0" b="0"/>
+      </a:lnRef>
+      <a:fillRef idx="1">
+        <a:scrgbClr r="0" g="0" b="0"/>
+      </a:fillRef>
+      <a:effectRef idx="2">
+        <a:scrgbClr r="0" g="0" b="0"/>
+      </a:effectRef>
+      <a:fontRef idx="minor"/>
+    </dgm:style>
+  </dgm:styleLbl>
+  <dgm:styleLbl name="alignImgPlace1">
+    <dgm:scene3d>
+      <a:camera prst="orthographicFront"/>
+      <a:lightRig rig="threePt" dir="t"/>
+    </dgm:scene3d>
+    <dgm:sp3d/>
+    <dgm:txPr/>
+    <dgm:style>
+      <a:lnRef idx="0">
+        <a:scrgbClr r="0" g="0" b="0"/>
+      </a:lnRef>
+      <a:fillRef idx="1">
+        <a:scrgbClr r="0" g="0" b="0"/>
+      </a:fillRef>
+      <a:effectRef idx="2">
+        <a:scrgbClr r="0" g="0" b="0"/>
+      </a:effectRef>
+      <a:fontRef idx="minor"/>
+    </dgm:style>
+  </dgm:styleLbl>
+  <dgm:styleLbl name="bgImgPlace1">
+    <dgm:scene3d>
+      <a:camera prst="orthographicFront"/>
+      <a:lightRig rig="threePt" dir="t"/>
+    </dgm:scene3d>
+    <dgm:sp3d/>
+    <dgm:txPr/>
+    <dgm:style>
+      <a:lnRef idx="0">
+        <a:scrgbClr r="0" g="0" b="0"/>
+      </a:lnRef>
+      <a:fillRef idx="1">
+        <a:scrgbClr r="0" g="0" b="0"/>
+      </a:fillRef>
+      <a:effectRef idx="2">
+        <a:scrgbClr r="0" g="0" b="0"/>
+      </a:effectRef>
+      <a:fontRef idx="minor"/>
+    </dgm:style>
+  </dgm:styleLbl>
+  <dgm:styleLbl name="sibTrans2D1">
+    <dgm:scene3d>
+      <a:camera prst="orthographicFront"/>
+      <a:lightRig rig="threePt" dir="t"/>
+    </dgm:scene3d>
+    <dgm:sp3d/>
+    <dgm:txPr/>
+    <dgm:style>
+      <a:lnRef idx="0">
+        <a:scrgbClr r="0" g="0" b="0"/>
+      </a:lnRef>
+      <a:fillRef idx="3">
+        <a:scrgbClr r="0" g="0" b="0"/>
+      </a:fillRef>
+      <a:effectRef idx="2">
+        <a:scrgbClr r="0" g="0" b="0"/>
+      </a:effectRef>
+      <a:fontRef idx="minor">
+        <a:schemeClr val="lt1"/>
+      </a:fontRef>
+    </dgm:style>
+  </dgm:styleLbl>
+  <dgm:styleLbl name="fgSibTrans2D1">
+    <dgm:scene3d>
+      <a:camera prst="orthographicFront"/>
+      <a:lightRig rig="threePt" dir="t"/>
+    </dgm:scene3d>
+    <dgm:sp3d/>
+    <dgm:txPr/>
+    <dgm:style>
+      <a:lnRef idx="0">
+        <a:scrgbClr r="0" g="0" b="0"/>
+      </a:lnRef>
+      <a:fillRef idx="3">
+        <a:scrgbClr r="0" g="0" b="0"/>
+      </a:fillRef>
+      <a:effectRef idx="2">
+        <a:scrgbClr r="0" g="0" b="0"/>
+      </a:effectRef>
+      <a:fontRef idx="minor">
+        <a:schemeClr val="lt1"/>
+      </a:fontRef>
+    </dgm:style>
+  </dgm:styleLbl>
+  <dgm:styleLbl name="bgSibTrans2D1">
+    <dgm:scene3d>
+      <a:camera prst="orthographicFront"/>
+      <a:lightRig rig="threePt" dir="t"/>
+    </dgm:scene3d>
+    <dgm:sp3d/>
+    <dgm:txPr/>
+    <dgm:style>
+      <a:lnRef idx="0">
+        <a:scrgbClr r="0" g="0" b="0"/>
+      </a:lnRef>
+      <a:fillRef idx="3">
+        <a:scrgbClr r="0" g="0" b="0"/>
+      </a:fillRef>
+      <a:effectRef idx="2">
+        <a:scrgbClr r="0" g="0" b="0"/>
+      </a:effectRef>
+      <a:fontRef idx="minor">
+        <a:schemeClr val="lt1"/>
+      </a:fontRef>
+    </dgm:style>
+  </dgm:styleLbl>
+  <dgm:styleLbl name="sibTrans1D1">
+    <dgm:scene3d>
+      <a:camera prst="orthographicFront"/>
+      <a:lightRig rig="threePt" dir="t"/>
+    </dgm:scene3d>
+    <dgm:sp3d/>
+    <dgm:txPr/>
+    <dgm:style>
+      <a:lnRef idx="1">
+        <a:scrgbClr r="0" g="0" b="0"/>
+      </a:lnRef>
+      <a:fillRef idx="0">
+        <a:scrgbClr r="0" g="0" b="0"/>
+      </a:fillRef>
+      <a:effectRef idx="0">
+        <a:scrgbClr r="0" g="0" b="0"/>
+      </a:effectRef>
+      <a:fontRef idx="minor"/>
+    </dgm:style>
+  </dgm:styleLbl>
+  <dgm:styleLbl name="callout">
+    <dgm:scene3d>
+      <a:camera prst="orthographicFront"/>
+      <a:lightRig rig="threePt" dir="t"/>
+    </dgm:scene3d>
+    <dgm:sp3d/>
+    <dgm:txPr/>
+    <dgm:style>
+      <a:lnRef idx="2">
+        <a:scrgbClr r="0" g="0" b="0"/>
+      </a:lnRef>
+      <a:fillRef idx="1">
+        <a:scrgbClr r="0" g="0" b="0"/>
+      </a:fillRef>
+      <a:effectRef idx="1">
+        <a:scrgbClr r="0" g="0" b="0"/>
+      </a:effectRef>
+      <a:fontRef idx="minor"/>
+    </dgm:style>
+  </dgm:styleLbl>
+  <dgm:styleLbl name="asst0">
+    <dgm:scene3d>
+      <a:camera prst="orthographicFront"/>
+      <a:lightRig rig="threePt" dir="t"/>
+    </dgm:scene3d>
+    <dgm:sp3d/>
+    <dgm:txPr/>
+    <dgm:style>
+      <a:lnRef idx="0">
+        <a:scrgbClr r="0" g="0" b="0"/>
+      </a:lnRef>
+      <a:fillRef idx="3">
+        <a:scrgbClr r="0" g="0" b="0"/>
+      </a:fillRef>
+      <a:effectRef idx="2">
+        <a:scrgbClr r="0" g="0" b="0"/>
+      </a:effectRef>
+      <a:fontRef idx="minor">
+        <a:schemeClr val="lt1"/>
+      </a:fontRef>
+    </dgm:style>
+  </dgm:styleLbl>
+  <dgm:styleLbl name="asst1">
+    <dgm:scene3d>
+      <a:camera prst="orthographicFront"/>
+      <a:lightRig rig="threePt" dir="t"/>
+    </dgm:scene3d>
+    <dgm:sp3d/>
+    <dgm:txPr/>
+    <dgm:style>
+      <a:lnRef idx="0">
+        <a:scrgbClr r="0" g="0" b="0"/>
+      </a:lnRef>
+      <a:fillRef idx="3">
+        <a:scrgbClr r="0" g="0" b="0"/>
+      </a:fillRef>
+      <a:effectRef idx="2">
+        <a:scrgbClr r="0" g="0" b="0"/>
+      </a:effectRef>
+      <a:fontRef idx="minor">
+        <a:schemeClr val="lt1"/>
+      </a:fontRef>
+    </dgm:style>
+  </dgm:styleLbl>
+  <dgm:styleLbl name="asst2">
+    <dgm:scene3d>
+      <a:camera prst="orthographicFront"/>
+      <a:lightRig rig="threePt" dir="t"/>
+    </dgm:scene3d>
+    <dgm:sp3d/>
+    <dgm:txPr/>
+    <dgm:style>
+      <a:lnRef idx="0">
+        <a:scrgbClr r="0" g="0" b="0"/>
+      </a:lnRef>
+      <a:fillRef idx="3">
+        <a:scrgbClr r="0" g="0" b="0"/>
+      </a:fillRef>
+      <a:effectRef idx="2">
+        <a:scrgbClr r="0" g="0" b="0"/>
+      </a:effectRef>
+      <a:fontRef idx="minor">
+        <a:schemeClr val="lt1"/>
+      </a:fontRef>
+    </dgm:style>
+  </dgm:styleLbl>
+  <dgm:styleLbl name="asst3">
+    <dgm:scene3d>
+      <a:camera prst="orthographicFront"/>
+      <a:lightRig rig="threePt" dir="t"/>
+    </dgm:scene3d>
+    <dgm:sp3d/>
+    <dgm:txPr/>
+    <dgm:style>
+      <a:lnRef idx="0">
+        <a:scrgbClr r="0" g="0" b="0"/>
+      </a:lnRef>
+      <a:fillRef idx="3">
+        <a:scrgbClr r="0" g="0" b="0"/>
+      </a:fillRef>
+      <a:effectRef idx="2">
+        <a:scrgbClr r="0" g="0" b="0"/>
+      </a:effectRef>
+      <a:fontRef idx="minor">
+        <a:schemeClr val="lt1"/>
+      </a:fontRef>
+    </dgm:style>
+  </dgm:styleLbl>
+  <dgm:styleLbl name="asst4">
+    <dgm:scene3d>
+      <a:camera prst="orthographicFront"/>
+      <a:lightRig rig="threePt" dir="t"/>
+    </dgm:scene3d>
+    <dgm:sp3d/>
+    <dgm:txPr/>
+    <dgm:style>
+      <a:lnRef idx="0">
+        <a:scrgbClr r="0" g="0" b="0"/>
+      </a:lnRef>
+      <a:fillRef idx="3">
+        <a:scrgbClr r="0" g="0" b="0"/>
+      </a:fillRef>
+      <a:effectRef idx="2">
+        <a:scrgbClr r="0" g="0" b="0"/>
+      </a:effectRef>
+      <a:fontRef idx="minor">
+        <a:schemeClr val="lt1"/>
+      </a:fontRef>
+    </dgm:style>
+  </dgm:styleLbl>
+  <dgm:styleLbl name="parChTrans2D1">
+    <dgm:scene3d>
+      <a:camera prst="orthographicFront"/>
+      <a:lightRig rig="threePt" dir="t"/>
+    </dgm:scene3d>
+    <dgm:sp3d/>
+    <dgm:txPr/>
+    <dgm:style>
+      <a:lnRef idx="0">
+        <a:scrgbClr r="0" g="0" b="0"/>
+      </a:lnRef>
+      <a:fillRef idx="3">
+        <a:scrgbClr r="0" g="0" b="0"/>
+      </a:fillRef>
+      <a:effectRef idx="2">
+        <a:scrgbClr r="0" g="0" b="0"/>
+      </a:effectRef>
+      <a:fontRef idx="minor">
+        <a:schemeClr val="lt1"/>
+      </a:fontRef>
+    </dgm:style>
+  </dgm:styleLbl>
+  <dgm:styleLbl name="parChTrans2D2">
+    <dgm:scene3d>
+      <a:camera prst="orthographicFront"/>
+      <a:lightRig rig="threePt" dir="t"/>
+    </dgm:scene3d>
+    <dgm:sp3d/>
+    <dgm:txPr/>
+    <dgm:style>
+      <a:lnRef idx="0">
+        <a:scrgbClr r="0" g="0" b="0"/>
+      </a:lnRef>
+      <a:fillRef idx="3">
+        <a:scrgbClr r="0" g="0" b="0"/>
+      </a:fillRef>
+      <a:effectRef idx="2">
+        <a:scrgbClr r="0" g="0" b="0"/>
+      </a:effectRef>
+      <a:fontRef idx="minor">
+        <a:schemeClr val="lt1"/>
+      </a:fontRef>
+    </dgm:style>
+  </dgm:styleLbl>
+  <dgm:styleLbl name="parChTrans2D3">
+    <dgm:scene3d>
+      <a:camera prst="orthographicFront"/>
+      <a:lightRig rig="threePt" dir="t"/>
+    </dgm:scene3d>
+    <dgm:sp3d/>
+    <dgm:txPr/>
+    <dgm:style>
+      <a:lnRef idx="1">
+        <a:scrgbClr r="0" g="0" b="0"/>
+      </a:lnRef>
+      <a:fillRef idx="3">
+        <a:scrgbClr r="0" g="0" b="0"/>
+      </a:fillRef>
+      <a:effectRef idx="2">
+        <a:scrgbClr r="0" g="0" b="0"/>
+      </a:effectRef>
+      <a:fontRef idx="minor">
+        <a:schemeClr val="lt1"/>
+      </a:fontRef>
+    </dgm:style>
+  </dgm:styleLbl>
+  <dgm:styleLbl name="parChTrans2D4">
+    <dgm:scene3d>
+      <a:camera prst="orthographicFront"/>
+      <a:lightRig rig="threePt" dir="t"/>
+    </dgm:scene3d>
+    <dgm:sp3d/>
+    <dgm:txPr/>
+    <dgm:style>
+      <a:lnRef idx="1">
+        <a:scrgbClr r="0" g="0" b="0"/>
+      </a:lnRef>
+      <a:fillRef idx="3">
+        <a:scrgbClr r="0" g="0" b="0"/>
+      </a:fillRef>
+      <a:effectRef idx="2">
+        <a:scrgbClr r="0" g="0" b="0"/>
+      </a:effectRef>
+      <a:fontRef idx="minor">
+        <a:schemeClr val="lt1"/>
+      </a:fontRef>
+    </dgm:style>
+  </dgm:styleLbl>
+  <dgm:styleLbl name="parChTrans1D1">
+    <dgm:scene3d>
+      <a:camera prst="orthographicFront"/>
+      <a:lightRig rig="threePt" dir="t"/>
+    </dgm:scene3d>
+    <dgm:sp3d/>
+    <dgm:txPr/>
+    <dgm:style>
+      <a:lnRef idx="1">
+        <a:scrgbClr r="0" g="0" b="0"/>
+      </a:lnRef>
+      <a:fillRef idx="0">
+        <a:scrgbClr r="0" g="0" b="0"/>
+      </a:fillRef>
+      <a:effectRef idx="0">
+        <a:scrgbClr r="0" g="0" b="0"/>
+      </a:effectRef>
+      <a:fontRef idx="minor"/>
+    </dgm:style>
+  </dgm:styleLbl>
+  <dgm:styleLbl name="parChTrans1D2">
+    <dgm:scene3d>
+      <a:camera prst="orthographicFront"/>
+      <a:lightRig rig="threePt" dir="t"/>
+    </dgm:scene3d>
+    <dgm:sp3d/>
+    <dgm:txPr/>
+    <dgm:style>
+      <a:lnRef idx="1">
+        <a:scrgbClr r="0" g="0" b="0"/>
+      </a:lnRef>
+      <a:fillRef idx="0">
+        <a:scrgbClr r="0" g="0" b="0"/>
+      </a:fillRef>
+      <a:effectRef idx="0">
+        <a:scrgbClr r="0" g="0" b="0"/>
+      </a:effectRef>
+      <a:fontRef idx="minor"/>
+    </dgm:style>
+  </dgm:styleLbl>
+  <dgm:styleLbl name="parChTrans1D3">
+    <dgm:scene3d>
+      <a:camera prst="orthographicFront"/>
+      <a:lightRig rig="threePt" dir="t"/>
+    </dgm:scene3d>
+    <dgm:sp3d/>
+    <dgm:txPr/>
+    <dgm:style>
+      <a:lnRef idx="1">
+        <a:scrgbClr r="0" g="0" b="0"/>
+      </a:lnRef>
+      <a:fillRef idx="0">
+        <a:scrgbClr r="0" g="0" b="0"/>
+      </a:fillRef>
+      <a:effectRef idx="0">
+        <a:scrgbClr r="0" g="0" b="0"/>
+      </a:effectRef>
+      <a:fontRef idx="minor"/>
+    </dgm:style>
+  </dgm:styleLbl>
+  <dgm:styleLbl name="parChTrans1D4">
+    <dgm:scene3d>
+      <a:camera prst="orthographicFront"/>
+      <a:lightRig rig="threePt" dir="t"/>
+    </dgm:scene3d>
+    <dgm:sp3d/>
+    <dgm:txPr/>
+    <dgm:style>
+      <a:lnRef idx="1">
+        <a:scrgbClr r="0" g="0" b="0"/>
+      </a:lnRef>
+      <a:fillRef idx="0">
+        <a:scrgbClr r="0" g="0" b="0"/>
+      </a:fillRef>
+      <a:effectRef idx="0">
+        <a:scrgbClr r="0" g="0" b="0"/>
+      </a:effectRef>
+      <a:fontRef idx="minor"/>
+    </dgm:style>
+  </dgm:styleLbl>
+  <dgm:styleLbl name="fgAcc1">
+    <dgm:scene3d>
+      <a:camera prst="orthographicFront"/>
+      <a:lightRig rig="threePt" dir="t"/>
+    </dgm:scene3d>
+    <dgm:sp3d/>
+    <dgm:txPr/>
+    <dgm:style>
+      <a:lnRef idx="1">
+        <a:scrgbClr r="0" g="0" b="0"/>
+      </a:lnRef>
+      <a:fillRef idx="1">
+        <a:scrgbClr r="0" g="0" b="0"/>
+      </a:fillRef>
+      <a:effectRef idx="0">
+        <a:scrgbClr r="0" g="0" b="0"/>
+      </a:effectRef>
+      <a:fontRef idx="minor"/>
+    </dgm:style>
+  </dgm:styleLbl>
+  <dgm:styleLbl name="conFgAcc1">
+    <dgm:scene3d>
+      <a:camera prst="orthographicFront"/>
+      <a:lightRig rig="threePt" dir="t"/>
+    </dgm:scene3d>
+    <dgm:sp3d/>
+    <dgm:txPr/>
+    <dgm:style>
+      <a:lnRef idx="1">
+        <a:scrgbClr r="0" g="0" b="0"/>
+      </a:lnRef>
+      <a:fillRef idx="1">
+        <a:scrgbClr r="0" g="0" b="0"/>
+      </a:fillRef>
+      <a:effectRef idx="0">
+        <a:scrgbClr r="0" g="0" b="0"/>
+      </a:effectRef>
+      <a:fontRef idx="minor"/>
+    </dgm:style>
+  </dgm:styleLbl>
+  <dgm:styleLbl name="alignAcc1">
+    <dgm:scene3d>
+      <a:camera prst="orthographicFront"/>
+      <a:lightRig rig="threePt" dir="t"/>
+    </dgm:scene3d>
+    <dgm:sp3d/>
+    <dgm:txPr/>
+    <dgm:style>
+      <a:lnRef idx="1">
+        <a:scrgbClr r="0" g="0" b="0"/>
+      </a:lnRef>
+      <a:fillRef idx="1">
+        <a:scrgbClr r="0" g="0" b="0"/>
+      </a:fillRef>
+      <a:effectRef idx="0">
+        <a:scrgbClr r="0" g="0" b="0"/>
+      </a:effectRef>
+      <a:fontRef idx="minor"/>
+    </dgm:style>
+  </dgm:styleLbl>
+  <dgm:styleLbl name="trAlignAcc1">
+    <dgm:scene3d>
+      <a:camera prst="orthographicFront"/>
+      <a:lightRig rig="threePt" dir="t"/>
+    </dgm:scene3d>
+    <dgm:sp3d/>
+    <dgm:txPr/>
+    <dgm:style>
+      <a:lnRef idx="1">
+        <a:scrgbClr r="0" g="0" b="0"/>
+      </a:lnRef>
+      <a:fillRef idx="1">
+        <a:scrgbClr r="0" g="0" b="0"/>
+      </a:fillRef>
+      <a:effectRef idx="0">
+        <a:scrgbClr r="0" g="0" b="0"/>
+      </a:effectRef>
+      <a:fontRef idx="minor"/>
+    </dgm:style>
+  </dgm:styleLbl>
+  <dgm:styleLbl name="bgAcc1">
+    <dgm:scene3d>
+      <a:camera prst="orthographicFront"/>
+      <a:lightRig rig="threePt" dir="t"/>
+    </dgm:scene3d>
+    <dgm:sp3d/>
+    <dgm:txPr/>
+    <dgm:style>
+      <a:lnRef idx="1">
+        <a:scrgbClr r="0" g="0" b="0"/>
+      </a:lnRef>
+      <a:fillRef idx="1">
+        <a:scrgbClr r="0" g="0" b="0"/>
+      </a:fillRef>
+      <a:effectRef idx="0">
+        <a:scrgbClr r="0" g="0" b="0"/>
+      </a:effectRef>
+      <a:fontRef idx="minor"/>
+    </dgm:style>
+  </dgm:styleLbl>
+  <dgm:styleLbl name="solidFgAcc1">
+    <dgm:scene3d>
+      <a:camera prst="orthographicFront"/>
+      <a:lightRig rig="threePt" dir="t"/>
+    </dgm:scene3d>
+    <dgm:sp3d/>
+    <dgm:txPr/>
+    <dgm:style>
+      <a:lnRef idx="1">
+        <a:scrgbClr r="0" g="0" b="0"/>
+      </a:lnRef>
+      <a:fillRef idx="1">
+        <a:scrgbClr r="0" g="0" b="0"/>
+      </a:fillRef>
+      <a:effectRef idx="0">
+        <a:scrgbClr r="0" g="0" b="0"/>
+      </a:effectRef>
+      <a:fontRef idx="minor"/>
+    </dgm:style>
+  </dgm:styleLbl>
+  <dgm:styleLbl name="solidAlignAcc1">
+    <dgm:scene3d>
+      <a:camera prst="orthographicFront"/>
+      <a:lightRig rig="threePt" dir="t"/>
+    </dgm:scene3d>
+    <dgm:sp3d/>
+    <dgm:txPr/>
+    <dgm:style>
+      <a:lnRef idx="1">
+        <a:scrgbClr r="0" g="0" b="0"/>
+      </a:lnRef>
+      <a:fillRef idx="1">
+        <a:scrgbClr r="0" g="0" b="0"/>
+      </a:fillRef>
+      <a:effectRef idx="0">
+        <a:scrgbClr r="0" g="0" b="0"/>
+      </a:effectRef>
+      <a:fontRef idx="minor"/>
+    </dgm:style>
+  </dgm:styleLbl>
+  <dgm:styleLbl name="solidBgAcc1">
+    <dgm:scene3d>
+      <a:camera prst="orthographicFront"/>
+      <a:lightRig rig="threePt" dir="t"/>
+    </dgm:scene3d>
+    <dgm:sp3d/>
+    <dgm:txPr/>
+    <dgm:style>
+      <a:lnRef idx="1">
+        <a:scrgbClr r="0" g="0" b="0"/>
+      </a:lnRef>
+      <a:fillRef idx="1">
+        <a:scrgbClr r="0" g="0" b="0"/>
+      </a:fillRef>
+      <a:effectRef idx="0">
+        <a:scrgbClr r="0" g="0" b="0"/>
+      </a:effectRef>
+      <a:fontRef idx="minor"/>
+    </dgm:style>
+  </dgm:styleLbl>
+  <dgm:styleLbl name="fgAccFollowNode1">
+    <dgm:scene3d>
+      <a:camera prst="orthographicFront"/>
+      <a:lightRig rig="threePt" dir="t"/>
+    </dgm:scene3d>
+    <dgm:sp3d/>
+    <dgm:txPr/>
+    <dgm:style>
+      <a:lnRef idx="1">
+        <a:scrgbClr r="0" g="0" b="0"/>
+      </a:lnRef>
+      <a:fillRef idx="1">
+        <a:scrgbClr r="0" g="0" b="0"/>
+      </a:fillRef>
+      <a:effectRef idx="0">
+        <a:scrgbClr r="0" g="0" b="0"/>
+      </a:effectRef>
+      <a:fontRef idx="minor"/>
+    </dgm:style>
+  </dgm:styleLbl>
+  <dgm:styleLbl name="alignAccFollowNode1">
+    <dgm:scene3d>
+      <a:camera prst="orthographicFront"/>
+      <a:lightRig rig="threePt" dir="t"/>
+    </dgm:scene3d>
+    <dgm:sp3d/>
+    <dgm:txPr/>
+    <dgm:style>
+      <a:lnRef idx="1">
+        <a:scrgbClr r="0" g="0" b="0"/>
+      </a:lnRef>
+      <a:fillRef idx="1">
+        <a:scrgbClr r="0" g="0" b="0"/>
+      </a:fillRef>
+      <a:effectRef idx="0">
+        <a:scrgbClr r="0" g="0" b="0"/>
+      </a:effectRef>
+      <a:fontRef idx="minor"/>
+    </dgm:style>
+  </dgm:styleLbl>
+  <dgm:styleLbl name="bgAccFollowNode1">
+    <dgm:scene3d>
+      <a:camera prst="orthographicFront"/>
+      <a:lightRig rig="threePt" dir="t"/>
+    </dgm:scene3d>
+    <dgm:sp3d/>
+    <dgm:txPr/>
+    <dgm:style>
+      <a:lnRef idx="1">
+        <a:scrgbClr r="0" g="0" b="0"/>
+      </a:lnRef>
+      <a:fillRef idx="1">
+        <a:scrgbClr r="0" g="0" b="0"/>
+      </a:fillRef>
+      <a:effectRef idx="0">
+        <a:scrgbClr r="0" g="0" b="0"/>
+      </a:effectRef>
+      <a:fontRef idx="minor"/>
+    </dgm:style>
+  </dgm:styleLbl>
+  <dgm:styleLbl name="fgAcc0">
+    <dgm:scene3d>
+      <a:camera prst="orthographicFront"/>
+      <a:lightRig rig="threePt" dir="t"/>
+    </dgm:scene3d>
+    <dgm:sp3d/>
+    <dgm:txPr/>
+    <dgm:style>
+      <a:lnRef idx="1">
+        <a:scrgbClr r="0" g="0" b="0"/>
+      </a:lnRef>
+      <a:fillRef idx="1">
+        <a:scrgbClr r="0" g="0" b="0"/>
+      </a:fillRef>
+      <a:effectRef idx="0">
+        <a:scrgbClr r="0" g="0" b="0"/>
+      </a:effectRef>
+      <a:fontRef idx="minor"/>
+    </dgm:style>
+  </dgm:styleLbl>
+  <dgm:styleLbl name="fgAcc2">
+    <dgm:scene3d>
+      <a:camera prst="orthographicFront"/>
+      <a:lightRig rig="threePt" dir="t"/>
+    </dgm:scene3d>
+    <dgm:sp3d/>
+    <dgm:txPr/>
+    <dgm:style>
+      <a:lnRef idx="1">
+        <a:scrgbClr r="0" g="0" b="0"/>
+      </a:lnRef>
+      <a:fillRef idx="1">
+        <a:scrgbClr r="0" g="0" b="0"/>
+      </a:fillRef>
+      <a:effectRef idx="0">
+        <a:scrgbClr r="0" g="0" b="0"/>
+      </a:effectRef>
+      <a:fontRef idx="minor"/>
+    </dgm:style>
+  </dgm:styleLbl>
+  <dgm:styleLbl name="fgAcc3">
+    <dgm:scene3d>
+      <a:camera prst="orthographicFront"/>
+      <a:lightRig rig="threePt" dir="t"/>
+    </dgm:scene3d>
+    <dgm:sp3d/>
+    <dgm:txPr/>
+    <dgm:style>
+      <a:lnRef idx="1">
+        <a:scrgbClr r="0" g="0" b="0"/>
+      </a:lnRef>
+      <a:fillRef idx="1">
+        <a:scrgbClr r="0" g="0" b="0"/>
+      </a:fillRef>
+      <a:effectRef idx="0">
+        <a:scrgbClr r="0" g="0" b="0"/>
+      </a:effectRef>
+      <a:fontRef idx="minor"/>
+    </dgm:style>
+  </dgm:styleLbl>
+  <dgm:styleLbl name="fgAcc4">
+    <dgm:scene3d>
+      <a:camera prst="orthographicFront"/>
+      <a:lightRig rig="threePt" dir="t"/>
+    </dgm:scene3d>
+    <dgm:sp3d/>
+    <dgm:txPr/>
+    <dgm:style>
+      <a:lnRef idx="1">
+        <a:scrgbClr r="0" g="0" b="0"/>
+      </a:lnRef>
+      <a:fillRef idx="1">
+        <a:scrgbClr r="0" g="0" b="0"/>
+      </a:fillRef>
+      <a:effectRef idx="0">
+        <a:scrgbClr r="0" g="0" b="0"/>
+      </a:effectRef>
+      <a:fontRef idx="minor"/>
+    </dgm:style>
+  </dgm:styleLbl>
+  <dgm:styleLbl name="bgShp">
+    <dgm:scene3d>
+      <a:camera prst="orthographicFront"/>
+      <a:lightRig rig="threePt" dir="t"/>
+    </dgm:scene3d>
+    <dgm:sp3d/>
+    <dgm:txPr/>
+    <dgm:style>
+      <a:lnRef idx="0">
+        <a:scrgbClr r="0" g="0" b="0"/>
+      </a:lnRef>
+      <a:fillRef idx="1">
+        <a:scrgbClr r="0" g="0" b="0"/>
+      </a:fillRef>
+      <a:effectRef idx="2">
+        <a:scrgbClr r="0" g="0" b="0"/>
+      </a:effectRef>
+      <a:fontRef idx="minor"/>
+    </dgm:style>
+  </dgm:styleLbl>
+  <dgm:styleLbl name="dkBgShp">
+    <dgm:scene3d>
+      <a:camera prst="orthographicFront"/>
+      <a:lightRig rig="threePt" dir="t"/>
+    </dgm:scene3d>
+    <dgm:sp3d/>
+    <dgm:txPr/>
+    <dgm:style>
+      <a:lnRef idx="0">
+        <a:scrgbClr r="0" g="0" b="0"/>
+      </a:lnRef>
+      <a:fillRef idx="1">
+        <a:scrgbClr r="0" g="0" b="0"/>
+      </a:fillRef>
+      <a:effectRef idx="2">
+        <a:scrgbClr r="0" g="0" b="0"/>
+      </a:effectRef>
+      <a:fontRef idx="minor"/>
+    </dgm:style>
+  </dgm:styleLbl>
+  <dgm:styleLbl name="trBgShp">
+    <dgm:scene3d>
+      <a:camera prst="orthographicFront"/>
+      <a:lightRig rig="threePt" dir="t"/>
+    </dgm:scene3d>
+    <dgm:sp3d/>
+    <dgm:txPr/>
+    <dgm:style>
+      <a:lnRef idx="0">
+        <a:scrgbClr r="0" g="0" b="0"/>
+      </a:lnRef>
+      <a:fillRef idx="1">
+        <a:scrgbClr r="0" g="0" b="0"/>
+      </a:fillRef>
+      <a:effectRef idx="0">
+        <a:scrgbClr r="0" g="0" b="0"/>
+      </a:effectRef>
+      <a:fontRef idx="minor"/>
+    </dgm:style>
+  </dgm:styleLbl>
+  <dgm:styleLbl name="fgShp">
+    <dgm:scene3d>
+      <a:camera prst="orthographicFront"/>
+      <a:lightRig rig="threePt" dir="t"/>
+    </dgm:scene3d>
+    <dgm:sp3d/>
+    <dgm:txPr/>
+    <dgm:style>
+      <a:lnRef idx="0">
+        <a:scrgbClr r="0" g="0" b="0"/>
+      </a:lnRef>
+      <a:fillRef idx="3">
+        <a:scrgbClr r="0" g="0" b="0"/>
+      </a:fillRef>
+      <a:effectRef idx="2">
+        <a:scrgbClr r="0" g="0" b="0"/>
+      </a:effectRef>
+      <a:fontRef idx="minor"/>
+    </dgm:style>
+  </dgm:styleLbl>
+  <dgm:styleLbl name="revTx">
+    <dgm:scene3d>
+      <a:camera prst="orthographicFront"/>
+      <a:lightRig rig="threePt" dir="t"/>
+    </dgm:scene3d>
+    <dgm:sp3d/>
+    <dgm:txPr/>
+    <dgm:style>
+      <a:lnRef idx="0">
+        <a:scrgbClr r="0" g="0" b="0"/>
+      </a:lnRef>
+      <a:fillRef idx="0">
+        <a:scrgbClr r="0" g="0" b="0"/>
+      </a:fillRef>
+      <a:effectRef idx="0">
+        <a:scrgbClr r="0" g="0" b="0"/>
+      </a:effectRef>
+      <a:fontRef idx="minor"/>
+    </dgm:style>
+  </dgm:styleLbl>
+</dgm:styleDef>
+</file>
+
 <file path=ppt/handoutMasters/handoutMaster1.xml><?xml version="1.0" encoding="utf-8"?>
 <p:handoutMaster xmlns:a="http://schemas.openxmlformats.org/drawingml/2006/main" xmlns:r="http://schemas.openxmlformats.org/officeDocument/2006/relationships" xmlns:p="http://schemas.openxmlformats.org/presentationml/2006/main">
   <p:cSld>
@@ -269,7 +2828,7 @@
           <a:p>
             <a:fld id="{9C5B416F-12F7-8245-B7D4-D65FCD72D8E0}" type="datetimeFigureOut">
               <a:rPr lang="en-US" smtClean="0"/>
-              <a:t>7/12/2023</a:t>
+              <a:t>7/17/23</a:t>
             </a:fld>
             <a:endParaRPr lang="en-US"/>
           </a:p>
@@ -435,7 +2994,7 @@
           <a:p>
             <a:fld id="{24EA5F54-FBF3-1447-ACC7-2EF23A9C40CC}" type="datetimeFigureOut">
               <a:rPr lang="en-US" smtClean="0"/>
-              <a:t>7/12/2023</a:t>
+              <a:t>7/17/23</a:t>
             </a:fld>
             <a:endParaRPr lang="en-US"/>
           </a:p>
@@ -701,6 +3260,305 @@
     </a:lvl9pPr>
   </p:notesStyle>
 </p:notesMaster>
+</file>
+
+<file path=ppt/notesSlides/notesSlide1.xml><?xml version="1.0" encoding="utf-8"?>
+<p:notes xmlns:a="http://schemas.openxmlformats.org/drawingml/2006/main" xmlns:r="http://schemas.openxmlformats.org/officeDocument/2006/relationships" xmlns:p="http://schemas.openxmlformats.org/presentationml/2006/main">
+  <p:cSld>
+    <p:spTree>
+      <p:nvGrpSpPr>
+        <p:cNvPr id="1" name=""/>
+        <p:cNvGrpSpPr/>
+        <p:nvPr/>
+      </p:nvGrpSpPr>
+      <p:grpSpPr>
+        <a:xfrm>
+          <a:off x="0" y="0"/>
+          <a:ext cx="0" cy="0"/>
+          <a:chOff x="0" y="0"/>
+          <a:chExt cx="0" cy="0"/>
+        </a:xfrm>
+      </p:grpSpPr>
+      <p:sp>
+        <p:nvSpPr>
+          <p:cNvPr id="2" name="Slide Image Placeholder 1"/>
+          <p:cNvSpPr>
+            <a:spLocks noGrp="1" noRot="1" noChangeAspect="1"/>
+          </p:cNvSpPr>
+          <p:nvPr>
+            <p:ph type="sldImg"/>
+          </p:nvPr>
+        </p:nvSpPr>
+        <p:spPr/>
+      </p:sp>
+      <p:sp>
+        <p:nvSpPr>
+          <p:cNvPr id="3" name="Notes Placeholder 2"/>
+          <p:cNvSpPr>
+            <a:spLocks noGrp="1"/>
+          </p:cNvSpPr>
+          <p:nvPr>
+            <p:ph type="body" idx="1"/>
+          </p:nvPr>
+        </p:nvSpPr>
+        <p:spPr/>
+        <p:txBody>
+          <a:bodyPr/>
+          <a:lstStyle/>
+          <a:p>
+            <a:r>
+              <a:rPr lang="en-US" b="1" dirty="0"/>
+              <a:t>Governance: </a:t>
+            </a:r>
+            <a:r>
+              <a:rPr lang="en-US" dirty="0"/>
+              <a:t>Promote accountability by establishing processes to manage, operate, and oversee implementation</a:t>
+            </a:r>
+          </a:p>
+          <a:p>
+            <a:r>
+              <a:rPr lang="en-US" b="1" dirty="0"/>
+              <a:t>Data: </a:t>
+            </a:r>
+            <a:r>
+              <a:rPr lang="en-US" dirty="0"/>
+              <a:t>Ensure quality, reliability, and representativeness of data sources and processing</a:t>
+            </a:r>
+          </a:p>
+          <a:p>
+            <a:r>
+              <a:rPr lang="en-US" b="1" dirty="0"/>
+              <a:t>Monitoring: </a:t>
+            </a:r>
+            <a:r>
+              <a:rPr lang="en-US" b="0" dirty="0"/>
+              <a:t>Ensure reliability and relevance over time</a:t>
+            </a:r>
+          </a:p>
+          <a:p>
+            <a:r>
+              <a:rPr lang="en-US" b="1" dirty="0"/>
+              <a:t>Performance: </a:t>
+            </a:r>
+            <a:r>
+              <a:rPr lang="en-US" b="0" dirty="0"/>
+              <a:t>Produce results that are consistent with program objectives</a:t>
+            </a:r>
+            <a:endParaRPr lang="en-US" b="1" dirty="0"/>
+          </a:p>
+        </p:txBody>
+      </p:sp>
+      <p:sp>
+        <p:nvSpPr>
+          <p:cNvPr id="4" name="Slide Number Placeholder 3"/>
+          <p:cNvSpPr>
+            <a:spLocks noGrp="1"/>
+          </p:cNvSpPr>
+          <p:nvPr>
+            <p:ph type="sldNum" sz="quarter" idx="5"/>
+          </p:nvPr>
+        </p:nvSpPr>
+        <p:spPr/>
+        <p:txBody>
+          <a:bodyPr/>
+          <a:lstStyle/>
+          <a:p>
+            <a:fld id="{33EBC398-93A2-8D47-92A2-63F46BBDFFD2}" type="slidenum">
+              <a:rPr lang="en-US" smtClean="0"/>
+              <a:t>2</a:t>
+            </a:fld>
+            <a:endParaRPr lang="en-US"/>
+          </a:p>
+        </p:txBody>
+      </p:sp>
+    </p:spTree>
+    <p:extLst>
+      <p:ext uri="{BB962C8B-B14F-4D97-AF65-F5344CB8AC3E}">
+        <p14:creationId xmlns:p14="http://schemas.microsoft.com/office/powerpoint/2010/main" val="2925478240"/>
+      </p:ext>
+    </p:extLst>
+  </p:cSld>
+  <p:clrMapOvr>
+    <a:masterClrMapping/>
+  </p:clrMapOvr>
+</p:notes>
+</file>
+
+<file path=ppt/notesSlides/notesSlide2.xml><?xml version="1.0" encoding="utf-8"?>
+<p:notes xmlns:a="http://schemas.openxmlformats.org/drawingml/2006/main" xmlns:r="http://schemas.openxmlformats.org/officeDocument/2006/relationships" xmlns:p="http://schemas.openxmlformats.org/presentationml/2006/main">
+  <p:cSld>
+    <p:spTree>
+      <p:nvGrpSpPr>
+        <p:cNvPr id="1" name=""/>
+        <p:cNvGrpSpPr/>
+        <p:nvPr/>
+      </p:nvGrpSpPr>
+      <p:grpSpPr>
+        <a:xfrm>
+          <a:off x="0" y="0"/>
+          <a:ext cx="0" cy="0"/>
+          <a:chOff x="0" y="0"/>
+          <a:chExt cx="0" cy="0"/>
+        </a:xfrm>
+      </p:grpSpPr>
+      <p:sp>
+        <p:nvSpPr>
+          <p:cNvPr id="2" name="Slide Image Placeholder 1"/>
+          <p:cNvSpPr>
+            <a:spLocks noGrp="1" noRot="1" noChangeAspect="1"/>
+          </p:cNvSpPr>
+          <p:nvPr>
+            <p:ph type="sldImg"/>
+          </p:nvPr>
+        </p:nvSpPr>
+        <p:spPr/>
+      </p:sp>
+      <p:sp>
+        <p:nvSpPr>
+          <p:cNvPr id="3" name="Notes Placeholder 2"/>
+          <p:cNvSpPr>
+            <a:spLocks noGrp="1"/>
+          </p:cNvSpPr>
+          <p:nvPr>
+            <p:ph type="body" idx="1"/>
+          </p:nvPr>
+        </p:nvSpPr>
+        <p:spPr/>
+        <p:txBody>
+          <a:bodyPr/>
+          <a:lstStyle/>
+          <a:p>
+            <a:r>
+              <a:rPr lang="en-US" dirty="0"/>
+              <a:t>Describe the problem. Why is it a problem? Who does it affect? What is the proposed solution? How will the solution help?</a:t>
+            </a:r>
+          </a:p>
+        </p:txBody>
+      </p:sp>
+      <p:sp>
+        <p:nvSpPr>
+          <p:cNvPr id="4" name="Slide Number Placeholder 3"/>
+          <p:cNvSpPr>
+            <a:spLocks noGrp="1"/>
+          </p:cNvSpPr>
+          <p:nvPr>
+            <p:ph type="sldNum" sz="quarter" idx="5"/>
+          </p:nvPr>
+        </p:nvSpPr>
+        <p:spPr/>
+        <p:txBody>
+          <a:bodyPr/>
+          <a:lstStyle/>
+          <a:p>
+            <a:fld id="{33EBC398-93A2-8D47-92A2-63F46BBDFFD2}" type="slidenum">
+              <a:rPr lang="en-US" smtClean="0"/>
+              <a:t>3</a:t>
+            </a:fld>
+            <a:endParaRPr lang="en-US"/>
+          </a:p>
+        </p:txBody>
+      </p:sp>
+    </p:spTree>
+    <p:extLst>
+      <p:ext uri="{BB962C8B-B14F-4D97-AF65-F5344CB8AC3E}">
+        <p14:creationId xmlns:p14="http://schemas.microsoft.com/office/powerpoint/2010/main" val="728776142"/>
+      </p:ext>
+    </p:extLst>
+  </p:cSld>
+  <p:clrMapOvr>
+    <a:masterClrMapping/>
+  </p:clrMapOvr>
+</p:notes>
+</file>
+
+<file path=ppt/notesSlides/notesSlide3.xml><?xml version="1.0" encoding="utf-8"?>
+<p:notes xmlns:a="http://schemas.openxmlformats.org/drawingml/2006/main" xmlns:r="http://schemas.openxmlformats.org/officeDocument/2006/relationships" xmlns:p="http://schemas.openxmlformats.org/presentationml/2006/main">
+  <p:cSld>
+    <p:spTree>
+      <p:nvGrpSpPr>
+        <p:cNvPr id="1" name=""/>
+        <p:cNvGrpSpPr/>
+        <p:nvPr/>
+      </p:nvGrpSpPr>
+      <p:grpSpPr>
+        <a:xfrm>
+          <a:off x="0" y="0"/>
+          <a:ext cx="0" cy="0"/>
+          <a:chOff x="0" y="0"/>
+          <a:chExt cx="0" cy="0"/>
+        </a:xfrm>
+      </p:grpSpPr>
+      <p:sp>
+        <p:nvSpPr>
+          <p:cNvPr id="2" name="Slide Image Placeholder 1"/>
+          <p:cNvSpPr>
+            <a:spLocks noGrp="1" noRot="1" noChangeAspect="1"/>
+          </p:cNvSpPr>
+          <p:nvPr>
+            <p:ph type="sldImg"/>
+          </p:nvPr>
+        </p:nvSpPr>
+        <p:spPr/>
+      </p:sp>
+      <p:sp>
+        <p:nvSpPr>
+          <p:cNvPr id="3" name="Notes Placeholder 2"/>
+          <p:cNvSpPr>
+            <a:spLocks noGrp="1"/>
+          </p:cNvSpPr>
+          <p:nvPr>
+            <p:ph type="body" idx="1"/>
+          </p:nvPr>
+        </p:nvSpPr>
+        <p:spPr/>
+        <p:txBody>
+          <a:bodyPr/>
+          <a:lstStyle/>
+          <a:p>
+            <a:r>
+              <a:rPr lang="en-US" dirty="0"/>
+              <a:t>Why neural networks? Why can’t we just use a function?</a:t>
+            </a:r>
+          </a:p>
+          <a:p>
+            <a:endParaRPr lang="en-US" dirty="0"/>
+          </a:p>
+        </p:txBody>
+      </p:sp>
+      <p:sp>
+        <p:nvSpPr>
+          <p:cNvPr id="4" name="Slide Number Placeholder 3"/>
+          <p:cNvSpPr>
+            <a:spLocks noGrp="1"/>
+          </p:cNvSpPr>
+          <p:nvPr>
+            <p:ph type="sldNum" sz="quarter" idx="5"/>
+          </p:nvPr>
+        </p:nvSpPr>
+        <p:spPr/>
+        <p:txBody>
+          <a:bodyPr/>
+          <a:lstStyle/>
+          <a:p>
+            <a:fld id="{33EBC398-93A2-8D47-92A2-63F46BBDFFD2}" type="slidenum">
+              <a:rPr lang="en-US" smtClean="0"/>
+              <a:t>4</a:t>
+            </a:fld>
+            <a:endParaRPr lang="en-US"/>
+          </a:p>
+        </p:txBody>
+      </p:sp>
+    </p:spTree>
+    <p:extLst>
+      <p:ext uri="{BB962C8B-B14F-4D97-AF65-F5344CB8AC3E}">
+        <p14:creationId xmlns:p14="http://schemas.microsoft.com/office/powerpoint/2010/main" val="1575608483"/>
+      </p:ext>
+    </p:extLst>
+  </p:cSld>
+  <p:clrMapOvr>
+    <a:masterClrMapping/>
+  </p:clrMapOvr>
+</p:notes>
 </file>
 
 <file path=ppt/slideLayouts/slideLayout1.xml><?xml version="1.0" encoding="utf-8"?>
@@ -2819,7 +5677,7 @@
                 <a:ea typeface="+mn-ea"/>
                 <a:cs typeface="+mn-cs"/>
               </a:rPr>
-              <a:t>Month XX, 2022</a:t>
+              <a:t>Month XX, 2023</a:t>
             </a:r>
           </a:p>
         </p:txBody>
@@ -2916,74 +5774,43 @@
                   <a:schemeClr val="bg1"/>
                 </a:solidFill>
               </a:rPr>
-              <a:t>Overview</a:t>
+              <a:t>GAO AI Accountability Frameworks Overview</a:t>
             </a:r>
           </a:p>
         </p:txBody>
       </p:sp>
-      <p:sp>
-        <p:nvSpPr>
-          <p:cNvPr id="4" name="TextBox 3">
+      <p:graphicFrame>
+        <p:nvGraphicFramePr>
+          <p:cNvPr id="4" name="Diagram 3">
             <a:extLst>
               <a:ext uri="{FF2B5EF4-FFF2-40B4-BE49-F238E27FC236}">
-                <a16:creationId xmlns:a16="http://schemas.microsoft.com/office/drawing/2014/main" id="{A05D52B5-C884-4981-A1CB-7F763DEA99AC}"/>
+                <a16:creationId xmlns:a16="http://schemas.microsoft.com/office/drawing/2014/main" id="{D2C39BAD-0566-E51B-EB15-9C5648941D92}"/>
               </a:ext>
             </a:extLst>
           </p:cNvPr>
-          <p:cNvSpPr txBox="1"/>
-          <p:nvPr/>
-        </p:nvSpPr>
-        <p:spPr>
-          <a:xfrm>
-            <a:off x="1425844" y="1348353"/>
-            <a:ext cx="3200556" cy="1477328"/>
-          </a:xfrm>
-          <a:prstGeom prst="rect">
-            <a:avLst/>
-          </a:prstGeom>
-          <a:noFill/>
-        </p:spPr>
-        <p:txBody>
-          <a:bodyPr wrap="none" rtlCol="0">
-            <a:spAutoFit/>
-          </a:bodyPr>
-          <a:lstStyle/>
-          <a:p>
-            <a:r>
-              <a:rPr lang="en-US" dirty="0"/>
-              <a:t>Describe the problem</a:t>
-            </a:r>
-          </a:p>
-          <a:p>
-            <a:r>
-              <a:rPr lang="en-US" dirty="0"/>
-              <a:t>Why is it a problem?</a:t>
-            </a:r>
-          </a:p>
-          <a:p>
-            <a:r>
-              <a:rPr lang="en-US" dirty="0"/>
-              <a:t>Who does it affect?</a:t>
-            </a:r>
-          </a:p>
-          <a:p>
-            <a:r>
-              <a:rPr lang="en-US" dirty="0"/>
-              <a:t>What is the proposed solution?</a:t>
-            </a:r>
-          </a:p>
-          <a:p>
-            <a:r>
-              <a:rPr lang="en-US" dirty="0"/>
-              <a:t>How will the solution help?</a:t>
-            </a:r>
-          </a:p>
-        </p:txBody>
-      </p:sp>
+          <p:cNvGraphicFramePr/>
+          <p:nvPr>
+            <p:extLst>
+              <p:ext uri="{D42A27DB-BD31-4B8C-83A1-F6EECF244321}">
+                <p14:modId xmlns:p14="http://schemas.microsoft.com/office/powerpoint/2010/main" val="1240667044"/>
+              </p:ext>
+            </p:extLst>
+          </p:nvPr>
+        </p:nvGraphicFramePr>
+        <p:xfrm>
+          <a:off x="1423116" y="779171"/>
+          <a:ext cx="6196884" cy="3824577"/>
+        </p:xfrm>
+        <a:graphic>
+          <a:graphicData uri="http://schemas.openxmlformats.org/drawingml/2006/diagram">
+            <dgm:relIds xmlns:dgm="http://schemas.openxmlformats.org/drawingml/2006/diagram" xmlns:r="http://schemas.openxmlformats.org/officeDocument/2006/relationships" r:dm="rId3" r:lo="rId4" r:qs="rId5" r:cs="rId6"/>
+          </a:graphicData>
+        </a:graphic>
+      </p:graphicFrame>
     </p:spTree>
     <p:extLst>
       <p:ext uri="{BB962C8B-B14F-4D97-AF65-F5344CB8AC3E}">
-        <p14:creationId xmlns:p14="http://schemas.microsoft.com/office/powerpoint/2010/main" val="4025332580"/>
+        <p14:creationId xmlns:p14="http://schemas.microsoft.com/office/powerpoint/2010/main" val="3757117236"/>
       </p:ext>
     </p:extLst>
   </p:cSld>
@@ -3072,15 +5899,531 @@
                   <a:schemeClr val="bg1"/>
                 </a:solidFill>
               </a:rPr>
-              <a:t>The GAO AI Accountability Framework Overview</a:t>
+              <a:t>Framework Specifics</a:t>
             </a:r>
+          </a:p>
+        </p:txBody>
+      </p:sp>
+      <p:pic>
+        <p:nvPicPr>
+          <p:cNvPr id="5" name="Picture 4" descr="A screenshot of a computer&#10;&#10;Description automatically generated">
+            <a:extLst>
+              <a:ext uri="{FF2B5EF4-FFF2-40B4-BE49-F238E27FC236}">
+                <a16:creationId xmlns:a16="http://schemas.microsoft.com/office/drawing/2014/main" id="{0C05C9C5-01E8-4345-A627-A37B6916F262}"/>
+              </a:ext>
+            </a:extLst>
+          </p:cNvPr>
+          <p:cNvPicPr>
+            <a:picLocks noChangeAspect="1"/>
+          </p:cNvPicPr>
+          <p:nvPr/>
+        </p:nvPicPr>
+        <p:blipFill>
+          <a:blip r:embed="rId3"/>
+          <a:stretch>
+            <a:fillRect/>
+          </a:stretch>
+        </p:blipFill>
+        <p:spPr>
+          <a:xfrm>
+            <a:off x="1470212" y="772732"/>
+            <a:ext cx="6203575" cy="3915177"/>
+          </a:xfrm>
+          <a:prstGeom prst="rect">
+            <a:avLst/>
+          </a:prstGeom>
+        </p:spPr>
+      </p:pic>
+      <p:sp>
+        <p:nvSpPr>
+          <p:cNvPr id="11" name="Frame 10">
+            <a:extLst>
+              <a:ext uri="{FF2B5EF4-FFF2-40B4-BE49-F238E27FC236}">
+                <a16:creationId xmlns:a16="http://schemas.microsoft.com/office/drawing/2014/main" id="{6590E635-816C-B227-7E1C-864D82522CBF}"/>
+              </a:ext>
+            </a:extLst>
+          </p:cNvPr>
+          <p:cNvSpPr/>
+          <p:nvPr/>
+        </p:nvSpPr>
+        <p:spPr>
+          <a:xfrm>
+            <a:off x="1803042" y="1996225"/>
+            <a:ext cx="96592" cy="128789"/>
+          </a:xfrm>
+          <a:prstGeom prst="frame">
+            <a:avLst/>
+          </a:prstGeom>
+          <a:solidFill>
+            <a:srgbClr val="C2C4C5"/>
+          </a:solidFill>
+          <a:ln>
+            <a:noFill/>
+          </a:ln>
+        </p:spPr>
+        <p:style>
+          <a:lnRef idx="1">
+            <a:schemeClr val="accent1"/>
+          </a:lnRef>
+          <a:fillRef idx="3">
+            <a:schemeClr val="accent1"/>
+          </a:fillRef>
+          <a:effectRef idx="2">
+            <a:schemeClr val="accent1"/>
+          </a:effectRef>
+          <a:fontRef idx="minor">
+            <a:schemeClr val="lt1"/>
+          </a:fontRef>
+        </p:style>
+        <p:txBody>
+          <a:bodyPr rtlCol="0" anchor="ctr"/>
+          <a:lstStyle/>
+          <a:p>
+            <a:pPr algn="ctr"/>
+            <a:endParaRPr lang="en-US" b="1" dirty="0">
+              <a:solidFill>
+                <a:srgbClr val="0E4F83"/>
+              </a:solidFill>
+            </a:endParaRPr>
+          </a:p>
+        </p:txBody>
+      </p:sp>
+      <p:sp>
+        <p:nvSpPr>
+          <p:cNvPr id="12" name="Frame 11">
+            <a:extLst>
+              <a:ext uri="{FF2B5EF4-FFF2-40B4-BE49-F238E27FC236}">
+                <a16:creationId xmlns:a16="http://schemas.microsoft.com/office/drawing/2014/main" id="{BD7A89A4-47C1-6BA8-D4F6-8A0247F95493}"/>
+              </a:ext>
+            </a:extLst>
+          </p:cNvPr>
+          <p:cNvSpPr/>
+          <p:nvPr/>
+        </p:nvSpPr>
+        <p:spPr>
+          <a:xfrm>
+            <a:off x="1803042" y="2442961"/>
+            <a:ext cx="96592" cy="128789"/>
+          </a:xfrm>
+          <a:prstGeom prst="frame">
+            <a:avLst/>
+          </a:prstGeom>
+          <a:solidFill>
+            <a:srgbClr val="C2C4C5"/>
+          </a:solidFill>
+          <a:ln>
+            <a:noFill/>
+          </a:ln>
+        </p:spPr>
+        <p:style>
+          <a:lnRef idx="1">
+            <a:schemeClr val="accent1"/>
+          </a:lnRef>
+          <a:fillRef idx="3">
+            <a:schemeClr val="accent1"/>
+          </a:fillRef>
+          <a:effectRef idx="2">
+            <a:schemeClr val="accent1"/>
+          </a:effectRef>
+          <a:fontRef idx="minor">
+            <a:schemeClr val="lt1"/>
+          </a:fontRef>
+        </p:style>
+        <p:txBody>
+          <a:bodyPr rtlCol="0" anchor="ctr"/>
+          <a:lstStyle/>
+          <a:p>
+            <a:pPr algn="ctr"/>
+            <a:endParaRPr lang="en-US" b="1" dirty="0">
+              <a:solidFill>
+                <a:srgbClr val="0E4F83"/>
+              </a:solidFill>
+            </a:endParaRPr>
+          </a:p>
+        </p:txBody>
+      </p:sp>
+      <p:sp>
+        <p:nvSpPr>
+          <p:cNvPr id="13" name="Frame 12">
+            <a:extLst>
+              <a:ext uri="{FF2B5EF4-FFF2-40B4-BE49-F238E27FC236}">
+                <a16:creationId xmlns:a16="http://schemas.microsoft.com/office/drawing/2014/main" id="{C1CEC66D-54F6-6343-AB64-C83E3FEDE936}"/>
+              </a:ext>
+            </a:extLst>
+          </p:cNvPr>
+          <p:cNvSpPr/>
+          <p:nvPr/>
+        </p:nvSpPr>
+        <p:spPr>
+          <a:xfrm>
+            <a:off x="1803042" y="2889698"/>
+            <a:ext cx="96592" cy="128789"/>
+          </a:xfrm>
+          <a:prstGeom prst="frame">
+            <a:avLst/>
+          </a:prstGeom>
+          <a:solidFill>
+            <a:srgbClr val="C2C4C5"/>
+          </a:solidFill>
+          <a:ln>
+            <a:noFill/>
+          </a:ln>
+        </p:spPr>
+        <p:style>
+          <a:lnRef idx="1">
+            <a:schemeClr val="accent1"/>
+          </a:lnRef>
+          <a:fillRef idx="3">
+            <a:schemeClr val="accent1"/>
+          </a:fillRef>
+          <a:effectRef idx="2">
+            <a:schemeClr val="accent1"/>
+          </a:effectRef>
+          <a:fontRef idx="minor">
+            <a:schemeClr val="lt1"/>
+          </a:fontRef>
+        </p:style>
+        <p:txBody>
+          <a:bodyPr rtlCol="0" anchor="ctr"/>
+          <a:lstStyle/>
+          <a:p>
+            <a:pPr algn="ctr"/>
+            <a:endParaRPr lang="en-US" b="1" dirty="0">
+              <a:solidFill>
+                <a:srgbClr val="0E4F83"/>
+              </a:solidFill>
+            </a:endParaRPr>
+          </a:p>
+        </p:txBody>
+      </p:sp>
+      <p:sp>
+        <p:nvSpPr>
+          <p:cNvPr id="14" name="Frame 13">
+            <a:extLst>
+              <a:ext uri="{FF2B5EF4-FFF2-40B4-BE49-F238E27FC236}">
+                <a16:creationId xmlns:a16="http://schemas.microsoft.com/office/drawing/2014/main" id="{F566F85D-F180-CB7A-CE7C-351B0EA83561}"/>
+              </a:ext>
+            </a:extLst>
+          </p:cNvPr>
+          <p:cNvSpPr/>
+          <p:nvPr/>
+        </p:nvSpPr>
+        <p:spPr>
+          <a:xfrm>
+            <a:off x="1803042" y="3207646"/>
+            <a:ext cx="96592" cy="128789"/>
+          </a:xfrm>
+          <a:prstGeom prst="frame">
+            <a:avLst/>
+          </a:prstGeom>
+          <a:solidFill>
+            <a:srgbClr val="C2C4C5"/>
+          </a:solidFill>
+          <a:ln>
+            <a:noFill/>
+          </a:ln>
+        </p:spPr>
+        <p:style>
+          <a:lnRef idx="1">
+            <a:schemeClr val="accent1"/>
+          </a:lnRef>
+          <a:fillRef idx="3">
+            <a:schemeClr val="accent1"/>
+          </a:fillRef>
+          <a:effectRef idx="2">
+            <a:schemeClr val="accent1"/>
+          </a:effectRef>
+          <a:fontRef idx="minor">
+            <a:schemeClr val="lt1"/>
+          </a:fontRef>
+        </p:style>
+        <p:txBody>
+          <a:bodyPr rtlCol="0" anchor="ctr"/>
+          <a:lstStyle/>
+          <a:p>
+            <a:pPr algn="ctr"/>
+            <a:endParaRPr lang="en-US" b="1" dirty="0">
+              <a:solidFill>
+                <a:srgbClr val="0E4F83"/>
+              </a:solidFill>
+            </a:endParaRPr>
+          </a:p>
+        </p:txBody>
+      </p:sp>
+      <p:sp>
+        <p:nvSpPr>
+          <p:cNvPr id="16" name="Frame 15">
+            <a:extLst>
+              <a:ext uri="{FF2B5EF4-FFF2-40B4-BE49-F238E27FC236}">
+                <a16:creationId xmlns:a16="http://schemas.microsoft.com/office/drawing/2014/main" id="{2E0BF54C-A752-3ACB-7032-04A9FA3F3501}"/>
+              </a:ext>
+            </a:extLst>
+          </p:cNvPr>
+          <p:cNvSpPr/>
+          <p:nvPr/>
+        </p:nvSpPr>
+        <p:spPr>
+          <a:xfrm>
+            <a:off x="1803042" y="4370768"/>
+            <a:ext cx="96592" cy="128789"/>
+          </a:xfrm>
+          <a:prstGeom prst="frame">
+            <a:avLst/>
+          </a:prstGeom>
+          <a:solidFill>
+            <a:srgbClr val="C2C4C5"/>
+          </a:solidFill>
+          <a:ln>
+            <a:noFill/>
+          </a:ln>
+        </p:spPr>
+        <p:style>
+          <a:lnRef idx="1">
+            <a:schemeClr val="accent1"/>
+          </a:lnRef>
+          <a:fillRef idx="3">
+            <a:schemeClr val="accent1"/>
+          </a:fillRef>
+          <a:effectRef idx="2">
+            <a:schemeClr val="accent1"/>
+          </a:effectRef>
+          <a:fontRef idx="minor">
+            <a:schemeClr val="lt1"/>
+          </a:fontRef>
+        </p:style>
+        <p:txBody>
+          <a:bodyPr rtlCol="0" anchor="ctr"/>
+          <a:lstStyle/>
+          <a:p>
+            <a:pPr algn="ctr"/>
+            <a:endParaRPr lang="en-US" b="1" dirty="0">
+              <a:solidFill>
+                <a:srgbClr val="0E4F83"/>
+              </a:solidFill>
+            </a:endParaRPr>
+          </a:p>
+        </p:txBody>
+      </p:sp>
+      <p:sp>
+        <p:nvSpPr>
+          <p:cNvPr id="17" name="Frame 16">
+            <a:extLst>
+              <a:ext uri="{FF2B5EF4-FFF2-40B4-BE49-F238E27FC236}">
+                <a16:creationId xmlns:a16="http://schemas.microsoft.com/office/drawing/2014/main" id="{50D0E958-18D0-BB93-1682-FE3CA9B78AAC}"/>
+              </a:ext>
+            </a:extLst>
+          </p:cNvPr>
+          <p:cNvSpPr/>
+          <p:nvPr/>
+        </p:nvSpPr>
+        <p:spPr>
+          <a:xfrm>
+            <a:off x="4254320" y="1996225"/>
+            <a:ext cx="96592" cy="128789"/>
+          </a:xfrm>
+          <a:prstGeom prst="frame">
+            <a:avLst/>
+          </a:prstGeom>
+          <a:solidFill>
+            <a:srgbClr val="C2C4C5"/>
+          </a:solidFill>
+          <a:ln>
+            <a:noFill/>
+          </a:ln>
+        </p:spPr>
+        <p:style>
+          <a:lnRef idx="1">
+            <a:schemeClr val="accent1"/>
+          </a:lnRef>
+          <a:fillRef idx="3">
+            <a:schemeClr val="accent1"/>
+          </a:fillRef>
+          <a:effectRef idx="2">
+            <a:schemeClr val="accent1"/>
+          </a:effectRef>
+          <a:fontRef idx="minor">
+            <a:schemeClr val="lt1"/>
+          </a:fontRef>
+        </p:style>
+        <p:txBody>
+          <a:bodyPr rtlCol="0" anchor="ctr"/>
+          <a:lstStyle/>
+          <a:p>
+            <a:pPr algn="ctr"/>
+            <a:endParaRPr lang="en-US" b="1" dirty="0">
+              <a:solidFill>
+                <a:srgbClr val="0E4F83"/>
+              </a:solidFill>
+            </a:endParaRPr>
+          </a:p>
+        </p:txBody>
+      </p:sp>
+      <p:sp>
+        <p:nvSpPr>
+          <p:cNvPr id="18" name="Frame 17">
+            <a:extLst>
+              <a:ext uri="{FF2B5EF4-FFF2-40B4-BE49-F238E27FC236}">
+                <a16:creationId xmlns:a16="http://schemas.microsoft.com/office/drawing/2014/main" id="{B12409F3-3F8E-67FF-A061-04D73F534BC3}"/>
+              </a:ext>
+            </a:extLst>
+          </p:cNvPr>
+          <p:cNvSpPr/>
+          <p:nvPr/>
+        </p:nvSpPr>
+        <p:spPr>
+          <a:xfrm>
+            <a:off x="4254320" y="2442960"/>
+            <a:ext cx="96592" cy="128789"/>
+          </a:xfrm>
+          <a:prstGeom prst="frame">
+            <a:avLst/>
+          </a:prstGeom>
+          <a:solidFill>
+            <a:srgbClr val="C2C4C5"/>
+          </a:solidFill>
+          <a:ln>
+            <a:noFill/>
+          </a:ln>
+        </p:spPr>
+        <p:style>
+          <a:lnRef idx="1">
+            <a:schemeClr val="accent1"/>
+          </a:lnRef>
+          <a:fillRef idx="3">
+            <a:schemeClr val="accent1"/>
+          </a:fillRef>
+          <a:effectRef idx="2">
+            <a:schemeClr val="accent1"/>
+          </a:effectRef>
+          <a:fontRef idx="minor">
+            <a:schemeClr val="lt1"/>
+          </a:fontRef>
+        </p:style>
+        <p:txBody>
+          <a:bodyPr rtlCol="0" anchor="ctr"/>
+          <a:lstStyle/>
+          <a:p>
+            <a:pPr algn="ctr"/>
+            <a:endParaRPr lang="en-US" b="1" dirty="0">
+              <a:solidFill>
+                <a:srgbClr val="0E4F83"/>
+              </a:solidFill>
+            </a:endParaRPr>
+          </a:p>
+        </p:txBody>
+      </p:sp>
+      <p:sp>
+        <p:nvSpPr>
+          <p:cNvPr id="19" name="Frame 18">
+            <a:extLst>
+              <a:ext uri="{FF2B5EF4-FFF2-40B4-BE49-F238E27FC236}">
+                <a16:creationId xmlns:a16="http://schemas.microsoft.com/office/drawing/2014/main" id="{2F553FDE-7069-30AD-9F4D-2CF99409D389}"/>
+              </a:ext>
+            </a:extLst>
+          </p:cNvPr>
+          <p:cNvSpPr/>
+          <p:nvPr/>
+        </p:nvSpPr>
+        <p:spPr>
+          <a:xfrm>
+            <a:off x="4254320" y="3656929"/>
+            <a:ext cx="96592" cy="128789"/>
+          </a:xfrm>
+          <a:prstGeom prst="frame">
+            <a:avLst/>
+          </a:prstGeom>
+          <a:solidFill>
+            <a:srgbClr val="C2C4C5"/>
+          </a:solidFill>
+          <a:ln>
+            <a:noFill/>
+          </a:ln>
+        </p:spPr>
+        <p:style>
+          <a:lnRef idx="1">
+            <a:schemeClr val="accent1"/>
+          </a:lnRef>
+          <a:fillRef idx="3">
+            <a:schemeClr val="accent1"/>
+          </a:fillRef>
+          <a:effectRef idx="2">
+            <a:schemeClr val="accent1"/>
+          </a:effectRef>
+          <a:fontRef idx="minor">
+            <a:schemeClr val="lt1"/>
+          </a:fontRef>
+        </p:style>
+        <p:txBody>
+          <a:bodyPr rtlCol="0" anchor="ctr"/>
+          <a:lstStyle/>
+          <a:p>
+            <a:pPr algn="ctr"/>
+            <a:endParaRPr lang="en-US" b="1" dirty="0">
+              <a:solidFill>
+                <a:srgbClr val="0E4F83"/>
+              </a:solidFill>
+            </a:endParaRPr>
+          </a:p>
+        </p:txBody>
+      </p:sp>
+      <p:sp>
+        <p:nvSpPr>
+          <p:cNvPr id="20" name="Frame 19">
+            <a:extLst>
+              <a:ext uri="{FF2B5EF4-FFF2-40B4-BE49-F238E27FC236}">
+                <a16:creationId xmlns:a16="http://schemas.microsoft.com/office/drawing/2014/main" id="{E57E4225-65E5-A4F0-C0F8-0CA8B2BCA93A}"/>
+              </a:ext>
+            </a:extLst>
+          </p:cNvPr>
+          <p:cNvSpPr/>
+          <p:nvPr/>
+        </p:nvSpPr>
+        <p:spPr>
+          <a:xfrm>
+            <a:off x="1803042" y="3656928"/>
+            <a:ext cx="96592" cy="128789"/>
+          </a:xfrm>
+          <a:prstGeom prst="frame">
+            <a:avLst/>
+          </a:prstGeom>
+          <a:solidFill>
+            <a:srgbClr val="C2C4C5"/>
+          </a:solidFill>
+          <a:ln>
+            <a:noFill/>
+          </a:ln>
+        </p:spPr>
+        <p:style>
+          <a:lnRef idx="1">
+            <a:schemeClr val="accent1"/>
+          </a:lnRef>
+          <a:fillRef idx="3">
+            <a:schemeClr val="accent1"/>
+          </a:fillRef>
+          <a:effectRef idx="2">
+            <a:schemeClr val="accent1"/>
+          </a:effectRef>
+          <a:fontRef idx="minor">
+            <a:schemeClr val="lt1"/>
+          </a:fontRef>
+        </p:style>
+        <p:txBody>
+          <a:bodyPr rtlCol="0" anchor="ctr"/>
+          <a:lstStyle/>
+          <a:p>
+            <a:pPr algn="ctr"/>
+            <a:endParaRPr lang="en-US" b="1" dirty="0">
+              <a:solidFill>
+                <a:srgbClr val="0E4F83"/>
+              </a:solidFill>
+            </a:endParaRPr>
           </a:p>
         </p:txBody>
       </p:sp>
     </p:spTree>
     <p:extLst>
       <p:ext uri="{BB962C8B-B14F-4D97-AF65-F5344CB8AC3E}">
-        <p14:creationId xmlns:p14="http://schemas.microsoft.com/office/powerpoint/2010/main" val="3757117236"/>
+        <p14:creationId xmlns:p14="http://schemas.microsoft.com/office/powerpoint/2010/main" val="4188623125"/>
       </p:ext>
     </p:extLst>
   </p:cSld>
@@ -3169,15 +6512,45 @@
                   <a:schemeClr val="bg1"/>
                 </a:solidFill>
               </a:rPr>
-              <a:t>Framework Areas</a:t>
+              <a:t>Neural Network Approach</a:t>
             </a:r>
           </a:p>
         </p:txBody>
       </p:sp>
+      <p:pic>
+        <p:nvPicPr>
+          <p:cNvPr id="6" name="Picture 5">
+            <a:extLst>
+              <a:ext uri="{FF2B5EF4-FFF2-40B4-BE49-F238E27FC236}">
+                <a16:creationId xmlns:a16="http://schemas.microsoft.com/office/drawing/2014/main" id="{A4CB770E-5FF7-8BA0-3053-E132921BC6DB}"/>
+              </a:ext>
+            </a:extLst>
+          </p:cNvPr>
+          <p:cNvPicPr>
+            <a:picLocks noChangeAspect="1"/>
+          </p:cNvPicPr>
+          <p:nvPr/>
+        </p:nvPicPr>
+        <p:blipFill>
+          <a:blip r:embed="rId3"/>
+          <a:stretch>
+            <a:fillRect/>
+          </a:stretch>
+        </p:blipFill>
+        <p:spPr>
+          <a:xfrm>
+            <a:off x="1392938" y="789332"/>
+            <a:ext cx="6350000" cy="3886200"/>
+          </a:xfrm>
+          <a:prstGeom prst="rect">
+            <a:avLst/>
+          </a:prstGeom>
+        </p:spPr>
+      </p:pic>
     </p:spTree>
     <p:extLst>
       <p:ext uri="{BB962C8B-B14F-4D97-AF65-F5344CB8AC3E}">
-        <p14:creationId xmlns:p14="http://schemas.microsoft.com/office/powerpoint/2010/main" val="4188623125"/>
+        <p14:creationId xmlns:p14="http://schemas.microsoft.com/office/powerpoint/2010/main" val="4189912211"/>
       </p:ext>
     </p:extLst>
   </p:cSld>
@@ -3400,7 +6773,9 @@
         </p:nvSpPr>
         <p:spPr/>
         <p:txBody>
-          <a:bodyPr/>
+          <a:bodyPr>
+            <a:normAutofit/>
+          </a:bodyPr>
           <a:lstStyle/>
           <a:p>
             <a:pPr algn="l"/>
@@ -3410,59 +6785,15 @@
                   <a:schemeClr val="bg1"/>
                 </a:solidFill>
               </a:rPr>
-              <a:t>Neural Network Approach</a:t>
+              <a:t>Determining Compliance with Results</a:t>
             </a:r>
-          </a:p>
-        </p:txBody>
-      </p:sp>
-      <p:sp>
-        <p:nvSpPr>
-          <p:cNvPr id="4" name="TextBox 3">
-            <a:extLst>
-              <a:ext uri="{FF2B5EF4-FFF2-40B4-BE49-F238E27FC236}">
-                <a16:creationId xmlns:a16="http://schemas.microsoft.com/office/drawing/2014/main" id="{B96AE85E-4464-484D-BD8F-8003E801C8BE}"/>
-              </a:ext>
-            </a:extLst>
-          </p:cNvPr>
-          <p:cNvSpPr txBox="1"/>
-          <p:nvPr/>
-        </p:nvSpPr>
-        <p:spPr>
-          <a:xfrm>
-            <a:off x="1906292" y="1487837"/>
-            <a:ext cx="3432927" cy="923330"/>
-          </a:xfrm>
-          <a:prstGeom prst="rect">
-            <a:avLst/>
-          </a:prstGeom>
-          <a:noFill/>
-        </p:spPr>
-        <p:txBody>
-          <a:bodyPr wrap="none" rtlCol="0">
-            <a:spAutoFit/>
-          </a:bodyPr>
-          <a:lstStyle/>
-          <a:p>
-            <a:r>
-              <a:rPr lang="en-US" dirty="0"/>
-              <a:t>Why neural networks?</a:t>
-            </a:r>
-          </a:p>
-          <a:p>
-            <a:r>
-              <a:rPr lang="en-US" dirty="0"/>
-              <a:t>Why can’t we just use a function?</a:t>
-            </a:r>
-          </a:p>
-          <a:p>
-            <a:endParaRPr lang="en-US" dirty="0"/>
           </a:p>
         </p:txBody>
       </p:sp>
     </p:spTree>
     <p:extLst>
       <p:ext uri="{BB962C8B-B14F-4D97-AF65-F5344CB8AC3E}">
-        <p14:creationId xmlns:p14="http://schemas.microsoft.com/office/powerpoint/2010/main" val="4189912211"/>
+        <p14:creationId xmlns:p14="http://schemas.microsoft.com/office/powerpoint/2010/main" val="1298156160"/>
       </p:ext>
     </p:extLst>
   </p:cSld>
@@ -3551,7 +6882,7 @@
                   <a:schemeClr val="bg1"/>
                 </a:solidFill>
               </a:rPr>
-              <a:t>Combining NN results to determine overall compliance</a:t>
+              <a:t>Example</a:t>
             </a:r>
           </a:p>
         </p:txBody>
@@ -3559,7 +6890,7 @@
     </p:spTree>
     <p:extLst>
       <p:ext uri="{BB962C8B-B14F-4D97-AF65-F5344CB8AC3E}">
-        <p14:creationId xmlns:p14="http://schemas.microsoft.com/office/powerpoint/2010/main" val="1298156160"/>
+        <p14:creationId xmlns:p14="http://schemas.microsoft.com/office/powerpoint/2010/main" val="1445793840"/>
       </p:ext>
     </p:extLst>
   </p:cSld>
@@ -3615,103 +6946,6 @@
               <a:rPr lang="en-US" smtClean="0"/>
               <a:pPr/>
               <a:t>8</a:t>
-            </a:fld>
-            <a:endParaRPr lang="en-US" dirty="0"/>
-          </a:p>
-        </p:txBody>
-      </p:sp>
-      <p:sp>
-        <p:nvSpPr>
-          <p:cNvPr id="3" name="Title 2">
-            <a:extLst>
-              <a:ext uri="{FF2B5EF4-FFF2-40B4-BE49-F238E27FC236}">
-                <a16:creationId xmlns:a16="http://schemas.microsoft.com/office/drawing/2014/main" id="{9D6973F2-923D-4F4F-8A40-6D33454876B0}"/>
-              </a:ext>
-            </a:extLst>
-          </p:cNvPr>
-          <p:cNvSpPr>
-            <a:spLocks noGrp="1"/>
-          </p:cNvSpPr>
-          <p:nvPr>
-            <p:ph type="title"/>
-          </p:nvPr>
-        </p:nvSpPr>
-        <p:spPr/>
-        <p:txBody>
-          <a:bodyPr/>
-          <a:lstStyle/>
-          <a:p>
-            <a:pPr algn="l"/>
-            <a:r>
-              <a:rPr lang="en-US" dirty="0">
-                <a:solidFill>
-                  <a:schemeClr val="bg1"/>
-                </a:solidFill>
-              </a:rPr>
-              <a:t>Example</a:t>
-            </a:r>
-          </a:p>
-        </p:txBody>
-      </p:sp>
-    </p:spTree>
-    <p:extLst>
-      <p:ext uri="{BB962C8B-B14F-4D97-AF65-F5344CB8AC3E}">
-        <p14:creationId xmlns:p14="http://schemas.microsoft.com/office/powerpoint/2010/main" val="1445793840"/>
-      </p:ext>
-    </p:extLst>
-  </p:cSld>
-  <p:clrMapOvr>
-    <a:masterClrMapping/>
-  </p:clrMapOvr>
-</p:sld>
-</file>
-
-<file path=ppt/slides/slide9.xml><?xml version="1.0" encoding="utf-8"?>
-<p:sld xmlns:a="http://schemas.openxmlformats.org/drawingml/2006/main" xmlns:r="http://schemas.openxmlformats.org/officeDocument/2006/relationships" xmlns:p="http://schemas.openxmlformats.org/presentationml/2006/main">
-  <p:cSld>
-    <p:spTree>
-      <p:nvGrpSpPr>
-        <p:cNvPr id="1" name=""/>
-        <p:cNvGrpSpPr/>
-        <p:nvPr/>
-      </p:nvGrpSpPr>
-      <p:grpSpPr>
-        <a:xfrm>
-          <a:off x="0" y="0"/>
-          <a:ext cx="0" cy="0"/>
-          <a:chOff x="0" y="0"/>
-          <a:chExt cx="0" cy="0"/>
-        </a:xfrm>
-      </p:grpSpPr>
-      <p:sp>
-        <p:nvSpPr>
-          <p:cNvPr id="2" name="Slide Number Placeholder 1">
-            <a:extLst>
-              <a:ext uri="{FF2B5EF4-FFF2-40B4-BE49-F238E27FC236}">
-                <a16:creationId xmlns:a16="http://schemas.microsoft.com/office/drawing/2014/main" id="{C3876B54-91C7-4CA0-981B-0280BE7EB7E4}"/>
-              </a:ext>
-            </a:extLst>
-          </p:cNvPr>
-          <p:cNvSpPr>
-            <a:spLocks noGrp="1"/>
-          </p:cNvSpPr>
-          <p:nvPr>
-            <p:ph type="sldNum" sz="quarter" idx="4"/>
-          </p:nvPr>
-        </p:nvSpPr>
-        <p:spPr/>
-        <p:txBody>
-          <a:bodyPr/>
-          <a:lstStyle/>
-          <a:p>
-            <a:r>
-              <a:rPr lang="en-US"/>
-              <a:t>Presented by DHS | </a:t>
-            </a:r>
-            <a:fld id="{8997B844-ACA2-A34A-B180-F01E98B0D70C}" type="slidenum">
-              <a:rPr lang="en-US" smtClean="0"/>
-              <a:pPr/>
-              <a:t>9</a:t>
             </a:fld>
             <a:endParaRPr lang="en-US" dirty="0"/>
           </a:p>
@@ -4744,12 +7978,6 @@
 </file>
 
 <file path=customXml/item1.xml><?xml version="1.0" encoding="utf-8"?>
-<p:properties xmlns:p="http://schemas.microsoft.com/office/2006/metadata/properties" xmlns:xsi="http://www.w3.org/2001/XMLSchema-instance" xmlns:pc="http://schemas.microsoft.com/office/infopath/2007/PartnerControls">
-  <documentManagement/>
-</p:properties>
-</file>
-
-<file path=customXml/item2.xml><?xml version="1.0" encoding="utf-8"?>
 <ct:contentTypeSchema xmlns:ct="http://schemas.microsoft.com/office/2006/metadata/contentType" xmlns:ma="http://schemas.microsoft.com/office/2006/metadata/properties/metaAttributes" ct:_="" ma:_="" ma:contentTypeName="Document" ma:contentTypeID="0x010100C11066598DA2094897C17F025BEB5C33" ma:contentTypeVersion="11" ma:contentTypeDescription="Create a new document." ma:contentTypeScope="" ma:versionID="c132620416a636482ab79dc02cb4beda">
   <xsd:schema xmlns:xsd="http://www.w3.org/2001/XMLSchema" xmlns:xs="http://www.w3.org/2001/XMLSchema" xmlns:p="http://schemas.microsoft.com/office/2006/metadata/properties" xmlns:ns2="cc02a9f5-0e8f-478d-ae46-fce6cd025606" xmlns:ns3="5ed103a9-c213-4e89-b04a-978a9c9d0ecb" targetNamespace="http://schemas.microsoft.com/office/2006/metadata/properties" ma:root="true" ma:fieldsID="25d1ba42b03243f6fad1194b6d2737ac" ns2:_="" ns3:_="">
     <xsd:import namespace="cc02a9f5-0e8f-478d-ae46-fce6cd025606"/>
@@ -4958,6 +8186,12 @@
 </ct:contentTypeSchema>
 </file>
 
+<file path=customXml/item2.xml><?xml version="1.0" encoding="utf-8"?>
+<p:properties xmlns:p="http://schemas.microsoft.com/office/2006/metadata/properties" xmlns:xsi="http://www.w3.org/2001/XMLSchema-instance" xmlns:pc="http://schemas.microsoft.com/office/infopath/2007/PartnerControls">
+  <documentManagement/>
+</p:properties>
+</file>
+
 <file path=customXml/item3.xml><?xml version="1.0" encoding="utf-8"?>
 <?mso-contentType ?>
 <FormTemplates xmlns="http://schemas.microsoft.com/sharepoint/v3/contenttype/forms">
@@ -4968,23 +8202,6 @@
 </file>
 
 <file path=customXml/itemProps1.xml><?xml version="1.0" encoding="utf-8"?>
-<ds:datastoreItem xmlns:ds="http://schemas.openxmlformats.org/officeDocument/2006/customXml" ds:itemID="{10D81E0D-2C63-4EA5-9F60-BC113953F389}">
-  <ds:schemaRefs>
-    <ds:schemaRef ds:uri="http://www.w3.org/XML/1998/namespace"/>
-    <ds:schemaRef ds:uri="http://schemas.microsoft.com/office/infopath/2007/PartnerControls"/>
-    <ds:schemaRef ds:uri="http://schemas.microsoft.com/office/2006/documentManagement/types"/>
-    <ds:schemaRef ds:uri="http://purl.org/dc/dcmitype/"/>
-    <ds:schemaRef ds:uri="cc02a9f5-0e8f-478d-ae46-fce6cd025606"/>
-    <ds:schemaRef ds:uri="http://schemas.openxmlformats.org/package/2006/metadata/core-properties"/>
-    <ds:schemaRef ds:uri="http://schemas.microsoft.com/office/2006/metadata/properties"/>
-    <ds:schemaRef ds:uri="5ed103a9-c213-4e89-b04a-978a9c9d0ecb"/>
-    <ds:schemaRef ds:uri="http://purl.org/dc/terms/"/>
-    <ds:schemaRef ds:uri="http://purl.org/dc/elements/1.1/"/>
-  </ds:schemaRefs>
-</ds:datastoreItem>
-</file>
-
-<file path=customXml/itemProps2.xml><?xml version="1.0" encoding="utf-8"?>
 <ds:datastoreItem xmlns:ds="http://schemas.openxmlformats.org/officeDocument/2006/customXml" ds:itemID="{048D89ED-6A25-4B9D-BC75-65054FB7685E}">
   <ds:schemaRefs>
     <ds:schemaRef ds:uri="http://schemas.microsoft.com/office/2006/metadata/contentType"/>
@@ -5003,6 +8220,23 @@
 </ds:datastoreItem>
 </file>
 
+<file path=customXml/itemProps2.xml><?xml version="1.0" encoding="utf-8"?>
+<ds:datastoreItem xmlns:ds="http://schemas.openxmlformats.org/officeDocument/2006/customXml" ds:itemID="{10D81E0D-2C63-4EA5-9F60-BC113953F389}">
+  <ds:schemaRefs>
+    <ds:schemaRef ds:uri="http://www.w3.org/XML/1998/namespace"/>
+    <ds:schemaRef ds:uri="http://schemas.microsoft.com/office/infopath/2007/PartnerControls"/>
+    <ds:schemaRef ds:uri="http://schemas.microsoft.com/office/2006/documentManagement/types"/>
+    <ds:schemaRef ds:uri="http://purl.org/dc/dcmitype/"/>
+    <ds:schemaRef ds:uri="cc02a9f5-0e8f-478d-ae46-fce6cd025606"/>
+    <ds:schemaRef ds:uri="http://schemas.openxmlformats.org/package/2006/metadata/core-properties"/>
+    <ds:schemaRef ds:uri="http://schemas.microsoft.com/office/2006/metadata/properties"/>
+    <ds:schemaRef ds:uri="5ed103a9-c213-4e89-b04a-978a9c9d0ecb"/>
+    <ds:schemaRef ds:uri="http://purl.org/dc/terms/"/>
+    <ds:schemaRef ds:uri="http://purl.org/dc/elements/1.1/"/>
+  </ds:schemaRefs>
+</ds:datastoreItem>
+</file>
+
 <file path=customXml/itemProps3.xml><?xml version="1.0" encoding="utf-8"?>
 <ds:datastoreItem xmlns:ds="http://schemas.openxmlformats.org/officeDocument/2006/customXml" ds:itemID="{478A104F-5518-4387-A41C-C91F45F51F72}">
   <ds:schemaRefs>

--- a/gao_ai_proposal.pptx
+++ b/gao_ai_proposal.pptx
@@ -2828,7 +2828,7 @@
           <a:p>
             <a:fld id="{9C5B416F-12F7-8245-B7D4-D65FCD72D8E0}" type="datetimeFigureOut">
               <a:rPr lang="en-US" smtClean="0"/>
-              <a:t>7/17/23</a:t>
+              <a:t>7/20/23</a:t>
             </a:fld>
             <a:endParaRPr lang="en-US"/>
           </a:p>
@@ -2994,7 +2994,7 @@
           <a:p>
             <a:fld id="{24EA5F54-FBF3-1447-ACC7-2EF23A9C40CC}" type="datetimeFigureOut">
               <a:rPr lang="en-US" smtClean="0"/>
-              <a:t>7/17/23</a:t>
+              <a:t>7/20/23</a:t>
             </a:fld>
             <a:endParaRPr lang="en-US"/>
           </a:p>
@@ -6517,36 +6517,1953 @@
           </a:p>
         </p:txBody>
       </p:sp>
-      <p:pic>
-        <p:nvPicPr>
-          <p:cNvPr id="6" name="Picture 5">
+      <p:sp>
+        <p:nvSpPr>
+          <p:cNvPr id="5" name="Oval 4">
             <a:extLst>
               <a:ext uri="{FF2B5EF4-FFF2-40B4-BE49-F238E27FC236}">
-                <a16:creationId xmlns:a16="http://schemas.microsoft.com/office/drawing/2014/main" id="{A4CB770E-5FF7-8BA0-3053-E132921BC6DB}"/>
+                <a16:creationId xmlns:a16="http://schemas.microsoft.com/office/drawing/2014/main" id="{58E8FBCC-18D7-E675-B374-9E9B0A0BE234}"/>
               </a:ext>
             </a:extLst>
           </p:cNvPr>
-          <p:cNvPicPr>
-            <a:picLocks noChangeAspect="1"/>
-          </p:cNvPicPr>
+          <p:cNvSpPr/>
           <p:nvPr/>
-        </p:nvPicPr>
-        <p:blipFill>
-          <a:blip r:embed="rId3"/>
-          <a:stretch>
-            <a:fillRect/>
-          </a:stretch>
-        </p:blipFill>
+        </p:nvSpPr>
         <p:spPr>
           <a:xfrm>
-            <a:off x="1392938" y="789332"/>
-            <a:ext cx="6350000" cy="3886200"/>
+            <a:off x="2400305" y="1285800"/>
+            <a:ext cx="190748" cy="187869"/>
+          </a:xfrm>
+          <a:prstGeom prst="ellipse">
+            <a:avLst/>
+          </a:prstGeom>
+          <a:solidFill>
+            <a:schemeClr val="accent2"/>
+          </a:solidFill>
+          <a:ln>
+            <a:noFill/>
+          </a:ln>
+        </p:spPr>
+        <p:style>
+          <a:lnRef idx="1">
+            <a:schemeClr val="accent1"/>
+          </a:lnRef>
+          <a:fillRef idx="3">
+            <a:schemeClr val="accent1"/>
+          </a:fillRef>
+          <a:effectRef idx="2">
+            <a:schemeClr val="accent1"/>
+          </a:effectRef>
+          <a:fontRef idx="minor">
+            <a:schemeClr val="lt1"/>
+          </a:fontRef>
+        </p:style>
+        <p:txBody>
+          <a:bodyPr rtlCol="0" anchor="ctr"/>
+          <a:lstStyle/>
+          <a:p>
+            <a:pPr algn="ctr"/>
+            <a:endParaRPr lang="en-US" b="1" dirty="0">
+              <a:solidFill>
+                <a:srgbClr val="0E4F83"/>
+              </a:solidFill>
+            </a:endParaRPr>
+          </a:p>
+        </p:txBody>
+      </p:sp>
+      <p:sp>
+        <p:nvSpPr>
+          <p:cNvPr id="8" name="TextBox 7">
+            <a:extLst>
+              <a:ext uri="{FF2B5EF4-FFF2-40B4-BE49-F238E27FC236}">
+                <a16:creationId xmlns:a16="http://schemas.microsoft.com/office/drawing/2014/main" id="{663012F4-6886-0BC8-9B10-F45AF071C4F1}"/>
+              </a:ext>
+            </a:extLst>
+          </p:cNvPr>
+          <p:cNvSpPr txBox="1"/>
+          <p:nvPr/>
+        </p:nvSpPr>
+        <p:spPr>
+          <a:xfrm>
+            <a:off x="969658" y="813221"/>
+            <a:ext cx="1532075" cy="400110"/>
           </a:xfrm>
           <a:prstGeom prst="rect">
             <a:avLst/>
           </a:prstGeom>
+          <a:noFill/>
         </p:spPr>
-      </p:pic>
+        <p:txBody>
+          <a:bodyPr wrap="square" rtlCol="0">
+            <a:spAutoFit/>
+          </a:bodyPr>
+          <a:lstStyle/>
+          <a:p>
+            <a:pPr algn="ctr"/>
+            <a:r>
+              <a:rPr lang="en-US" sz="1000" dirty="0">
+                <a:latin typeface="Calibri" panose="020F0502020204030204" pitchFamily="34" charset="0"/>
+                <a:cs typeface="Calibri" panose="020F0502020204030204" pitchFamily="34" charset="0"/>
+              </a:rPr>
+              <a:t>Compliance Scores for Audit Procedures</a:t>
+            </a:r>
+          </a:p>
+        </p:txBody>
+      </p:sp>
+      <p:sp>
+        <p:nvSpPr>
+          <p:cNvPr id="9" name="TextBox 8">
+            <a:extLst>
+              <a:ext uri="{FF2B5EF4-FFF2-40B4-BE49-F238E27FC236}">
+                <a16:creationId xmlns:a16="http://schemas.microsoft.com/office/drawing/2014/main" id="{C6ECADDC-3B21-40DD-8874-9A06E833AF27}"/>
+              </a:ext>
+            </a:extLst>
+          </p:cNvPr>
+          <p:cNvSpPr txBox="1"/>
+          <p:nvPr/>
+        </p:nvSpPr>
+        <p:spPr>
+          <a:xfrm>
+            <a:off x="1290608" y="1162690"/>
+            <a:ext cx="1061250" cy="246221"/>
+          </a:xfrm>
+          <a:prstGeom prst="rect">
+            <a:avLst/>
+          </a:prstGeom>
+          <a:noFill/>
+        </p:spPr>
+        <p:txBody>
+          <a:bodyPr wrap="square" rtlCol="0">
+            <a:spAutoFit/>
+          </a:bodyPr>
+          <a:lstStyle/>
+          <a:p>
+            <a:pPr algn="r"/>
+            <a:r>
+              <a:rPr lang="en-US" sz="1000" dirty="0">
+                <a:solidFill>
+                  <a:srgbClr val="0070C0"/>
+                </a:solidFill>
+                <a:latin typeface="Calibri" panose="020F0502020204030204" pitchFamily="34" charset="0"/>
+                <a:cs typeface="Calibri" panose="020F0502020204030204" pitchFamily="34" charset="0"/>
+              </a:rPr>
+              <a:t>Governance</a:t>
+            </a:r>
+          </a:p>
+        </p:txBody>
+      </p:sp>
+      <p:sp>
+        <p:nvSpPr>
+          <p:cNvPr id="17" name="TextBox 16">
+            <a:extLst>
+              <a:ext uri="{FF2B5EF4-FFF2-40B4-BE49-F238E27FC236}">
+                <a16:creationId xmlns:a16="http://schemas.microsoft.com/office/drawing/2014/main" id="{EBE2BA8E-DCF6-9626-CBCB-61EB9969CDDA}"/>
+              </a:ext>
+            </a:extLst>
+          </p:cNvPr>
+          <p:cNvSpPr txBox="1"/>
+          <p:nvPr/>
+        </p:nvSpPr>
+        <p:spPr>
+          <a:xfrm>
+            <a:off x="1210287" y="1910997"/>
+            <a:ext cx="1109697" cy="230832"/>
+          </a:xfrm>
+          <a:prstGeom prst="rect">
+            <a:avLst/>
+          </a:prstGeom>
+          <a:noFill/>
+        </p:spPr>
+        <p:txBody>
+          <a:bodyPr wrap="square" rtlCol="0">
+            <a:spAutoFit/>
+          </a:bodyPr>
+          <a:lstStyle/>
+          <a:p>
+            <a:pPr algn="r"/>
+            <a:r>
+              <a:rPr lang="en-US" sz="900" b="1" dirty="0">
+                <a:latin typeface="Calibri" panose="020F0502020204030204" pitchFamily="34" charset="0"/>
+                <a:cs typeface="Calibri" panose="020F0502020204030204" pitchFamily="34" charset="0"/>
+              </a:rPr>
+              <a:t>…</a:t>
+            </a:r>
+          </a:p>
+        </p:txBody>
+      </p:sp>
+      <p:sp>
+        <p:nvSpPr>
+          <p:cNvPr id="18" name="TextBox 17">
+            <a:extLst>
+              <a:ext uri="{FF2B5EF4-FFF2-40B4-BE49-F238E27FC236}">
+                <a16:creationId xmlns:a16="http://schemas.microsoft.com/office/drawing/2014/main" id="{2EF4D0B7-7212-B2FD-1F35-C77A901A2B48}"/>
+              </a:ext>
+            </a:extLst>
+          </p:cNvPr>
+          <p:cNvSpPr txBox="1"/>
+          <p:nvPr/>
+        </p:nvSpPr>
+        <p:spPr>
+          <a:xfrm>
+            <a:off x="1239623" y="2085648"/>
+            <a:ext cx="1109697" cy="215444"/>
+          </a:xfrm>
+          <a:prstGeom prst="rect">
+            <a:avLst/>
+          </a:prstGeom>
+          <a:noFill/>
+        </p:spPr>
+        <p:txBody>
+          <a:bodyPr wrap="square" rtlCol="0">
+            <a:spAutoFit/>
+          </a:bodyPr>
+          <a:lstStyle/>
+          <a:p>
+            <a:pPr algn="ctr"/>
+            <a:r>
+              <a:rPr lang="en-US" sz="800" dirty="0">
+                <a:latin typeface="Calibri" panose="020F0502020204030204" pitchFamily="34" charset="0"/>
+                <a:cs typeface="Calibri" panose="020F0502020204030204" pitchFamily="34" charset="0"/>
+              </a:rPr>
+              <a:t>Section 1.9 = Score 75</a:t>
+            </a:r>
+          </a:p>
+        </p:txBody>
+      </p:sp>
+      <p:sp>
+        <p:nvSpPr>
+          <p:cNvPr id="19" name="TextBox 18">
+            <a:extLst>
+              <a:ext uri="{FF2B5EF4-FFF2-40B4-BE49-F238E27FC236}">
+                <a16:creationId xmlns:a16="http://schemas.microsoft.com/office/drawing/2014/main" id="{ECC037D5-F3C9-92E5-9ADE-CD271AE3D136}"/>
+              </a:ext>
+            </a:extLst>
+          </p:cNvPr>
+          <p:cNvSpPr txBox="1"/>
+          <p:nvPr/>
+        </p:nvSpPr>
+        <p:spPr>
+          <a:xfrm>
+            <a:off x="1288070" y="2268238"/>
+            <a:ext cx="1061250" cy="246221"/>
+          </a:xfrm>
+          <a:prstGeom prst="rect">
+            <a:avLst/>
+          </a:prstGeom>
+          <a:noFill/>
+        </p:spPr>
+        <p:txBody>
+          <a:bodyPr wrap="square" rtlCol="0">
+            <a:spAutoFit/>
+          </a:bodyPr>
+          <a:lstStyle/>
+          <a:p>
+            <a:pPr algn="r"/>
+            <a:r>
+              <a:rPr lang="en-US" sz="1000" dirty="0">
+                <a:solidFill>
+                  <a:srgbClr val="0070C0"/>
+                </a:solidFill>
+                <a:latin typeface="Calibri" panose="020F0502020204030204" pitchFamily="34" charset="0"/>
+                <a:cs typeface="Calibri" panose="020F0502020204030204" pitchFamily="34" charset="0"/>
+              </a:rPr>
+              <a:t>Data</a:t>
+            </a:r>
+          </a:p>
+        </p:txBody>
+      </p:sp>
+      <p:sp>
+        <p:nvSpPr>
+          <p:cNvPr id="20" name="TextBox 19">
+            <a:extLst>
+              <a:ext uri="{FF2B5EF4-FFF2-40B4-BE49-F238E27FC236}">
+                <a16:creationId xmlns:a16="http://schemas.microsoft.com/office/drawing/2014/main" id="{C03F99E3-422B-B7B8-D6A0-F8C16B8797FC}"/>
+              </a:ext>
+            </a:extLst>
+          </p:cNvPr>
+          <p:cNvSpPr txBox="1"/>
+          <p:nvPr/>
+        </p:nvSpPr>
+        <p:spPr>
+          <a:xfrm>
+            <a:off x="1236102" y="1768486"/>
+            <a:ext cx="1109697" cy="215444"/>
+          </a:xfrm>
+          <a:prstGeom prst="rect">
+            <a:avLst/>
+          </a:prstGeom>
+          <a:noFill/>
+        </p:spPr>
+        <p:txBody>
+          <a:bodyPr wrap="square" rtlCol="0">
+            <a:spAutoFit/>
+          </a:bodyPr>
+          <a:lstStyle/>
+          <a:p>
+            <a:pPr algn="ctr"/>
+            <a:r>
+              <a:rPr lang="en-US" sz="800" dirty="0">
+                <a:latin typeface="Calibri" panose="020F0502020204030204" pitchFamily="34" charset="0"/>
+                <a:cs typeface="Calibri" panose="020F0502020204030204" pitchFamily="34" charset="0"/>
+              </a:rPr>
+              <a:t>Section 1.3 = Score 99</a:t>
+            </a:r>
+          </a:p>
+        </p:txBody>
+      </p:sp>
+      <p:sp>
+        <p:nvSpPr>
+          <p:cNvPr id="21" name="TextBox 20">
+            <a:extLst>
+              <a:ext uri="{FF2B5EF4-FFF2-40B4-BE49-F238E27FC236}">
+                <a16:creationId xmlns:a16="http://schemas.microsoft.com/office/drawing/2014/main" id="{9252995E-3E6A-3851-C43D-8A3FD7C6538D}"/>
+              </a:ext>
+            </a:extLst>
+          </p:cNvPr>
+          <p:cNvSpPr txBox="1"/>
+          <p:nvPr/>
+        </p:nvSpPr>
+        <p:spPr>
+          <a:xfrm>
+            <a:off x="1242161" y="1580119"/>
+            <a:ext cx="1109697" cy="215444"/>
+          </a:xfrm>
+          <a:prstGeom prst="rect">
+            <a:avLst/>
+          </a:prstGeom>
+          <a:noFill/>
+        </p:spPr>
+        <p:txBody>
+          <a:bodyPr wrap="square" rtlCol="0">
+            <a:spAutoFit/>
+          </a:bodyPr>
+          <a:lstStyle/>
+          <a:p>
+            <a:pPr algn="ctr"/>
+            <a:r>
+              <a:rPr lang="en-US" sz="800" dirty="0">
+                <a:latin typeface="Calibri" panose="020F0502020204030204" pitchFamily="34" charset="0"/>
+                <a:cs typeface="Calibri" panose="020F0502020204030204" pitchFamily="34" charset="0"/>
+              </a:rPr>
+              <a:t>Section 1.2 = Score 40</a:t>
+            </a:r>
+          </a:p>
+        </p:txBody>
+      </p:sp>
+      <p:sp>
+        <p:nvSpPr>
+          <p:cNvPr id="22" name="TextBox 21">
+            <a:extLst>
+              <a:ext uri="{FF2B5EF4-FFF2-40B4-BE49-F238E27FC236}">
+                <a16:creationId xmlns:a16="http://schemas.microsoft.com/office/drawing/2014/main" id="{84130B35-7014-CDF1-B870-3D3E6077804F}"/>
+              </a:ext>
+            </a:extLst>
+          </p:cNvPr>
+          <p:cNvSpPr txBox="1"/>
+          <p:nvPr/>
+        </p:nvSpPr>
+        <p:spPr>
+          <a:xfrm>
+            <a:off x="1242161" y="1373489"/>
+            <a:ext cx="1109697" cy="215444"/>
+          </a:xfrm>
+          <a:prstGeom prst="rect">
+            <a:avLst/>
+          </a:prstGeom>
+          <a:noFill/>
+        </p:spPr>
+        <p:txBody>
+          <a:bodyPr wrap="square" rtlCol="0">
+            <a:spAutoFit/>
+          </a:bodyPr>
+          <a:lstStyle/>
+          <a:p>
+            <a:pPr algn="ctr"/>
+            <a:r>
+              <a:rPr lang="en-US" sz="800" dirty="0">
+                <a:latin typeface="Calibri" panose="020F0502020204030204" pitchFamily="34" charset="0"/>
+                <a:cs typeface="Calibri" panose="020F0502020204030204" pitchFamily="34" charset="0"/>
+              </a:rPr>
+              <a:t>Section 1.1 = Score 20</a:t>
+            </a:r>
+          </a:p>
+        </p:txBody>
+      </p:sp>
+      <p:sp>
+        <p:nvSpPr>
+          <p:cNvPr id="23" name="TextBox 22">
+            <a:extLst>
+              <a:ext uri="{FF2B5EF4-FFF2-40B4-BE49-F238E27FC236}">
+                <a16:creationId xmlns:a16="http://schemas.microsoft.com/office/drawing/2014/main" id="{3768496B-57CE-1913-6A83-0F51623C9421}"/>
+              </a:ext>
+            </a:extLst>
+          </p:cNvPr>
+          <p:cNvSpPr txBox="1"/>
+          <p:nvPr/>
+        </p:nvSpPr>
+        <p:spPr>
+          <a:xfrm>
+            <a:off x="1239623" y="2460072"/>
+            <a:ext cx="1109697" cy="215444"/>
+          </a:xfrm>
+          <a:prstGeom prst="rect">
+            <a:avLst/>
+          </a:prstGeom>
+          <a:noFill/>
+        </p:spPr>
+        <p:txBody>
+          <a:bodyPr wrap="square" rtlCol="0">
+            <a:spAutoFit/>
+          </a:bodyPr>
+          <a:lstStyle/>
+          <a:p>
+            <a:pPr algn="ctr"/>
+            <a:r>
+              <a:rPr lang="en-US" sz="800" dirty="0">
+                <a:latin typeface="Calibri" panose="020F0502020204030204" pitchFamily="34" charset="0"/>
+                <a:cs typeface="Calibri" panose="020F0502020204030204" pitchFamily="34" charset="0"/>
+              </a:rPr>
+              <a:t>Section 2.1 = Score 27</a:t>
+            </a:r>
+          </a:p>
+        </p:txBody>
+      </p:sp>
+      <p:sp>
+        <p:nvSpPr>
+          <p:cNvPr id="24" name="TextBox 23">
+            <a:extLst>
+              <a:ext uri="{FF2B5EF4-FFF2-40B4-BE49-F238E27FC236}">
+                <a16:creationId xmlns:a16="http://schemas.microsoft.com/office/drawing/2014/main" id="{522FA504-F497-3F0B-1DCD-ADCAEA93A7F3}"/>
+              </a:ext>
+            </a:extLst>
+          </p:cNvPr>
+          <p:cNvSpPr txBox="1"/>
+          <p:nvPr/>
+        </p:nvSpPr>
+        <p:spPr>
+          <a:xfrm>
+            <a:off x="1216994" y="2612785"/>
+            <a:ext cx="1109697" cy="230832"/>
+          </a:xfrm>
+          <a:prstGeom prst="rect">
+            <a:avLst/>
+          </a:prstGeom>
+          <a:noFill/>
+        </p:spPr>
+        <p:txBody>
+          <a:bodyPr wrap="square" rtlCol="0">
+            <a:spAutoFit/>
+          </a:bodyPr>
+          <a:lstStyle/>
+          <a:p>
+            <a:pPr algn="r"/>
+            <a:r>
+              <a:rPr lang="en-US" sz="900" b="1" dirty="0">
+                <a:latin typeface="Calibri" panose="020F0502020204030204" pitchFamily="34" charset="0"/>
+                <a:cs typeface="Calibri" panose="020F0502020204030204" pitchFamily="34" charset="0"/>
+              </a:rPr>
+              <a:t>…</a:t>
+            </a:r>
+          </a:p>
+        </p:txBody>
+      </p:sp>
+      <p:sp>
+        <p:nvSpPr>
+          <p:cNvPr id="25" name="TextBox 24">
+            <a:extLst>
+              <a:ext uri="{FF2B5EF4-FFF2-40B4-BE49-F238E27FC236}">
+                <a16:creationId xmlns:a16="http://schemas.microsoft.com/office/drawing/2014/main" id="{5213CD26-283E-02FE-F516-18773DEFD8D0}"/>
+              </a:ext>
+            </a:extLst>
+          </p:cNvPr>
+          <p:cNvSpPr txBox="1"/>
+          <p:nvPr/>
+        </p:nvSpPr>
+        <p:spPr>
+          <a:xfrm>
+            <a:off x="1239622" y="2787060"/>
+            <a:ext cx="1109697" cy="215444"/>
+          </a:xfrm>
+          <a:prstGeom prst="rect">
+            <a:avLst/>
+          </a:prstGeom>
+          <a:noFill/>
+        </p:spPr>
+        <p:txBody>
+          <a:bodyPr wrap="square" rtlCol="0">
+            <a:spAutoFit/>
+          </a:bodyPr>
+          <a:lstStyle/>
+          <a:p>
+            <a:pPr algn="ctr"/>
+            <a:r>
+              <a:rPr lang="en-US" sz="800" dirty="0">
+                <a:latin typeface="Calibri" panose="020F0502020204030204" pitchFamily="34" charset="0"/>
+                <a:cs typeface="Calibri" panose="020F0502020204030204" pitchFamily="34" charset="0"/>
+              </a:rPr>
+              <a:t>Section 2.8 = Score 89</a:t>
+            </a:r>
+          </a:p>
+        </p:txBody>
+      </p:sp>
+      <p:sp>
+        <p:nvSpPr>
+          <p:cNvPr id="26" name="TextBox 25">
+            <a:extLst>
+              <a:ext uri="{FF2B5EF4-FFF2-40B4-BE49-F238E27FC236}">
+                <a16:creationId xmlns:a16="http://schemas.microsoft.com/office/drawing/2014/main" id="{16B79E5C-CABE-AE6E-A667-4F6D6A01FA1C}"/>
+              </a:ext>
+            </a:extLst>
+          </p:cNvPr>
+          <p:cNvSpPr txBox="1"/>
+          <p:nvPr/>
+        </p:nvSpPr>
+        <p:spPr>
+          <a:xfrm>
+            <a:off x="1265010" y="2952811"/>
+            <a:ext cx="1061250" cy="246221"/>
+          </a:xfrm>
+          <a:prstGeom prst="rect">
+            <a:avLst/>
+          </a:prstGeom>
+          <a:noFill/>
+        </p:spPr>
+        <p:txBody>
+          <a:bodyPr wrap="square" rtlCol="0">
+            <a:spAutoFit/>
+          </a:bodyPr>
+          <a:lstStyle/>
+          <a:p>
+            <a:pPr algn="r"/>
+            <a:r>
+              <a:rPr lang="en-US" sz="1000" dirty="0">
+                <a:solidFill>
+                  <a:srgbClr val="0070C0"/>
+                </a:solidFill>
+                <a:latin typeface="Calibri" panose="020F0502020204030204" pitchFamily="34" charset="0"/>
+                <a:cs typeface="Calibri" panose="020F0502020204030204" pitchFamily="34" charset="0"/>
+              </a:rPr>
+              <a:t>Performance</a:t>
+            </a:r>
+          </a:p>
+        </p:txBody>
+      </p:sp>
+      <p:sp>
+        <p:nvSpPr>
+          <p:cNvPr id="27" name="TextBox 26">
+            <a:extLst>
+              <a:ext uri="{FF2B5EF4-FFF2-40B4-BE49-F238E27FC236}">
+                <a16:creationId xmlns:a16="http://schemas.microsoft.com/office/drawing/2014/main" id="{7EF0C524-3C98-1EDF-2F77-0C2304C25344}"/>
+              </a:ext>
+            </a:extLst>
+          </p:cNvPr>
+          <p:cNvSpPr txBox="1"/>
+          <p:nvPr/>
+        </p:nvSpPr>
+        <p:spPr>
+          <a:xfrm>
+            <a:off x="1234509" y="3131643"/>
+            <a:ext cx="1109697" cy="215444"/>
+          </a:xfrm>
+          <a:prstGeom prst="rect">
+            <a:avLst/>
+          </a:prstGeom>
+          <a:noFill/>
+        </p:spPr>
+        <p:txBody>
+          <a:bodyPr wrap="square" rtlCol="0">
+            <a:spAutoFit/>
+          </a:bodyPr>
+          <a:lstStyle/>
+          <a:p>
+            <a:pPr algn="ctr"/>
+            <a:r>
+              <a:rPr lang="en-US" sz="800" dirty="0">
+                <a:latin typeface="Calibri" panose="020F0502020204030204" pitchFamily="34" charset="0"/>
+                <a:cs typeface="Calibri" panose="020F0502020204030204" pitchFamily="34" charset="0"/>
+              </a:rPr>
+              <a:t>Section 3.1 = Score 72</a:t>
+            </a:r>
+          </a:p>
+        </p:txBody>
+      </p:sp>
+      <p:sp>
+        <p:nvSpPr>
+          <p:cNvPr id="28" name="TextBox 27">
+            <a:extLst>
+              <a:ext uri="{FF2B5EF4-FFF2-40B4-BE49-F238E27FC236}">
+                <a16:creationId xmlns:a16="http://schemas.microsoft.com/office/drawing/2014/main" id="{5952D634-1154-458C-10E4-E35560341C78}"/>
+              </a:ext>
+            </a:extLst>
+          </p:cNvPr>
+          <p:cNvSpPr txBox="1"/>
+          <p:nvPr/>
+        </p:nvSpPr>
+        <p:spPr>
+          <a:xfrm>
+            <a:off x="1203237" y="3274697"/>
+            <a:ext cx="1109697" cy="230832"/>
+          </a:xfrm>
+          <a:prstGeom prst="rect">
+            <a:avLst/>
+          </a:prstGeom>
+          <a:noFill/>
+        </p:spPr>
+        <p:txBody>
+          <a:bodyPr wrap="square" rtlCol="0">
+            <a:spAutoFit/>
+          </a:bodyPr>
+          <a:lstStyle/>
+          <a:p>
+            <a:pPr algn="r"/>
+            <a:r>
+              <a:rPr lang="en-US" sz="900" b="1" dirty="0">
+                <a:latin typeface="Calibri" panose="020F0502020204030204" pitchFamily="34" charset="0"/>
+                <a:cs typeface="Calibri" panose="020F0502020204030204" pitchFamily="34" charset="0"/>
+              </a:rPr>
+              <a:t>…</a:t>
+            </a:r>
+          </a:p>
+        </p:txBody>
+      </p:sp>
+      <p:sp>
+        <p:nvSpPr>
+          <p:cNvPr id="29" name="TextBox 28">
+            <a:extLst>
+              <a:ext uri="{FF2B5EF4-FFF2-40B4-BE49-F238E27FC236}">
+                <a16:creationId xmlns:a16="http://schemas.microsoft.com/office/drawing/2014/main" id="{DA4652A5-4DE5-9B2D-B97A-A91B8322AC01}"/>
+              </a:ext>
+            </a:extLst>
+          </p:cNvPr>
+          <p:cNvSpPr txBox="1"/>
+          <p:nvPr/>
+        </p:nvSpPr>
+        <p:spPr>
+          <a:xfrm>
+            <a:off x="1242161" y="3450502"/>
+            <a:ext cx="1109697" cy="215444"/>
+          </a:xfrm>
+          <a:prstGeom prst="rect">
+            <a:avLst/>
+          </a:prstGeom>
+          <a:noFill/>
+        </p:spPr>
+        <p:txBody>
+          <a:bodyPr wrap="square" rtlCol="0">
+            <a:spAutoFit/>
+          </a:bodyPr>
+          <a:lstStyle/>
+          <a:p>
+            <a:pPr algn="ctr"/>
+            <a:r>
+              <a:rPr lang="en-US" sz="800" dirty="0">
+                <a:latin typeface="Calibri" panose="020F0502020204030204" pitchFamily="34" charset="0"/>
+                <a:cs typeface="Calibri" panose="020F0502020204030204" pitchFamily="34" charset="0"/>
+              </a:rPr>
+              <a:t>Section 3.9 = Score 55</a:t>
+            </a:r>
+          </a:p>
+        </p:txBody>
+      </p:sp>
+      <p:sp>
+        <p:nvSpPr>
+          <p:cNvPr id="30" name="TextBox 29">
+            <a:extLst>
+              <a:ext uri="{FF2B5EF4-FFF2-40B4-BE49-F238E27FC236}">
+                <a16:creationId xmlns:a16="http://schemas.microsoft.com/office/drawing/2014/main" id="{21F5F451-E78E-81F3-A671-B5B233FF9E01}"/>
+              </a:ext>
+            </a:extLst>
+          </p:cNvPr>
+          <p:cNvSpPr txBox="1"/>
+          <p:nvPr/>
+        </p:nvSpPr>
+        <p:spPr>
+          <a:xfrm>
+            <a:off x="1282956" y="3605859"/>
+            <a:ext cx="1061250" cy="246221"/>
+          </a:xfrm>
+          <a:prstGeom prst="rect">
+            <a:avLst/>
+          </a:prstGeom>
+          <a:noFill/>
+        </p:spPr>
+        <p:txBody>
+          <a:bodyPr wrap="square" rtlCol="0">
+            <a:spAutoFit/>
+          </a:bodyPr>
+          <a:lstStyle/>
+          <a:p>
+            <a:pPr algn="r"/>
+            <a:r>
+              <a:rPr lang="en-US" sz="1000" dirty="0">
+                <a:solidFill>
+                  <a:srgbClr val="0070C0"/>
+                </a:solidFill>
+                <a:latin typeface="Calibri" panose="020F0502020204030204" pitchFamily="34" charset="0"/>
+                <a:cs typeface="Calibri" panose="020F0502020204030204" pitchFamily="34" charset="0"/>
+              </a:rPr>
+              <a:t>Monitoring</a:t>
+            </a:r>
+          </a:p>
+        </p:txBody>
+      </p:sp>
+      <p:sp>
+        <p:nvSpPr>
+          <p:cNvPr id="31" name="TextBox 30">
+            <a:extLst>
+              <a:ext uri="{FF2B5EF4-FFF2-40B4-BE49-F238E27FC236}">
+                <a16:creationId xmlns:a16="http://schemas.microsoft.com/office/drawing/2014/main" id="{C1F00A9C-FE9D-2C2D-5E8E-6AA08D1FB9DE}"/>
+              </a:ext>
+            </a:extLst>
+          </p:cNvPr>
+          <p:cNvSpPr txBox="1"/>
+          <p:nvPr/>
+        </p:nvSpPr>
+        <p:spPr>
+          <a:xfrm>
+            <a:off x="1234509" y="3798441"/>
+            <a:ext cx="1109697" cy="215444"/>
+          </a:xfrm>
+          <a:prstGeom prst="rect">
+            <a:avLst/>
+          </a:prstGeom>
+          <a:noFill/>
+        </p:spPr>
+        <p:txBody>
+          <a:bodyPr wrap="square" rtlCol="0">
+            <a:spAutoFit/>
+          </a:bodyPr>
+          <a:lstStyle/>
+          <a:p>
+            <a:pPr algn="ctr"/>
+            <a:r>
+              <a:rPr lang="en-US" sz="800" dirty="0">
+                <a:latin typeface="Calibri" panose="020F0502020204030204" pitchFamily="34" charset="0"/>
+                <a:cs typeface="Calibri" panose="020F0502020204030204" pitchFamily="34" charset="0"/>
+              </a:rPr>
+              <a:t>Section 4.1 = Score 49</a:t>
+            </a:r>
+          </a:p>
+        </p:txBody>
+      </p:sp>
+      <p:sp>
+        <p:nvSpPr>
+          <p:cNvPr id="32" name="TextBox 31">
+            <a:extLst>
+              <a:ext uri="{FF2B5EF4-FFF2-40B4-BE49-F238E27FC236}">
+                <a16:creationId xmlns:a16="http://schemas.microsoft.com/office/drawing/2014/main" id="{785E627E-02AF-7684-DAE9-42AA5BC2A301}"/>
+              </a:ext>
+            </a:extLst>
+          </p:cNvPr>
+          <p:cNvSpPr txBox="1"/>
+          <p:nvPr/>
+        </p:nvSpPr>
+        <p:spPr>
+          <a:xfrm>
+            <a:off x="1203237" y="3932912"/>
+            <a:ext cx="1109697" cy="230832"/>
+          </a:xfrm>
+          <a:prstGeom prst="rect">
+            <a:avLst/>
+          </a:prstGeom>
+          <a:noFill/>
+        </p:spPr>
+        <p:txBody>
+          <a:bodyPr wrap="square" rtlCol="0">
+            <a:spAutoFit/>
+          </a:bodyPr>
+          <a:lstStyle/>
+          <a:p>
+            <a:pPr algn="r"/>
+            <a:r>
+              <a:rPr lang="en-US" sz="900" b="1" dirty="0">
+                <a:latin typeface="Calibri" panose="020F0502020204030204" pitchFamily="34" charset="0"/>
+                <a:cs typeface="Calibri" panose="020F0502020204030204" pitchFamily="34" charset="0"/>
+              </a:rPr>
+              <a:t>…</a:t>
+            </a:r>
+          </a:p>
+        </p:txBody>
+      </p:sp>
+      <p:sp>
+        <p:nvSpPr>
+          <p:cNvPr id="33" name="TextBox 32">
+            <a:extLst>
+              <a:ext uri="{FF2B5EF4-FFF2-40B4-BE49-F238E27FC236}">
+                <a16:creationId xmlns:a16="http://schemas.microsoft.com/office/drawing/2014/main" id="{8E44E8AF-EE72-4D32-5279-F0E4071A25D5}"/>
+              </a:ext>
+            </a:extLst>
+          </p:cNvPr>
+          <p:cNvSpPr txBox="1"/>
+          <p:nvPr/>
+        </p:nvSpPr>
+        <p:spPr>
+          <a:xfrm>
+            <a:off x="1242161" y="4097031"/>
+            <a:ext cx="1109697" cy="215444"/>
+          </a:xfrm>
+          <a:prstGeom prst="rect">
+            <a:avLst/>
+          </a:prstGeom>
+          <a:noFill/>
+        </p:spPr>
+        <p:txBody>
+          <a:bodyPr wrap="square" rtlCol="0">
+            <a:spAutoFit/>
+          </a:bodyPr>
+          <a:lstStyle/>
+          <a:p>
+            <a:pPr algn="ctr"/>
+            <a:r>
+              <a:rPr lang="en-US" sz="800" dirty="0">
+                <a:latin typeface="Calibri" panose="020F0502020204030204" pitchFamily="34" charset="0"/>
+                <a:cs typeface="Calibri" panose="020F0502020204030204" pitchFamily="34" charset="0"/>
+              </a:rPr>
+              <a:t>Section 4.5 = Score 92</a:t>
+            </a:r>
+          </a:p>
+        </p:txBody>
+      </p:sp>
+      <p:sp>
+        <p:nvSpPr>
+          <p:cNvPr id="34" name="Oval 33">
+            <a:extLst>
+              <a:ext uri="{FF2B5EF4-FFF2-40B4-BE49-F238E27FC236}">
+                <a16:creationId xmlns:a16="http://schemas.microsoft.com/office/drawing/2014/main" id="{99897446-8A93-68F7-AEBA-041BD8C5716E}"/>
+              </a:ext>
+            </a:extLst>
+          </p:cNvPr>
+          <p:cNvSpPr/>
+          <p:nvPr/>
+        </p:nvSpPr>
+        <p:spPr>
+          <a:xfrm>
+            <a:off x="3648354" y="1637696"/>
+            <a:ext cx="190748" cy="187869"/>
+          </a:xfrm>
+          <a:prstGeom prst="ellipse">
+            <a:avLst/>
+          </a:prstGeom>
+          <a:solidFill>
+            <a:schemeClr val="accent2"/>
+          </a:solidFill>
+          <a:ln>
+            <a:noFill/>
+          </a:ln>
+        </p:spPr>
+        <p:style>
+          <a:lnRef idx="1">
+            <a:schemeClr val="accent1"/>
+          </a:lnRef>
+          <a:fillRef idx="3">
+            <a:schemeClr val="accent1"/>
+          </a:fillRef>
+          <a:effectRef idx="2">
+            <a:schemeClr val="accent1"/>
+          </a:effectRef>
+          <a:fontRef idx="minor">
+            <a:schemeClr val="lt1"/>
+          </a:fontRef>
+        </p:style>
+        <p:txBody>
+          <a:bodyPr rtlCol="0" anchor="ctr"/>
+          <a:lstStyle/>
+          <a:p>
+            <a:pPr algn="ctr"/>
+            <a:endParaRPr lang="en-US" b="1" dirty="0">
+              <a:solidFill>
+                <a:srgbClr val="0E4F83"/>
+              </a:solidFill>
+            </a:endParaRPr>
+          </a:p>
+        </p:txBody>
+      </p:sp>
+      <p:sp>
+        <p:nvSpPr>
+          <p:cNvPr id="35" name="Oval 34">
+            <a:extLst>
+              <a:ext uri="{FF2B5EF4-FFF2-40B4-BE49-F238E27FC236}">
+                <a16:creationId xmlns:a16="http://schemas.microsoft.com/office/drawing/2014/main" id="{440F073C-37C1-2740-9DC5-4CB2E7FD430D}"/>
+              </a:ext>
+            </a:extLst>
+          </p:cNvPr>
+          <p:cNvSpPr/>
+          <p:nvPr/>
+        </p:nvSpPr>
+        <p:spPr>
+          <a:xfrm>
+            <a:off x="2400305" y="1637696"/>
+            <a:ext cx="190748" cy="187869"/>
+          </a:xfrm>
+          <a:prstGeom prst="ellipse">
+            <a:avLst/>
+          </a:prstGeom>
+          <a:solidFill>
+            <a:schemeClr val="accent2"/>
+          </a:solidFill>
+          <a:ln>
+            <a:noFill/>
+          </a:ln>
+        </p:spPr>
+        <p:style>
+          <a:lnRef idx="1">
+            <a:schemeClr val="accent1"/>
+          </a:lnRef>
+          <a:fillRef idx="3">
+            <a:schemeClr val="accent1"/>
+          </a:fillRef>
+          <a:effectRef idx="2">
+            <a:schemeClr val="accent1"/>
+          </a:effectRef>
+          <a:fontRef idx="minor">
+            <a:schemeClr val="lt1"/>
+          </a:fontRef>
+        </p:style>
+        <p:txBody>
+          <a:bodyPr rtlCol="0" anchor="ctr"/>
+          <a:lstStyle/>
+          <a:p>
+            <a:pPr algn="ctr"/>
+            <a:endParaRPr lang="en-US" b="1" dirty="0">
+              <a:solidFill>
+                <a:srgbClr val="0E4F83"/>
+              </a:solidFill>
+            </a:endParaRPr>
+          </a:p>
+        </p:txBody>
+      </p:sp>
+      <p:sp>
+        <p:nvSpPr>
+          <p:cNvPr id="36" name="Oval 35">
+            <a:extLst>
+              <a:ext uri="{FF2B5EF4-FFF2-40B4-BE49-F238E27FC236}">
+                <a16:creationId xmlns:a16="http://schemas.microsoft.com/office/drawing/2014/main" id="{C94D57C6-3367-AA9F-D6F8-0B84DC671639}"/>
+              </a:ext>
+            </a:extLst>
+          </p:cNvPr>
+          <p:cNvSpPr/>
+          <p:nvPr/>
+        </p:nvSpPr>
+        <p:spPr>
+          <a:xfrm>
+            <a:off x="2400305" y="1991713"/>
+            <a:ext cx="190748" cy="187869"/>
+          </a:xfrm>
+          <a:prstGeom prst="ellipse">
+            <a:avLst/>
+          </a:prstGeom>
+          <a:solidFill>
+            <a:schemeClr val="accent2"/>
+          </a:solidFill>
+          <a:ln>
+            <a:noFill/>
+          </a:ln>
+        </p:spPr>
+        <p:style>
+          <a:lnRef idx="1">
+            <a:schemeClr val="accent1"/>
+          </a:lnRef>
+          <a:fillRef idx="3">
+            <a:schemeClr val="accent1"/>
+          </a:fillRef>
+          <a:effectRef idx="2">
+            <a:schemeClr val="accent1"/>
+          </a:effectRef>
+          <a:fontRef idx="minor">
+            <a:schemeClr val="lt1"/>
+          </a:fontRef>
+        </p:style>
+        <p:txBody>
+          <a:bodyPr rtlCol="0" anchor="ctr"/>
+          <a:lstStyle/>
+          <a:p>
+            <a:pPr algn="ctr"/>
+            <a:endParaRPr lang="en-US" b="1" dirty="0">
+              <a:solidFill>
+                <a:srgbClr val="0E4F83"/>
+              </a:solidFill>
+            </a:endParaRPr>
+          </a:p>
+        </p:txBody>
+      </p:sp>
+      <p:sp>
+        <p:nvSpPr>
+          <p:cNvPr id="37" name="Oval 36">
+            <a:extLst>
+              <a:ext uri="{FF2B5EF4-FFF2-40B4-BE49-F238E27FC236}">
+                <a16:creationId xmlns:a16="http://schemas.microsoft.com/office/drawing/2014/main" id="{DE63694B-2C74-98DD-C924-8017D2C4C4D9}"/>
+              </a:ext>
+            </a:extLst>
+          </p:cNvPr>
+          <p:cNvSpPr/>
+          <p:nvPr/>
+        </p:nvSpPr>
+        <p:spPr>
+          <a:xfrm>
+            <a:off x="2400305" y="2436521"/>
+            <a:ext cx="190748" cy="187869"/>
+          </a:xfrm>
+          <a:prstGeom prst="ellipse">
+            <a:avLst/>
+          </a:prstGeom>
+          <a:solidFill>
+            <a:schemeClr val="accent2"/>
+          </a:solidFill>
+          <a:ln>
+            <a:noFill/>
+          </a:ln>
+        </p:spPr>
+        <p:style>
+          <a:lnRef idx="1">
+            <a:schemeClr val="accent1"/>
+          </a:lnRef>
+          <a:fillRef idx="3">
+            <a:schemeClr val="accent1"/>
+          </a:fillRef>
+          <a:effectRef idx="2">
+            <a:schemeClr val="accent1"/>
+          </a:effectRef>
+          <a:fontRef idx="minor">
+            <a:schemeClr val="lt1"/>
+          </a:fontRef>
+        </p:style>
+        <p:txBody>
+          <a:bodyPr rtlCol="0" anchor="ctr"/>
+          <a:lstStyle/>
+          <a:p>
+            <a:pPr algn="ctr"/>
+            <a:endParaRPr lang="en-US" b="1" dirty="0">
+              <a:solidFill>
+                <a:srgbClr val="0E4F83"/>
+              </a:solidFill>
+            </a:endParaRPr>
+          </a:p>
+        </p:txBody>
+      </p:sp>
+      <p:sp>
+        <p:nvSpPr>
+          <p:cNvPr id="38" name="Oval 37">
+            <a:extLst>
+              <a:ext uri="{FF2B5EF4-FFF2-40B4-BE49-F238E27FC236}">
+                <a16:creationId xmlns:a16="http://schemas.microsoft.com/office/drawing/2014/main" id="{7BA9F5CF-0241-2A1D-A011-0D7B303D7DD5}"/>
+              </a:ext>
+            </a:extLst>
+          </p:cNvPr>
+          <p:cNvSpPr/>
+          <p:nvPr/>
+        </p:nvSpPr>
+        <p:spPr>
+          <a:xfrm>
+            <a:off x="2400305" y="2773367"/>
+            <a:ext cx="190748" cy="187869"/>
+          </a:xfrm>
+          <a:prstGeom prst="ellipse">
+            <a:avLst/>
+          </a:prstGeom>
+          <a:solidFill>
+            <a:schemeClr val="accent2"/>
+          </a:solidFill>
+          <a:ln>
+            <a:noFill/>
+          </a:ln>
+        </p:spPr>
+        <p:style>
+          <a:lnRef idx="1">
+            <a:schemeClr val="accent1"/>
+          </a:lnRef>
+          <a:fillRef idx="3">
+            <a:schemeClr val="accent1"/>
+          </a:fillRef>
+          <a:effectRef idx="2">
+            <a:schemeClr val="accent1"/>
+          </a:effectRef>
+          <a:fontRef idx="minor">
+            <a:schemeClr val="lt1"/>
+          </a:fontRef>
+        </p:style>
+        <p:txBody>
+          <a:bodyPr rtlCol="0" anchor="ctr"/>
+          <a:lstStyle/>
+          <a:p>
+            <a:pPr algn="ctr"/>
+            <a:endParaRPr lang="en-US" b="1" dirty="0">
+              <a:solidFill>
+                <a:srgbClr val="0E4F83"/>
+              </a:solidFill>
+            </a:endParaRPr>
+          </a:p>
+        </p:txBody>
+      </p:sp>
+      <p:sp>
+        <p:nvSpPr>
+          <p:cNvPr id="39" name="Oval 38">
+            <a:extLst>
+              <a:ext uri="{FF2B5EF4-FFF2-40B4-BE49-F238E27FC236}">
+                <a16:creationId xmlns:a16="http://schemas.microsoft.com/office/drawing/2014/main" id="{5E3F91F6-ECBE-40BC-CC12-B61759678275}"/>
+              </a:ext>
+            </a:extLst>
+          </p:cNvPr>
+          <p:cNvSpPr/>
+          <p:nvPr/>
+        </p:nvSpPr>
+        <p:spPr>
+          <a:xfrm>
+            <a:off x="2400305" y="3110213"/>
+            <a:ext cx="190748" cy="187869"/>
+          </a:xfrm>
+          <a:prstGeom prst="ellipse">
+            <a:avLst/>
+          </a:prstGeom>
+          <a:solidFill>
+            <a:schemeClr val="accent2"/>
+          </a:solidFill>
+          <a:ln>
+            <a:noFill/>
+          </a:ln>
+        </p:spPr>
+        <p:style>
+          <a:lnRef idx="1">
+            <a:schemeClr val="accent1"/>
+          </a:lnRef>
+          <a:fillRef idx="3">
+            <a:schemeClr val="accent1"/>
+          </a:fillRef>
+          <a:effectRef idx="2">
+            <a:schemeClr val="accent1"/>
+          </a:effectRef>
+          <a:fontRef idx="minor">
+            <a:schemeClr val="lt1"/>
+          </a:fontRef>
+        </p:style>
+        <p:txBody>
+          <a:bodyPr rtlCol="0" anchor="ctr"/>
+          <a:lstStyle/>
+          <a:p>
+            <a:pPr algn="ctr"/>
+            <a:endParaRPr lang="en-US" b="1" dirty="0">
+              <a:solidFill>
+                <a:srgbClr val="0E4F83"/>
+              </a:solidFill>
+            </a:endParaRPr>
+          </a:p>
+        </p:txBody>
+      </p:sp>
+      <p:sp>
+        <p:nvSpPr>
+          <p:cNvPr id="40" name="TextBox 39">
+            <a:extLst>
+              <a:ext uri="{FF2B5EF4-FFF2-40B4-BE49-F238E27FC236}">
+                <a16:creationId xmlns:a16="http://schemas.microsoft.com/office/drawing/2014/main" id="{2DB2D161-0D91-C1AE-AD1D-C5F5AED33A37}"/>
+              </a:ext>
+            </a:extLst>
+          </p:cNvPr>
+          <p:cNvSpPr txBox="1"/>
+          <p:nvPr/>
+        </p:nvSpPr>
+        <p:spPr>
+          <a:xfrm>
+            <a:off x="2389542" y="3298082"/>
+            <a:ext cx="181669" cy="553998"/>
+          </a:xfrm>
+          <a:prstGeom prst="rect">
+            <a:avLst/>
+          </a:prstGeom>
+          <a:noFill/>
+        </p:spPr>
+        <p:txBody>
+          <a:bodyPr wrap="square" rtlCol="0">
+            <a:spAutoFit/>
+          </a:bodyPr>
+          <a:lstStyle/>
+          <a:p>
+            <a:r>
+              <a:rPr lang="en-US" sz="1000" b="1" dirty="0"/>
+              <a:t>.</a:t>
+            </a:r>
+          </a:p>
+          <a:p>
+            <a:r>
+              <a:rPr lang="en-US" sz="1000" b="1" dirty="0"/>
+              <a:t>.</a:t>
+            </a:r>
+          </a:p>
+          <a:p>
+            <a:r>
+              <a:rPr lang="en-US" sz="1000" b="1" dirty="0"/>
+              <a:t>.</a:t>
+            </a:r>
+          </a:p>
+        </p:txBody>
+      </p:sp>
+      <p:sp>
+        <p:nvSpPr>
+          <p:cNvPr id="41" name="Oval 40">
+            <a:extLst>
+              <a:ext uri="{FF2B5EF4-FFF2-40B4-BE49-F238E27FC236}">
+                <a16:creationId xmlns:a16="http://schemas.microsoft.com/office/drawing/2014/main" id="{C2A64087-4FDC-05D5-BF20-EDDE27380868}"/>
+              </a:ext>
+            </a:extLst>
+          </p:cNvPr>
+          <p:cNvSpPr/>
+          <p:nvPr/>
+        </p:nvSpPr>
+        <p:spPr>
+          <a:xfrm>
+            <a:off x="2400305" y="3890787"/>
+            <a:ext cx="190748" cy="187869"/>
+          </a:xfrm>
+          <a:prstGeom prst="ellipse">
+            <a:avLst/>
+          </a:prstGeom>
+          <a:solidFill>
+            <a:schemeClr val="accent2"/>
+          </a:solidFill>
+          <a:ln>
+            <a:noFill/>
+          </a:ln>
+        </p:spPr>
+        <p:style>
+          <a:lnRef idx="1">
+            <a:schemeClr val="accent1"/>
+          </a:lnRef>
+          <a:fillRef idx="3">
+            <a:schemeClr val="accent1"/>
+          </a:fillRef>
+          <a:effectRef idx="2">
+            <a:schemeClr val="accent1"/>
+          </a:effectRef>
+          <a:fontRef idx="minor">
+            <a:schemeClr val="lt1"/>
+          </a:fontRef>
+        </p:style>
+        <p:txBody>
+          <a:bodyPr rtlCol="0" anchor="ctr"/>
+          <a:lstStyle/>
+          <a:p>
+            <a:pPr algn="ctr"/>
+            <a:endParaRPr lang="en-US" b="1" dirty="0">
+              <a:solidFill>
+                <a:srgbClr val="0E4F83"/>
+              </a:solidFill>
+            </a:endParaRPr>
+          </a:p>
+        </p:txBody>
+      </p:sp>
+      <p:sp>
+        <p:nvSpPr>
+          <p:cNvPr id="42" name="Oval 41">
+            <a:extLst>
+              <a:ext uri="{FF2B5EF4-FFF2-40B4-BE49-F238E27FC236}">
+                <a16:creationId xmlns:a16="http://schemas.microsoft.com/office/drawing/2014/main" id="{DB402652-A266-7E6F-84A3-19E083E670AF}"/>
+              </a:ext>
+            </a:extLst>
+          </p:cNvPr>
+          <p:cNvSpPr/>
+          <p:nvPr/>
+        </p:nvSpPr>
+        <p:spPr>
+          <a:xfrm>
+            <a:off x="3648354" y="2248285"/>
+            <a:ext cx="190748" cy="187869"/>
+          </a:xfrm>
+          <a:prstGeom prst="ellipse">
+            <a:avLst/>
+          </a:prstGeom>
+          <a:solidFill>
+            <a:schemeClr val="accent2"/>
+          </a:solidFill>
+          <a:ln>
+            <a:noFill/>
+          </a:ln>
+        </p:spPr>
+        <p:style>
+          <a:lnRef idx="1">
+            <a:schemeClr val="accent1"/>
+          </a:lnRef>
+          <a:fillRef idx="3">
+            <a:schemeClr val="accent1"/>
+          </a:fillRef>
+          <a:effectRef idx="2">
+            <a:schemeClr val="accent1"/>
+          </a:effectRef>
+          <a:fontRef idx="minor">
+            <a:schemeClr val="lt1"/>
+          </a:fontRef>
+        </p:style>
+        <p:txBody>
+          <a:bodyPr rtlCol="0" anchor="ctr"/>
+          <a:lstStyle/>
+          <a:p>
+            <a:pPr algn="ctr"/>
+            <a:endParaRPr lang="en-US" b="1" dirty="0">
+              <a:solidFill>
+                <a:srgbClr val="0E4F83"/>
+              </a:solidFill>
+            </a:endParaRPr>
+          </a:p>
+        </p:txBody>
+      </p:sp>
+      <p:sp>
+        <p:nvSpPr>
+          <p:cNvPr id="43" name="Oval 42">
+            <a:extLst>
+              <a:ext uri="{FF2B5EF4-FFF2-40B4-BE49-F238E27FC236}">
+                <a16:creationId xmlns:a16="http://schemas.microsoft.com/office/drawing/2014/main" id="{0A1E4A43-6AF1-F2FF-AAD1-643F07C61E99}"/>
+              </a:ext>
+            </a:extLst>
+          </p:cNvPr>
+          <p:cNvSpPr/>
+          <p:nvPr/>
+        </p:nvSpPr>
+        <p:spPr>
+          <a:xfrm>
+            <a:off x="3648354" y="3505529"/>
+            <a:ext cx="190748" cy="187869"/>
+          </a:xfrm>
+          <a:prstGeom prst="ellipse">
+            <a:avLst/>
+          </a:prstGeom>
+          <a:solidFill>
+            <a:schemeClr val="accent2"/>
+          </a:solidFill>
+          <a:ln>
+            <a:noFill/>
+          </a:ln>
+        </p:spPr>
+        <p:style>
+          <a:lnRef idx="1">
+            <a:schemeClr val="accent1"/>
+          </a:lnRef>
+          <a:fillRef idx="3">
+            <a:schemeClr val="accent1"/>
+          </a:fillRef>
+          <a:effectRef idx="2">
+            <a:schemeClr val="accent1"/>
+          </a:effectRef>
+          <a:fontRef idx="minor">
+            <a:schemeClr val="lt1"/>
+          </a:fontRef>
+        </p:style>
+        <p:txBody>
+          <a:bodyPr rtlCol="0" anchor="ctr"/>
+          <a:lstStyle/>
+          <a:p>
+            <a:pPr algn="ctr"/>
+            <a:endParaRPr lang="en-US" b="1" dirty="0">
+              <a:solidFill>
+                <a:srgbClr val="0E4F83"/>
+              </a:solidFill>
+            </a:endParaRPr>
+          </a:p>
+        </p:txBody>
+      </p:sp>
+      <p:sp>
+        <p:nvSpPr>
+          <p:cNvPr id="44" name="Oval 43">
+            <a:extLst>
+              <a:ext uri="{FF2B5EF4-FFF2-40B4-BE49-F238E27FC236}">
+                <a16:creationId xmlns:a16="http://schemas.microsoft.com/office/drawing/2014/main" id="{C701BB61-91FD-F526-96EC-B27215E0E31C}"/>
+              </a:ext>
+            </a:extLst>
+          </p:cNvPr>
+          <p:cNvSpPr/>
+          <p:nvPr/>
+        </p:nvSpPr>
+        <p:spPr>
+          <a:xfrm>
+            <a:off x="3648354" y="2893140"/>
+            <a:ext cx="190748" cy="187869"/>
+          </a:xfrm>
+          <a:prstGeom prst="ellipse">
+            <a:avLst/>
+          </a:prstGeom>
+          <a:solidFill>
+            <a:schemeClr val="accent2"/>
+          </a:solidFill>
+          <a:ln>
+            <a:noFill/>
+          </a:ln>
+        </p:spPr>
+        <p:style>
+          <a:lnRef idx="1">
+            <a:schemeClr val="accent1"/>
+          </a:lnRef>
+          <a:fillRef idx="3">
+            <a:schemeClr val="accent1"/>
+          </a:fillRef>
+          <a:effectRef idx="2">
+            <a:schemeClr val="accent1"/>
+          </a:effectRef>
+          <a:fontRef idx="minor">
+            <a:schemeClr val="lt1"/>
+          </a:fontRef>
+        </p:style>
+        <p:txBody>
+          <a:bodyPr rtlCol="0" anchor="ctr"/>
+          <a:lstStyle/>
+          <a:p>
+            <a:pPr algn="ctr"/>
+            <a:endParaRPr lang="en-US" b="1" dirty="0">
+              <a:solidFill>
+                <a:srgbClr val="0E4F83"/>
+              </a:solidFill>
+            </a:endParaRPr>
+          </a:p>
+        </p:txBody>
+      </p:sp>
+      <p:sp>
+        <p:nvSpPr>
+          <p:cNvPr id="45" name="Oval 44">
+            <a:extLst>
+              <a:ext uri="{FF2B5EF4-FFF2-40B4-BE49-F238E27FC236}">
+                <a16:creationId xmlns:a16="http://schemas.microsoft.com/office/drawing/2014/main" id="{6DE75BE1-BEC1-54DF-0742-27BE0BDAF06D}"/>
+              </a:ext>
+            </a:extLst>
+          </p:cNvPr>
+          <p:cNvSpPr/>
+          <p:nvPr/>
+        </p:nvSpPr>
+        <p:spPr>
+          <a:xfrm>
+            <a:off x="5269477" y="2567794"/>
+            <a:ext cx="190748" cy="187869"/>
+          </a:xfrm>
+          <a:prstGeom prst="ellipse">
+            <a:avLst/>
+          </a:prstGeom>
+          <a:solidFill>
+            <a:schemeClr val="accent2"/>
+          </a:solidFill>
+          <a:ln>
+            <a:noFill/>
+          </a:ln>
+        </p:spPr>
+        <p:style>
+          <a:lnRef idx="1">
+            <a:schemeClr val="accent1"/>
+          </a:lnRef>
+          <a:fillRef idx="3">
+            <a:schemeClr val="accent1"/>
+          </a:fillRef>
+          <a:effectRef idx="2">
+            <a:schemeClr val="accent1"/>
+          </a:effectRef>
+          <a:fontRef idx="minor">
+            <a:schemeClr val="lt1"/>
+          </a:fontRef>
+        </p:style>
+        <p:txBody>
+          <a:bodyPr rtlCol="0" anchor="ctr"/>
+          <a:lstStyle/>
+          <a:p>
+            <a:pPr algn="ctr"/>
+            <a:endParaRPr lang="en-US" b="1" dirty="0">
+              <a:solidFill>
+                <a:srgbClr val="0E4F83"/>
+              </a:solidFill>
+            </a:endParaRPr>
+          </a:p>
+        </p:txBody>
+      </p:sp>
+      <p:sp>
+        <p:nvSpPr>
+          <p:cNvPr id="46" name="TextBox 45">
+            <a:extLst>
+              <a:ext uri="{FF2B5EF4-FFF2-40B4-BE49-F238E27FC236}">
+                <a16:creationId xmlns:a16="http://schemas.microsoft.com/office/drawing/2014/main" id="{E838C156-C555-91E2-8DCB-2901782A7598}"/>
+              </a:ext>
+            </a:extLst>
+          </p:cNvPr>
+          <p:cNvSpPr txBox="1"/>
+          <p:nvPr/>
+        </p:nvSpPr>
+        <p:spPr>
+          <a:xfrm>
+            <a:off x="6101644" y="2545727"/>
+            <a:ext cx="2049233" cy="246221"/>
+          </a:xfrm>
+          <a:prstGeom prst="rect">
+            <a:avLst/>
+          </a:prstGeom>
+          <a:noFill/>
+        </p:spPr>
+        <p:txBody>
+          <a:bodyPr wrap="square" rtlCol="0">
+            <a:spAutoFit/>
+          </a:bodyPr>
+          <a:lstStyle/>
+          <a:p>
+            <a:r>
+              <a:rPr lang="en-US" sz="1000" dirty="0">
+                <a:latin typeface="Calibri" panose="020F0502020204030204" pitchFamily="34" charset="0"/>
+                <a:cs typeface="Calibri" panose="020F0502020204030204" pitchFamily="34" charset="0"/>
+              </a:rPr>
+              <a:t>Compliant? </a:t>
+            </a:r>
+            <a:r>
+              <a:rPr lang="en-US" sz="1000" dirty="0">
+                <a:solidFill>
+                  <a:schemeClr val="accent5"/>
+                </a:solidFill>
+                <a:latin typeface="Calibri" panose="020F0502020204030204" pitchFamily="34" charset="0"/>
+                <a:cs typeface="Calibri" panose="020F0502020204030204" pitchFamily="34" charset="0"/>
+              </a:rPr>
+              <a:t>0-69 = No</a:t>
+            </a:r>
+            <a:r>
+              <a:rPr lang="en-US" sz="1000" dirty="0">
+                <a:latin typeface="Calibri" panose="020F0502020204030204" pitchFamily="34" charset="0"/>
+                <a:cs typeface="Calibri" panose="020F0502020204030204" pitchFamily="34" charset="0"/>
+              </a:rPr>
+              <a:t>, </a:t>
+            </a:r>
+            <a:r>
+              <a:rPr lang="en-US" sz="1000" dirty="0">
+                <a:solidFill>
+                  <a:schemeClr val="accent3"/>
+                </a:solidFill>
+                <a:latin typeface="Calibri" panose="020F0502020204030204" pitchFamily="34" charset="0"/>
+                <a:cs typeface="Calibri" panose="020F0502020204030204" pitchFamily="34" charset="0"/>
+              </a:rPr>
+              <a:t>70-100 = Yes</a:t>
+            </a:r>
+          </a:p>
+        </p:txBody>
+      </p:sp>
+      <p:cxnSp>
+        <p:nvCxnSpPr>
+          <p:cNvPr id="50" name="Straight Connector 49">
+            <a:extLst>
+              <a:ext uri="{FF2B5EF4-FFF2-40B4-BE49-F238E27FC236}">
+                <a16:creationId xmlns:a16="http://schemas.microsoft.com/office/drawing/2014/main" id="{64724FDB-318C-83B8-8310-6573CC18471D}"/>
+              </a:ext>
+            </a:extLst>
+          </p:cNvPr>
+          <p:cNvCxnSpPr>
+            <a:cxnSpLocks/>
+            <a:stCxn id="5" idx="6"/>
+            <a:endCxn id="34" idx="1"/>
+          </p:cNvCxnSpPr>
+          <p:nvPr/>
+        </p:nvCxnSpPr>
+        <p:spPr>
+          <a:xfrm>
+            <a:off x="2591053" y="1379735"/>
+            <a:ext cx="1085235" cy="285474"/>
+          </a:xfrm>
+          <a:prstGeom prst="line">
+            <a:avLst/>
+          </a:prstGeom>
+        </p:spPr>
+        <p:style>
+          <a:lnRef idx="2">
+            <a:schemeClr val="dk1"/>
+          </a:lnRef>
+          <a:fillRef idx="0">
+            <a:schemeClr val="dk1"/>
+          </a:fillRef>
+          <a:effectRef idx="1">
+            <a:schemeClr val="dk1"/>
+          </a:effectRef>
+          <a:fontRef idx="minor">
+            <a:schemeClr val="tx1"/>
+          </a:fontRef>
+        </p:style>
+      </p:cxnSp>
+      <p:cxnSp>
+        <p:nvCxnSpPr>
+          <p:cNvPr id="53" name="Straight Connector 52">
+            <a:extLst>
+              <a:ext uri="{FF2B5EF4-FFF2-40B4-BE49-F238E27FC236}">
+                <a16:creationId xmlns:a16="http://schemas.microsoft.com/office/drawing/2014/main" id="{5F154ECD-AFF0-005C-0563-5E27B12EC4E0}"/>
+              </a:ext>
+            </a:extLst>
+          </p:cNvPr>
+          <p:cNvCxnSpPr>
+            <a:stCxn id="35" idx="6"/>
+            <a:endCxn id="34" idx="2"/>
+          </p:cNvCxnSpPr>
+          <p:nvPr/>
+        </p:nvCxnSpPr>
+        <p:spPr>
+          <a:xfrm>
+            <a:off x="2591053" y="1731631"/>
+            <a:ext cx="1057301" cy="0"/>
+          </a:xfrm>
+          <a:prstGeom prst="line">
+            <a:avLst/>
+          </a:prstGeom>
+        </p:spPr>
+        <p:style>
+          <a:lnRef idx="2">
+            <a:schemeClr val="dk1"/>
+          </a:lnRef>
+          <a:fillRef idx="0">
+            <a:schemeClr val="dk1"/>
+          </a:fillRef>
+          <a:effectRef idx="1">
+            <a:schemeClr val="dk1"/>
+          </a:effectRef>
+          <a:fontRef idx="minor">
+            <a:schemeClr val="tx1"/>
+          </a:fontRef>
+        </p:style>
+      </p:cxnSp>
+      <p:cxnSp>
+        <p:nvCxnSpPr>
+          <p:cNvPr id="57" name="Straight Connector 56">
+            <a:extLst>
+              <a:ext uri="{FF2B5EF4-FFF2-40B4-BE49-F238E27FC236}">
+                <a16:creationId xmlns:a16="http://schemas.microsoft.com/office/drawing/2014/main" id="{632D46EE-D7F1-0CA9-3100-A76E8E71B161}"/>
+              </a:ext>
+            </a:extLst>
+          </p:cNvPr>
+          <p:cNvCxnSpPr>
+            <a:cxnSpLocks/>
+            <a:stCxn id="36" idx="6"/>
+            <a:endCxn id="34" idx="3"/>
+          </p:cNvCxnSpPr>
+          <p:nvPr/>
+        </p:nvCxnSpPr>
+        <p:spPr>
+          <a:xfrm flipV="1">
+            <a:off x="2591053" y="1798052"/>
+            <a:ext cx="1085235" cy="287596"/>
+          </a:xfrm>
+          <a:prstGeom prst="line">
+            <a:avLst/>
+          </a:prstGeom>
+        </p:spPr>
+        <p:style>
+          <a:lnRef idx="2">
+            <a:schemeClr val="dk1"/>
+          </a:lnRef>
+          <a:fillRef idx="0">
+            <a:schemeClr val="dk1"/>
+          </a:fillRef>
+          <a:effectRef idx="1">
+            <a:schemeClr val="dk1"/>
+          </a:effectRef>
+          <a:fontRef idx="minor">
+            <a:schemeClr val="tx1"/>
+          </a:fontRef>
+        </p:style>
+      </p:cxnSp>
+      <p:cxnSp>
+        <p:nvCxnSpPr>
+          <p:cNvPr id="60" name="Straight Connector 59">
+            <a:extLst>
+              <a:ext uri="{FF2B5EF4-FFF2-40B4-BE49-F238E27FC236}">
+                <a16:creationId xmlns:a16="http://schemas.microsoft.com/office/drawing/2014/main" id="{0CA0305E-ED41-2958-361B-31D237844F0E}"/>
+              </a:ext>
+            </a:extLst>
+          </p:cNvPr>
+          <p:cNvCxnSpPr>
+            <a:stCxn id="37" idx="7"/>
+            <a:endCxn id="34" idx="4"/>
+          </p:cNvCxnSpPr>
+          <p:nvPr/>
+        </p:nvCxnSpPr>
+        <p:spPr>
+          <a:xfrm flipV="1">
+            <a:off x="2563119" y="1825565"/>
+            <a:ext cx="1180609" cy="638469"/>
+          </a:xfrm>
+          <a:prstGeom prst="line">
+            <a:avLst/>
+          </a:prstGeom>
+        </p:spPr>
+        <p:style>
+          <a:lnRef idx="2">
+            <a:schemeClr val="dk1"/>
+          </a:lnRef>
+          <a:fillRef idx="0">
+            <a:schemeClr val="dk1"/>
+          </a:fillRef>
+          <a:effectRef idx="1">
+            <a:schemeClr val="dk1"/>
+          </a:effectRef>
+          <a:fontRef idx="minor">
+            <a:schemeClr val="tx1"/>
+          </a:fontRef>
+        </p:style>
+      </p:cxnSp>
+      <p:cxnSp>
+        <p:nvCxnSpPr>
+          <p:cNvPr id="63" name="Straight Connector 62">
+            <a:extLst>
+              <a:ext uri="{FF2B5EF4-FFF2-40B4-BE49-F238E27FC236}">
+                <a16:creationId xmlns:a16="http://schemas.microsoft.com/office/drawing/2014/main" id="{3BB454BF-E103-1540-D895-3C410D854335}"/>
+              </a:ext>
+            </a:extLst>
+          </p:cNvPr>
+          <p:cNvCxnSpPr>
+            <a:stCxn id="38" idx="7"/>
+            <a:endCxn id="34" idx="4"/>
+          </p:cNvCxnSpPr>
+          <p:nvPr/>
+        </p:nvCxnSpPr>
+        <p:spPr>
+          <a:xfrm flipV="1">
+            <a:off x="2563119" y="1825565"/>
+            <a:ext cx="1180609" cy="975315"/>
+          </a:xfrm>
+          <a:prstGeom prst="line">
+            <a:avLst/>
+          </a:prstGeom>
+        </p:spPr>
+        <p:style>
+          <a:lnRef idx="2">
+            <a:schemeClr val="dk1"/>
+          </a:lnRef>
+          <a:fillRef idx="0">
+            <a:schemeClr val="dk1"/>
+          </a:fillRef>
+          <a:effectRef idx="1">
+            <a:schemeClr val="dk1"/>
+          </a:effectRef>
+          <a:fontRef idx="minor">
+            <a:schemeClr val="tx1"/>
+          </a:fontRef>
+        </p:style>
+      </p:cxnSp>
+      <p:cxnSp>
+        <p:nvCxnSpPr>
+          <p:cNvPr id="66" name="Straight Connector 65">
+            <a:extLst>
+              <a:ext uri="{FF2B5EF4-FFF2-40B4-BE49-F238E27FC236}">
+                <a16:creationId xmlns:a16="http://schemas.microsoft.com/office/drawing/2014/main" id="{F8387EFF-A435-2660-1ED6-799F7C9F1B02}"/>
+              </a:ext>
+            </a:extLst>
+          </p:cNvPr>
+          <p:cNvCxnSpPr>
+            <a:stCxn id="39" idx="7"/>
+            <a:endCxn id="34" idx="4"/>
+          </p:cNvCxnSpPr>
+          <p:nvPr/>
+        </p:nvCxnSpPr>
+        <p:spPr>
+          <a:xfrm flipV="1">
+            <a:off x="2563119" y="1825565"/>
+            <a:ext cx="1180609" cy="1312161"/>
+          </a:xfrm>
+          <a:prstGeom prst="line">
+            <a:avLst/>
+          </a:prstGeom>
+        </p:spPr>
+        <p:style>
+          <a:lnRef idx="2">
+            <a:schemeClr val="dk1"/>
+          </a:lnRef>
+          <a:fillRef idx="0">
+            <a:schemeClr val="dk1"/>
+          </a:fillRef>
+          <a:effectRef idx="1">
+            <a:schemeClr val="dk1"/>
+          </a:effectRef>
+          <a:fontRef idx="minor">
+            <a:schemeClr val="tx1"/>
+          </a:fontRef>
+        </p:style>
+      </p:cxnSp>
+      <p:cxnSp>
+        <p:nvCxnSpPr>
+          <p:cNvPr id="68" name="Straight Connector 67">
+            <a:extLst>
+              <a:ext uri="{FF2B5EF4-FFF2-40B4-BE49-F238E27FC236}">
+                <a16:creationId xmlns:a16="http://schemas.microsoft.com/office/drawing/2014/main" id="{7AD40B38-24D4-8CD5-2381-55EA48083A9B}"/>
+              </a:ext>
+            </a:extLst>
+          </p:cNvPr>
+          <p:cNvCxnSpPr>
+            <a:cxnSpLocks/>
+            <a:stCxn id="41" idx="7"/>
+            <a:endCxn id="34" idx="4"/>
+          </p:cNvCxnSpPr>
+          <p:nvPr/>
+        </p:nvCxnSpPr>
+        <p:spPr>
+          <a:xfrm flipV="1">
+            <a:off x="2563119" y="1825565"/>
+            <a:ext cx="1180609" cy="2092735"/>
+          </a:xfrm>
+          <a:prstGeom prst="line">
+            <a:avLst/>
+          </a:prstGeom>
+        </p:spPr>
+        <p:style>
+          <a:lnRef idx="2">
+            <a:schemeClr val="dk1"/>
+          </a:lnRef>
+          <a:fillRef idx="0">
+            <a:schemeClr val="dk1"/>
+          </a:fillRef>
+          <a:effectRef idx="1">
+            <a:schemeClr val="dk1"/>
+          </a:effectRef>
+          <a:fontRef idx="minor">
+            <a:schemeClr val="tx1"/>
+          </a:fontRef>
+        </p:style>
+      </p:cxnSp>
+      <p:cxnSp>
+        <p:nvCxnSpPr>
+          <p:cNvPr id="71" name="Straight Connector 70">
+            <a:extLst>
+              <a:ext uri="{FF2B5EF4-FFF2-40B4-BE49-F238E27FC236}">
+                <a16:creationId xmlns:a16="http://schemas.microsoft.com/office/drawing/2014/main" id="{9C2F1EBF-E1ED-97E4-B5DF-02AF6E3B03CC}"/>
+              </a:ext>
+            </a:extLst>
+          </p:cNvPr>
+          <p:cNvCxnSpPr>
+            <a:stCxn id="42" idx="6"/>
+            <a:endCxn id="45" idx="1"/>
+          </p:cNvCxnSpPr>
+          <p:nvPr/>
+        </p:nvCxnSpPr>
+        <p:spPr>
+          <a:xfrm>
+            <a:off x="3839102" y="2342220"/>
+            <a:ext cx="1458309" cy="253087"/>
+          </a:xfrm>
+          <a:prstGeom prst="line">
+            <a:avLst/>
+          </a:prstGeom>
+        </p:spPr>
+        <p:style>
+          <a:lnRef idx="2">
+            <a:schemeClr val="dk1"/>
+          </a:lnRef>
+          <a:fillRef idx="0">
+            <a:schemeClr val="dk1"/>
+          </a:fillRef>
+          <a:effectRef idx="1">
+            <a:schemeClr val="dk1"/>
+          </a:effectRef>
+          <a:fontRef idx="minor">
+            <a:schemeClr val="tx1"/>
+          </a:fontRef>
+        </p:style>
+      </p:cxnSp>
+      <p:cxnSp>
+        <p:nvCxnSpPr>
+          <p:cNvPr id="73" name="Straight Connector 72">
+            <a:extLst>
+              <a:ext uri="{FF2B5EF4-FFF2-40B4-BE49-F238E27FC236}">
+                <a16:creationId xmlns:a16="http://schemas.microsoft.com/office/drawing/2014/main" id="{F9DB2AAE-28FC-AD9F-460C-DA35A7612B3C}"/>
+              </a:ext>
+            </a:extLst>
+          </p:cNvPr>
+          <p:cNvCxnSpPr>
+            <a:cxnSpLocks/>
+            <a:stCxn id="44" idx="6"/>
+            <a:endCxn id="45" idx="2"/>
+          </p:cNvCxnSpPr>
+          <p:nvPr/>
+        </p:nvCxnSpPr>
+        <p:spPr>
+          <a:xfrm flipV="1">
+            <a:off x="3839102" y="2661729"/>
+            <a:ext cx="1430375" cy="325346"/>
+          </a:xfrm>
+          <a:prstGeom prst="line">
+            <a:avLst/>
+          </a:prstGeom>
+        </p:spPr>
+        <p:style>
+          <a:lnRef idx="2">
+            <a:schemeClr val="dk1"/>
+          </a:lnRef>
+          <a:fillRef idx="0">
+            <a:schemeClr val="dk1"/>
+          </a:fillRef>
+          <a:effectRef idx="1">
+            <a:schemeClr val="dk1"/>
+          </a:effectRef>
+          <a:fontRef idx="minor">
+            <a:schemeClr val="tx1"/>
+          </a:fontRef>
+        </p:style>
+      </p:cxnSp>
+      <p:cxnSp>
+        <p:nvCxnSpPr>
+          <p:cNvPr id="76" name="Straight Connector 75">
+            <a:extLst>
+              <a:ext uri="{FF2B5EF4-FFF2-40B4-BE49-F238E27FC236}">
+                <a16:creationId xmlns:a16="http://schemas.microsoft.com/office/drawing/2014/main" id="{736A40BE-D625-493E-49DD-D63CEC99670E}"/>
+              </a:ext>
+            </a:extLst>
+          </p:cNvPr>
+          <p:cNvCxnSpPr>
+            <a:cxnSpLocks/>
+            <a:stCxn id="43" idx="7"/>
+            <a:endCxn id="45" idx="3"/>
+          </p:cNvCxnSpPr>
+          <p:nvPr/>
+        </p:nvCxnSpPr>
+        <p:spPr>
+          <a:xfrm flipV="1">
+            <a:off x="3811168" y="2728150"/>
+            <a:ext cx="1486243" cy="804892"/>
+          </a:xfrm>
+          <a:prstGeom prst="line">
+            <a:avLst/>
+          </a:prstGeom>
+        </p:spPr>
+        <p:style>
+          <a:lnRef idx="2">
+            <a:schemeClr val="dk1"/>
+          </a:lnRef>
+          <a:fillRef idx="0">
+            <a:schemeClr val="dk1"/>
+          </a:fillRef>
+          <a:effectRef idx="1">
+            <a:schemeClr val="dk1"/>
+          </a:effectRef>
+          <a:fontRef idx="minor">
+            <a:schemeClr val="tx1"/>
+          </a:fontRef>
+        </p:style>
+      </p:cxnSp>
+      <p:cxnSp>
+        <p:nvCxnSpPr>
+          <p:cNvPr id="82" name="Straight Connector 81">
+            <a:extLst>
+              <a:ext uri="{FF2B5EF4-FFF2-40B4-BE49-F238E27FC236}">
+                <a16:creationId xmlns:a16="http://schemas.microsoft.com/office/drawing/2014/main" id="{BD5C3014-F31C-023D-4C9A-286D1F7F9741}"/>
+              </a:ext>
+            </a:extLst>
+          </p:cNvPr>
+          <p:cNvCxnSpPr>
+            <a:cxnSpLocks/>
+            <a:stCxn id="45" idx="6"/>
+          </p:cNvCxnSpPr>
+          <p:nvPr/>
+        </p:nvCxnSpPr>
+        <p:spPr>
+          <a:xfrm>
+            <a:off x="5460225" y="2661729"/>
+            <a:ext cx="641419" cy="0"/>
+          </a:xfrm>
+          <a:prstGeom prst="line">
+            <a:avLst/>
+          </a:prstGeom>
+        </p:spPr>
+        <p:style>
+          <a:lnRef idx="2">
+            <a:schemeClr val="accent6"/>
+          </a:lnRef>
+          <a:fillRef idx="0">
+            <a:schemeClr val="accent6"/>
+          </a:fillRef>
+          <a:effectRef idx="1">
+            <a:schemeClr val="accent6"/>
+          </a:effectRef>
+          <a:fontRef idx="minor">
+            <a:schemeClr val="tx1"/>
+          </a:fontRef>
+        </p:style>
+      </p:cxnSp>
     </p:spTree>
     <p:extLst>
       <p:ext uri="{BB962C8B-B14F-4D97-AF65-F5344CB8AC3E}">
@@ -7978,6 +9895,12 @@
 </file>
 
 <file path=customXml/item1.xml><?xml version="1.0" encoding="utf-8"?>
+<p:properties xmlns:p="http://schemas.microsoft.com/office/2006/metadata/properties" xmlns:xsi="http://www.w3.org/2001/XMLSchema-instance" xmlns:pc="http://schemas.microsoft.com/office/infopath/2007/PartnerControls">
+  <documentManagement/>
+</p:properties>
+</file>
+
+<file path=customXml/item2.xml><?xml version="1.0" encoding="utf-8"?>
 <ct:contentTypeSchema xmlns:ct="http://schemas.microsoft.com/office/2006/metadata/contentType" xmlns:ma="http://schemas.microsoft.com/office/2006/metadata/properties/metaAttributes" ct:_="" ma:_="" ma:contentTypeName="Document" ma:contentTypeID="0x010100C11066598DA2094897C17F025BEB5C33" ma:contentTypeVersion="11" ma:contentTypeDescription="Create a new document." ma:contentTypeScope="" ma:versionID="c132620416a636482ab79dc02cb4beda">
   <xsd:schema xmlns:xsd="http://www.w3.org/2001/XMLSchema" xmlns:xs="http://www.w3.org/2001/XMLSchema" xmlns:p="http://schemas.microsoft.com/office/2006/metadata/properties" xmlns:ns2="cc02a9f5-0e8f-478d-ae46-fce6cd025606" xmlns:ns3="5ed103a9-c213-4e89-b04a-978a9c9d0ecb" targetNamespace="http://schemas.microsoft.com/office/2006/metadata/properties" ma:root="true" ma:fieldsID="25d1ba42b03243f6fad1194b6d2737ac" ns2:_="" ns3:_="">
     <xsd:import namespace="cc02a9f5-0e8f-478d-ae46-fce6cd025606"/>
@@ -8186,12 +10109,6 @@
 </ct:contentTypeSchema>
 </file>
 
-<file path=customXml/item2.xml><?xml version="1.0" encoding="utf-8"?>
-<p:properties xmlns:p="http://schemas.microsoft.com/office/2006/metadata/properties" xmlns:xsi="http://www.w3.org/2001/XMLSchema-instance" xmlns:pc="http://schemas.microsoft.com/office/infopath/2007/PartnerControls">
-  <documentManagement/>
-</p:properties>
-</file>
-
 <file path=customXml/item3.xml><?xml version="1.0" encoding="utf-8"?>
 <?mso-contentType ?>
 <FormTemplates xmlns="http://schemas.microsoft.com/sharepoint/v3/contenttype/forms">
@@ -8202,6 +10119,23 @@
 </file>
 
 <file path=customXml/itemProps1.xml><?xml version="1.0" encoding="utf-8"?>
+<ds:datastoreItem xmlns:ds="http://schemas.openxmlformats.org/officeDocument/2006/customXml" ds:itemID="{10D81E0D-2C63-4EA5-9F60-BC113953F389}">
+  <ds:schemaRefs>
+    <ds:schemaRef ds:uri="http://www.w3.org/XML/1998/namespace"/>
+    <ds:schemaRef ds:uri="http://schemas.microsoft.com/office/infopath/2007/PartnerControls"/>
+    <ds:schemaRef ds:uri="http://schemas.microsoft.com/office/2006/documentManagement/types"/>
+    <ds:schemaRef ds:uri="http://purl.org/dc/dcmitype/"/>
+    <ds:schemaRef ds:uri="cc02a9f5-0e8f-478d-ae46-fce6cd025606"/>
+    <ds:schemaRef ds:uri="http://schemas.openxmlformats.org/package/2006/metadata/core-properties"/>
+    <ds:schemaRef ds:uri="http://schemas.microsoft.com/office/2006/metadata/properties"/>
+    <ds:schemaRef ds:uri="5ed103a9-c213-4e89-b04a-978a9c9d0ecb"/>
+    <ds:schemaRef ds:uri="http://purl.org/dc/terms/"/>
+    <ds:schemaRef ds:uri="http://purl.org/dc/elements/1.1/"/>
+  </ds:schemaRefs>
+</ds:datastoreItem>
+</file>
+
+<file path=customXml/itemProps2.xml><?xml version="1.0" encoding="utf-8"?>
 <ds:datastoreItem xmlns:ds="http://schemas.openxmlformats.org/officeDocument/2006/customXml" ds:itemID="{048D89ED-6A25-4B9D-BC75-65054FB7685E}">
   <ds:schemaRefs>
     <ds:schemaRef ds:uri="http://schemas.microsoft.com/office/2006/metadata/contentType"/>
@@ -8220,23 +10154,6 @@
 </ds:datastoreItem>
 </file>
 
-<file path=customXml/itemProps2.xml><?xml version="1.0" encoding="utf-8"?>
-<ds:datastoreItem xmlns:ds="http://schemas.openxmlformats.org/officeDocument/2006/customXml" ds:itemID="{10D81E0D-2C63-4EA5-9F60-BC113953F389}">
-  <ds:schemaRefs>
-    <ds:schemaRef ds:uri="http://www.w3.org/XML/1998/namespace"/>
-    <ds:schemaRef ds:uri="http://schemas.microsoft.com/office/infopath/2007/PartnerControls"/>
-    <ds:schemaRef ds:uri="http://schemas.microsoft.com/office/2006/documentManagement/types"/>
-    <ds:schemaRef ds:uri="http://purl.org/dc/dcmitype/"/>
-    <ds:schemaRef ds:uri="cc02a9f5-0e8f-478d-ae46-fce6cd025606"/>
-    <ds:schemaRef ds:uri="http://schemas.openxmlformats.org/package/2006/metadata/core-properties"/>
-    <ds:schemaRef ds:uri="http://schemas.microsoft.com/office/2006/metadata/properties"/>
-    <ds:schemaRef ds:uri="5ed103a9-c213-4e89-b04a-978a9c9d0ecb"/>
-    <ds:schemaRef ds:uri="http://purl.org/dc/terms/"/>
-    <ds:schemaRef ds:uri="http://purl.org/dc/elements/1.1/"/>
-  </ds:schemaRefs>
-</ds:datastoreItem>
-</file>
-
 <file path=customXml/itemProps3.xml><?xml version="1.0" encoding="utf-8"?>
 <ds:datastoreItem xmlns:ds="http://schemas.openxmlformats.org/officeDocument/2006/customXml" ds:itemID="{478A104F-5518-4387-A41C-C91F45F51F72}">
   <ds:schemaRefs>

--- a/gao_ai_proposal.pptx
+++ b/gao_ai_proposal.pptx
@@ -2828,7 +2828,7 @@
           <a:p>
             <a:fld id="{9C5B416F-12F7-8245-B7D4-D65FCD72D8E0}" type="datetimeFigureOut">
               <a:rPr lang="en-US" smtClean="0"/>
-              <a:t>7/20/23</a:t>
+              <a:t>7/24/23</a:t>
             </a:fld>
             <a:endParaRPr lang="en-US"/>
           </a:p>
@@ -2994,7 +2994,7 @@
           <a:p>
             <a:fld id="{24EA5F54-FBF3-1447-ACC7-2EF23A9C40CC}" type="datetimeFigureOut">
               <a:rPr lang="en-US" smtClean="0"/>
-              <a:t>7/20/23</a:t>
+              <a:t>7/24/23</a:t>
             </a:fld>
             <a:endParaRPr lang="en-US"/>
           </a:p>
@@ -8316,6 +8316,7 @@
             </a:extLst>
           </p:cNvPr>
           <p:cNvCxnSpPr>
+            <a:cxnSpLocks/>
             <a:stCxn id="42" idx="6"/>
             <a:endCxn id="45" idx="1"/>
           </p:cNvCxnSpPr>
@@ -8357,14 +8358,14 @@
           <p:cNvCxnSpPr>
             <a:cxnSpLocks/>
             <a:stCxn id="44" idx="6"/>
-            <a:endCxn id="45" idx="2"/>
+            <a:endCxn id="45" idx="3"/>
           </p:cNvCxnSpPr>
           <p:nvPr/>
         </p:nvCxnSpPr>
         <p:spPr>
           <a:xfrm flipV="1">
-            <a:off x="3839102" y="2661729"/>
-            <a:ext cx="1430375" cy="325346"/>
+            <a:off x="3839102" y="2728150"/>
+            <a:ext cx="1458309" cy="258925"/>
           </a:xfrm>
           <a:prstGeom prst="line">
             <a:avLst/>
@@ -8396,15 +8397,15 @@
           </p:cNvPr>
           <p:cNvCxnSpPr>
             <a:cxnSpLocks/>
-            <a:stCxn id="43" idx="7"/>
-            <a:endCxn id="45" idx="3"/>
+            <a:stCxn id="43" idx="6"/>
+            <a:endCxn id="45" idx="4"/>
           </p:cNvCxnSpPr>
           <p:nvPr/>
         </p:nvCxnSpPr>
         <p:spPr>
           <a:xfrm flipV="1">
-            <a:off x="3811168" y="2728150"/>
-            <a:ext cx="1486243" cy="804892"/>
+            <a:off x="3839102" y="2755663"/>
+            <a:ext cx="1525749" cy="843801"/>
           </a:xfrm>
           <a:prstGeom prst="line">
             <a:avLst/>
@@ -8458,6 +8459,46 @@
           </a:fillRef>
           <a:effectRef idx="1">
             <a:schemeClr val="accent6"/>
+          </a:effectRef>
+          <a:fontRef idx="minor">
+            <a:schemeClr val="tx1"/>
+          </a:fontRef>
+        </p:style>
+      </p:cxnSp>
+      <p:cxnSp>
+        <p:nvCxnSpPr>
+          <p:cNvPr id="7" name="Straight Connector 6">
+            <a:extLst>
+              <a:ext uri="{FF2B5EF4-FFF2-40B4-BE49-F238E27FC236}">
+                <a16:creationId xmlns:a16="http://schemas.microsoft.com/office/drawing/2014/main" id="{F08AB292-230E-E7E4-2339-CF122F10795C}"/>
+              </a:ext>
+            </a:extLst>
+          </p:cNvPr>
+          <p:cNvCxnSpPr>
+            <a:cxnSpLocks/>
+            <a:stCxn id="34" idx="6"/>
+            <a:endCxn id="45" idx="0"/>
+          </p:cNvCxnSpPr>
+          <p:nvPr/>
+        </p:nvCxnSpPr>
+        <p:spPr>
+          <a:xfrm>
+            <a:off x="3839102" y="1731631"/>
+            <a:ext cx="1525749" cy="836163"/>
+          </a:xfrm>
+          <a:prstGeom prst="line">
+            <a:avLst/>
+          </a:prstGeom>
+        </p:spPr>
+        <p:style>
+          <a:lnRef idx="2">
+            <a:schemeClr val="dk1"/>
+          </a:lnRef>
+          <a:fillRef idx="0">
+            <a:schemeClr val="dk1"/>
+          </a:fillRef>
+          <a:effectRef idx="1">
+            <a:schemeClr val="dk1"/>
           </a:effectRef>
           <a:fontRef idx="minor">
             <a:schemeClr val="tx1"/>
@@ -9895,12 +9936,6 @@
 </file>
 
 <file path=customXml/item1.xml><?xml version="1.0" encoding="utf-8"?>
-<p:properties xmlns:p="http://schemas.microsoft.com/office/2006/metadata/properties" xmlns:xsi="http://www.w3.org/2001/XMLSchema-instance" xmlns:pc="http://schemas.microsoft.com/office/infopath/2007/PartnerControls">
-  <documentManagement/>
-</p:properties>
-</file>
-
-<file path=customXml/item2.xml><?xml version="1.0" encoding="utf-8"?>
 <ct:contentTypeSchema xmlns:ct="http://schemas.microsoft.com/office/2006/metadata/contentType" xmlns:ma="http://schemas.microsoft.com/office/2006/metadata/properties/metaAttributes" ct:_="" ma:_="" ma:contentTypeName="Document" ma:contentTypeID="0x010100C11066598DA2094897C17F025BEB5C33" ma:contentTypeVersion="11" ma:contentTypeDescription="Create a new document." ma:contentTypeScope="" ma:versionID="c132620416a636482ab79dc02cb4beda">
   <xsd:schema xmlns:xsd="http://www.w3.org/2001/XMLSchema" xmlns:xs="http://www.w3.org/2001/XMLSchema" xmlns:p="http://schemas.microsoft.com/office/2006/metadata/properties" xmlns:ns2="cc02a9f5-0e8f-478d-ae46-fce6cd025606" xmlns:ns3="5ed103a9-c213-4e89-b04a-978a9c9d0ecb" targetNamespace="http://schemas.microsoft.com/office/2006/metadata/properties" ma:root="true" ma:fieldsID="25d1ba42b03243f6fad1194b6d2737ac" ns2:_="" ns3:_="">
     <xsd:import namespace="cc02a9f5-0e8f-478d-ae46-fce6cd025606"/>
@@ -10109,6 +10144,12 @@
 </ct:contentTypeSchema>
 </file>
 
+<file path=customXml/item2.xml><?xml version="1.0" encoding="utf-8"?>
+<p:properties xmlns:p="http://schemas.microsoft.com/office/2006/metadata/properties" xmlns:xsi="http://www.w3.org/2001/XMLSchema-instance" xmlns:pc="http://schemas.microsoft.com/office/infopath/2007/PartnerControls">
+  <documentManagement/>
+</p:properties>
+</file>
+
 <file path=customXml/item3.xml><?xml version="1.0" encoding="utf-8"?>
 <?mso-contentType ?>
 <FormTemplates xmlns="http://schemas.microsoft.com/sharepoint/v3/contenttype/forms">
@@ -10119,23 +10160,6 @@
 </file>
 
 <file path=customXml/itemProps1.xml><?xml version="1.0" encoding="utf-8"?>
-<ds:datastoreItem xmlns:ds="http://schemas.openxmlformats.org/officeDocument/2006/customXml" ds:itemID="{10D81E0D-2C63-4EA5-9F60-BC113953F389}">
-  <ds:schemaRefs>
-    <ds:schemaRef ds:uri="http://www.w3.org/XML/1998/namespace"/>
-    <ds:schemaRef ds:uri="http://schemas.microsoft.com/office/infopath/2007/PartnerControls"/>
-    <ds:schemaRef ds:uri="http://schemas.microsoft.com/office/2006/documentManagement/types"/>
-    <ds:schemaRef ds:uri="http://purl.org/dc/dcmitype/"/>
-    <ds:schemaRef ds:uri="cc02a9f5-0e8f-478d-ae46-fce6cd025606"/>
-    <ds:schemaRef ds:uri="http://schemas.openxmlformats.org/package/2006/metadata/core-properties"/>
-    <ds:schemaRef ds:uri="http://schemas.microsoft.com/office/2006/metadata/properties"/>
-    <ds:schemaRef ds:uri="5ed103a9-c213-4e89-b04a-978a9c9d0ecb"/>
-    <ds:schemaRef ds:uri="http://purl.org/dc/terms/"/>
-    <ds:schemaRef ds:uri="http://purl.org/dc/elements/1.1/"/>
-  </ds:schemaRefs>
-</ds:datastoreItem>
-</file>
-
-<file path=customXml/itemProps2.xml><?xml version="1.0" encoding="utf-8"?>
 <ds:datastoreItem xmlns:ds="http://schemas.openxmlformats.org/officeDocument/2006/customXml" ds:itemID="{048D89ED-6A25-4B9D-BC75-65054FB7685E}">
   <ds:schemaRefs>
     <ds:schemaRef ds:uri="http://schemas.microsoft.com/office/2006/metadata/contentType"/>
@@ -10154,6 +10178,23 @@
 </ds:datastoreItem>
 </file>
 
+<file path=customXml/itemProps2.xml><?xml version="1.0" encoding="utf-8"?>
+<ds:datastoreItem xmlns:ds="http://schemas.openxmlformats.org/officeDocument/2006/customXml" ds:itemID="{10D81E0D-2C63-4EA5-9F60-BC113953F389}">
+  <ds:schemaRefs>
+    <ds:schemaRef ds:uri="http://www.w3.org/XML/1998/namespace"/>
+    <ds:schemaRef ds:uri="http://schemas.microsoft.com/office/infopath/2007/PartnerControls"/>
+    <ds:schemaRef ds:uri="http://schemas.microsoft.com/office/2006/documentManagement/types"/>
+    <ds:schemaRef ds:uri="http://purl.org/dc/dcmitype/"/>
+    <ds:schemaRef ds:uri="cc02a9f5-0e8f-478d-ae46-fce6cd025606"/>
+    <ds:schemaRef ds:uri="http://schemas.openxmlformats.org/package/2006/metadata/core-properties"/>
+    <ds:schemaRef ds:uri="http://schemas.microsoft.com/office/2006/metadata/properties"/>
+    <ds:schemaRef ds:uri="5ed103a9-c213-4e89-b04a-978a9c9d0ecb"/>
+    <ds:schemaRef ds:uri="http://purl.org/dc/terms/"/>
+    <ds:schemaRef ds:uri="http://purl.org/dc/elements/1.1/"/>
+  </ds:schemaRefs>
+</ds:datastoreItem>
+</file>
+
 <file path=customXml/itemProps3.xml><?xml version="1.0" encoding="utf-8"?>
 <ds:datastoreItem xmlns:ds="http://schemas.openxmlformats.org/officeDocument/2006/customXml" ds:itemID="{478A104F-5518-4387-A41C-C91F45F51F72}">
   <ds:schemaRefs>
